--- a/project/presentation/PresentationPowerPoint.pptx
+++ b/project/presentation/PresentationPowerPoint.pptx
@@ -6,20 +6,22 @@
   </p:sldMasterIdLst>
   <p:sldIdLst>
     <p:sldId id="256" r:id="rId2"/>
-    <p:sldId id="257" r:id="rId3"/>
-    <p:sldId id="269" r:id="rId4"/>
+    <p:sldId id="269" r:id="rId3"/>
+    <p:sldId id="257" r:id="rId4"/>
     <p:sldId id="270" r:id="rId5"/>
     <p:sldId id="258" r:id="rId6"/>
     <p:sldId id="259" r:id="rId7"/>
     <p:sldId id="260" r:id="rId8"/>
     <p:sldId id="261" r:id="rId9"/>
-    <p:sldId id="262" r:id="rId10"/>
-    <p:sldId id="263" r:id="rId11"/>
-    <p:sldId id="264" r:id="rId12"/>
-    <p:sldId id="265" r:id="rId13"/>
-    <p:sldId id="266" r:id="rId14"/>
-    <p:sldId id="267" r:id="rId15"/>
-    <p:sldId id="268" r:id="rId16"/>
+    <p:sldId id="272" r:id="rId10"/>
+    <p:sldId id="262" r:id="rId11"/>
+    <p:sldId id="263" r:id="rId12"/>
+    <p:sldId id="264" r:id="rId13"/>
+    <p:sldId id="265" r:id="rId14"/>
+    <p:sldId id="271" r:id="rId15"/>
+    <p:sldId id="266" r:id="rId16"/>
+    <p:sldId id="267" r:id="rId17"/>
+    <p:sldId id="268" r:id="rId18"/>
   </p:sldIdLst>
   <p:sldSz cx="9144000" cy="6858000" type="screen4x3"/>
   <p:notesSz cx="6858000" cy="9144000"/>
@@ -3838,7 +3840,94 @@
           <a:bodyPr/>
           <a:lstStyle/>
           <a:p>
-            <a:endParaRPr lang="fr-FR"/>
+            <a:pPr>
+              <a:buFont typeface="Arial"/>
+              <a:buChar char="•"/>
+            </a:pPr>
+            <a:r>
+              <a:rPr lang="fr-FR" dirty="0" err="1" smtClean="0"/>
+              <a:t>Based</a:t>
+            </a:r>
+            <a:r>
+              <a:rPr lang="fr-FR" dirty="0" smtClean="0"/>
+              <a:t> </a:t>
+            </a:r>
+            <a:r>
+              <a:rPr lang="fr-FR" smtClean="0"/>
+              <a:t>on pair-wise</a:t>
+            </a:r>
+            <a:r>
+              <a:rPr lang="fr-FR" dirty="0" smtClean="0"/>
+              <a:t> </a:t>
+            </a:r>
+            <a:r>
+              <a:rPr lang="fr-FR" dirty="0" err="1" smtClean="0"/>
+              <a:t>Bottleneck</a:t>
+            </a:r>
+            <a:r>
+              <a:rPr lang="fr-FR" dirty="0" smtClean="0"/>
+              <a:t> distance matrix</a:t>
+            </a:r>
+            <a:endParaRPr lang="fr-FR" dirty="0" smtClean="0"/>
+          </a:p>
+          <a:p>
+            <a:pPr>
+              <a:buFont typeface="Arial"/>
+              <a:buChar char="•"/>
+            </a:pPr>
+            <a:r>
+              <a:rPr lang="fr-FR" dirty="0" err="1" smtClean="0"/>
+              <a:t>kMeans</a:t>
+            </a:r>
+            <a:r>
+              <a:rPr lang="fr-FR" dirty="0" smtClean="0"/>
+              <a:t>:</a:t>
+            </a:r>
+          </a:p>
+          <a:p>
+            <a:pPr>
+              <a:buFont typeface="Arial"/>
+              <a:buChar char="•"/>
+            </a:pPr>
+            <a:r>
+              <a:rPr lang="fr-FR" dirty="0" err="1" smtClean="0"/>
+              <a:t>kMedoid</a:t>
+            </a:r>
+            <a:r>
+              <a:rPr lang="fr-FR" dirty="0" smtClean="0"/>
+              <a:t>:</a:t>
+            </a:r>
+          </a:p>
+          <a:p>
+            <a:pPr>
+              <a:buFont typeface="Arial"/>
+              <a:buChar char="•"/>
+            </a:pPr>
+            <a:r>
+              <a:rPr lang="fr-FR" dirty="0" smtClean="0"/>
+              <a:t>Visualisation via multi-</a:t>
+            </a:r>
+            <a:r>
+              <a:rPr lang="fr-FR" dirty="0" err="1" smtClean="0"/>
+              <a:t>d</a:t>
+            </a:r>
+            <a:r>
+              <a:rPr lang="fr-FR" dirty="0" err="1" smtClean="0"/>
+              <a:t>imensional</a:t>
+            </a:r>
+            <a:r>
+              <a:rPr lang="fr-FR" dirty="0" smtClean="0"/>
+              <a:t> </a:t>
+            </a:r>
+            <a:r>
+              <a:rPr lang="fr-FR" dirty="0" err="1" smtClean="0"/>
+              <a:t>scaling</a:t>
+            </a:r>
+            <a:r>
+              <a:rPr lang="fr-FR" dirty="0"/>
+              <a:t>.</a:t>
+            </a:r>
+            <a:endParaRPr lang="fr-FR" dirty="0"/>
           </a:p>
         </p:txBody>
       </p:sp>
@@ -3860,31 +3949,12 @@
           <a:lstStyle/>
           <a:p>
             <a:r>
-              <a:rPr lang="fr-FR" dirty="0" err="1" smtClean="0"/>
-              <a:t>Results</a:t>
-            </a:r>
-            <a:r>
-              <a:rPr lang="fr-FR" dirty="0"/>
-              <a:t/>
-            </a:r>
-            <a:br>
-              <a:rPr lang="fr-FR" dirty="0"/>
-            </a:br>
-            <a:r>
-              <a:rPr lang="fr-FR" dirty="0" err="1" smtClean="0"/>
-              <a:t>Nearest</a:t>
-            </a:r>
-            <a:r>
-              <a:rPr lang="fr-FR" dirty="0" smtClean="0"/>
-              <a:t> in </a:t>
-            </a:r>
-            <a:r>
-              <a:rPr lang="fr-FR" dirty="0" err="1" smtClean="0"/>
-              <a:t>Bottleneck</a:t>
-            </a:r>
-            <a:r>
-              <a:rPr lang="fr-FR" dirty="0" smtClean="0"/>
-              <a:t> Distance</a:t>
+              <a:rPr lang="fr-FR" dirty="0" smtClean="0"/>
+              <a:t>Classification via </a:t>
+            </a:r>
+            <a:r>
+              <a:rPr lang="fr-FR" dirty="0" err="1" smtClean="0"/>
+              <a:t>Clustering</a:t>
             </a:r>
             <a:endParaRPr lang="fr-FR" dirty="0"/>
           </a:p>
@@ -3893,7 +3963,7 @@
     </p:spTree>
     <p:extLst>
       <p:ext uri="{BB962C8B-B14F-4D97-AF65-F5344CB8AC3E}">
-        <p14:creationId xmlns:p14="http://schemas.microsoft.com/office/powerpoint/2010/main" val="2758726464"/>
+        <p14:creationId xmlns:p14="http://schemas.microsoft.com/office/powerpoint/2010/main" val="2684406465"/>
       </p:ext>
     </p:extLst>
   </p:cSld>
@@ -3952,61 +4022,49 @@
         <p:spPr/>
         <p:txBody>
           <a:bodyPr>
-            <a:normAutofit fontScale="90000"/>
+            <a:noAutofit/>
           </a:bodyPr>
           <a:lstStyle/>
           <a:p>
             <a:r>
-              <a:rPr lang="fr-FR" dirty="0" err="1" smtClean="0"/>
+              <a:rPr lang="fr-FR" sz="3600" dirty="0" err="1" smtClean="0"/>
               <a:t>Results</a:t>
             </a:r>
             <a:r>
-              <a:rPr lang="fr-FR" dirty="0" smtClean="0"/>
+              <a:rPr lang="fr-FR" sz="3600" dirty="0" smtClean="0"/>
+              <a:t>:</a:t>
+            </a:r>
+            <a:r>
+              <a:rPr lang="fr-FR" sz="3600" dirty="0"/>
               <a:t/>
             </a:r>
             <a:br>
-              <a:rPr lang="fr-FR" dirty="0" smtClean="0"/>
+              <a:rPr lang="fr-FR" sz="3600" dirty="0"/>
             </a:br>
             <a:r>
-              <a:rPr lang="fr-FR" sz="2700" dirty="0" smtClean="0"/>
-              <a:t>Multi-</a:t>
-            </a:r>
-            <a:r>
-              <a:rPr lang="fr-FR" sz="2700" dirty="0" err="1" smtClean="0"/>
-              <a:t>Dimensional</a:t>
-            </a:r>
-            <a:r>
-              <a:rPr lang="fr-FR" sz="2700" dirty="0" smtClean="0"/>
-              <a:t> </a:t>
-            </a:r>
-            <a:r>
-              <a:rPr lang="fr-FR" sz="2700" dirty="0" err="1" smtClean="0"/>
-              <a:t>Scaling</a:t>
-            </a:r>
-            <a:r>
-              <a:rPr lang="fr-FR" sz="2700" dirty="0" smtClean="0"/>
-              <a:t> and </a:t>
-            </a:r>
-            <a:r>
-              <a:rPr lang="fr-FR" sz="2700" dirty="0" err="1" smtClean="0"/>
-              <a:t>kMeans</a:t>
-            </a:r>
-            <a:r>
-              <a:rPr lang="fr-FR" sz="2700" dirty="0" smtClean="0"/>
-              <a:t> </a:t>
-            </a:r>
-            <a:r>
-              <a:rPr lang="fr-FR" sz="2700" dirty="0" err="1" smtClean="0"/>
-              <a:t>Clustering</a:t>
-            </a:r>
-            <a:endParaRPr lang="fr-FR" sz="2700" dirty="0"/>
+              <a:rPr lang="fr-FR" sz="2800" dirty="0" err="1" smtClean="0"/>
+              <a:t>Nearest</a:t>
+            </a:r>
+            <a:r>
+              <a:rPr lang="fr-FR" sz="2800" dirty="0" smtClean="0"/>
+              <a:t> in </a:t>
+            </a:r>
+            <a:r>
+              <a:rPr lang="fr-FR" sz="2800" dirty="0" err="1" smtClean="0"/>
+              <a:t>Bottleneck</a:t>
+            </a:r>
+            <a:r>
+              <a:rPr lang="fr-FR" sz="2800" dirty="0" smtClean="0"/>
+              <a:t> Distance</a:t>
+            </a:r>
+            <a:endParaRPr lang="fr-FR" sz="2800" dirty="0"/>
           </a:p>
         </p:txBody>
       </p:sp>
     </p:spTree>
     <p:extLst>
       <p:ext uri="{BB962C8B-B14F-4D97-AF65-F5344CB8AC3E}">
-        <p14:creationId xmlns:p14="http://schemas.microsoft.com/office/powerpoint/2010/main" val="3439006"/>
+        <p14:creationId xmlns:p14="http://schemas.microsoft.com/office/powerpoint/2010/main" val="2758726464"/>
       </p:ext>
     </p:extLst>
   </p:cSld>
@@ -4062,7 +4120,12 @@
             <p:ph type="title"/>
           </p:nvPr>
         </p:nvSpPr>
-        <p:spPr/>
+        <p:spPr>
+          <a:xfrm>
+            <a:off x="777240" y="4876800"/>
+            <a:ext cx="7807960" cy="914400"/>
+          </a:xfrm>
+        </p:spPr>
         <p:txBody>
           <a:bodyPr>
             <a:normAutofit fontScale="90000"/>
@@ -4075,51 +4138,55 @@
             </a:r>
             <a:r>
               <a:rPr lang="fr-FR" dirty="0" smtClean="0"/>
+              <a:t>:</a:t>
+            </a:r>
+            <a:r>
+              <a:rPr lang="fr-FR" dirty="0" smtClean="0"/>
               <a:t/>
             </a:r>
             <a:br>
               <a:rPr lang="fr-FR" dirty="0" smtClean="0"/>
             </a:br>
             <a:r>
-              <a:rPr lang="fr-FR" sz="2800" dirty="0" smtClean="0"/>
+              <a:rPr lang="fr-FR" sz="2900" dirty="0" smtClean="0"/>
               <a:t>Multi-</a:t>
             </a:r>
             <a:r>
-              <a:rPr lang="fr-FR" sz="2800" dirty="0" err="1" smtClean="0"/>
+              <a:rPr lang="fr-FR" sz="2900" dirty="0" err="1" smtClean="0"/>
               <a:t>Dimensional</a:t>
             </a:r>
             <a:r>
-              <a:rPr lang="fr-FR" sz="2800" dirty="0" smtClean="0"/>
+              <a:rPr lang="fr-FR" sz="2900" dirty="0" smtClean="0"/>
               <a:t> </a:t>
             </a:r>
             <a:r>
-              <a:rPr lang="fr-FR" sz="2800" dirty="0" err="1" smtClean="0"/>
+              <a:rPr lang="fr-FR" sz="2900" dirty="0" err="1" smtClean="0"/>
               <a:t>Scaling</a:t>
             </a:r>
             <a:r>
-              <a:rPr lang="fr-FR" sz="2800" dirty="0" smtClean="0"/>
+              <a:rPr lang="fr-FR" sz="2900" dirty="0" smtClean="0"/>
               <a:t> and </a:t>
             </a:r>
             <a:r>
-              <a:rPr lang="fr-FR" sz="2800" dirty="0" err="1" smtClean="0"/>
-              <a:t>kMedoid</a:t>
-            </a:r>
-            <a:r>
-              <a:rPr lang="fr-FR" sz="2800" dirty="0" smtClean="0"/>
+              <a:rPr lang="fr-FR" sz="2900" dirty="0" err="1" smtClean="0"/>
+              <a:t>kMeans</a:t>
+            </a:r>
+            <a:r>
+              <a:rPr lang="fr-FR" sz="2900" dirty="0" smtClean="0"/>
               <a:t> </a:t>
             </a:r>
             <a:r>
-              <a:rPr lang="fr-FR" sz="2800" dirty="0" err="1" smtClean="0"/>
+              <a:rPr lang="fr-FR" sz="2900" dirty="0" err="1" smtClean="0"/>
               <a:t>Clustering</a:t>
             </a:r>
-            <a:endParaRPr lang="fr-FR" sz="2800" dirty="0"/>
+            <a:endParaRPr lang="fr-FR" sz="2900" dirty="0"/>
           </a:p>
         </p:txBody>
       </p:sp>
     </p:spTree>
     <p:extLst>
       <p:ext uri="{BB962C8B-B14F-4D97-AF65-F5344CB8AC3E}">
-        <p14:creationId xmlns:p14="http://schemas.microsoft.com/office/powerpoint/2010/main" val="540028329"/>
+        <p14:creationId xmlns:p14="http://schemas.microsoft.com/office/powerpoint/2010/main" val="3439006"/>
       </p:ext>
     </p:extLst>
   </p:cSld>
@@ -4177,21 +4244,62 @@
         </p:nvSpPr>
         <p:spPr/>
         <p:txBody>
-          <a:bodyPr/>
-          <a:lstStyle/>
-          <a:p>
-            <a:r>
-              <a:rPr lang="fr-FR" dirty="0" smtClean="0"/>
-              <a:t>Future Directions</a:t>
-            </a:r>
-            <a:endParaRPr lang="fr-FR" dirty="0"/>
+          <a:bodyPr>
+            <a:normAutofit fontScale="90000"/>
+          </a:bodyPr>
+          <a:lstStyle/>
+          <a:p>
+            <a:r>
+              <a:rPr lang="fr-FR" dirty="0" err="1" smtClean="0"/>
+              <a:t>Results</a:t>
+            </a:r>
+            <a:r>
+              <a:rPr lang="fr-FR" dirty="0" smtClean="0"/>
+              <a:t/>
+            </a:r>
+            <a:br>
+              <a:rPr lang="fr-FR" dirty="0" smtClean="0"/>
+            </a:br>
+            <a:r>
+              <a:rPr lang="fr-FR" sz="2800" dirty="0" smtClean="0"/>
+              <a:t>Multi-</a:t>
+            </a:r>
+            <a:r>
+              <a:rPr lang="fr-FR" sz="2800" dirty="0" err="1" smtClean="0"/>
+              <a:t>Dimensional</a:t>
+            </a:r>
+            <a:r>
+              <a:rPr lang="fr-FR" sz="2800" dirty="0" smtClean="0"/>
+              <a:t> </a:t>
+            </a:r>
+            <a:r>
+              <a:rPr lang="fr-FR" sz="2800" dirty="0" err="1" smtClean="0"/>
+              <a:t>Scaling</a:t>
+            </a:r>
+            <a:r>
+              <a:rPr lang="fr-FR" sz="2800" dirty="0" smtClean="0"/>
+              <a:t> and </a:t>
+            </a:r>
+            <a:r>
+              <a:rPr lang="fr-FR" sz="2800" dirty="0" err="1" smtClean="0"/>
+              <a:t>kMedoid</a:t>
+            </a:r>
+            <a:r>
+              <a:rPr lang="fr-FR" sz="2800" dirty="0" smtClean="0"/>
+              <a:t> </a:t>
+            </a:r>
+            <a:r>
+              <a:rPr lang="fr-FR" sz="2800" dirty="0" err="1" smtClean="0"/>
+              <a:t>Clustering</a:t>
+            </a:r>
+            <a:endParaRPr lang="fr-FR" sz="2800" dirty="0"/>
           </a:p>
         </p:txBody>
       </p:sp>
     </p:spTree>
     <p:extLst>
       <p:ext uri="{BB962C8B-B14F-4D97-AF65-F5344CB8AC3E}">
-        <p14:creationId xmlns:p14="http://schemas.microsoft.com/office/powerpoint/2010/main" val="2859419064"/>
+        <p14:creationId xmlns:p14="http://schemas.microsoft.com/office/powerpoint/2010/main" val="540028329"/>
       </p:ext>
     </p:extLst>
   </p:cSld>
@@ -4220,6 +4328,300 @@
       </p:grpSpPr>
       <p:sp>
         <p:nvSpPr>
+          <p:cNvPr id="2" name="Espace réservé du contenu 1"/>
+          <p:cNvSpPr>
+            <a:spLocks noGrp="1"/>
+          </p:cNvSpPr>
+          <p:nvPr>
+            <p:ph idx="1"/>
+          </p:nvPr>
+        </p:nvSpPr>
+        <p:spPr/>
+        <p:txBody>
+          <a:bodyPr/>
+          <a:lstStyle/>
+          <a:p>
+            <a:endParaRPr lang="fr-FR"/>
+          </a:p>
+        </p:txBody>
+      </p:sp>
+      <p:sp>
+        <p:nvSpPr>
+          <p:cNvPr id="3" name="Titre 2"/>
+          <p:cNvSpPr>
+            <a:spLocks noGrp="1"/>
+          </p:cNvSpPr>
+          <p:nvPr>
+            <p:ph type="title"/>
+          </p:nvPr>
+        </p:nvSpPr>
+        <p:spPr/>
+        <p:txBody>
+          <a:bodyPr/>
+          <a:lstStyle/>
+          <a:p>
+            <a:r>
+              <a:rPr lang="fr-FR" sz="4000" dirty="0" err="1" smtClean="0"/>
+              <a:t>Reflections</a:t>
+            </a:r>
+            <a:endParaRPr lang="fr-FR" sz="4000" dirty="0"/>
+          </a:p>
+        </p:txBody>
+      </p:sp>
+    </p:spTree>
+    <p:extLst>
+      <p:ext uri="{BB962C8B-B14F-4D97-AF65-F5344CB8AC3E}">
+        <p14:creationId xmlns:p14="http://schemas.microsoft.com/office/powerpoint/2010/main" val="2555832873"/>
+      </p:ext>
+    </p:extLst>
+  </p:cSld>
+  <p:clrMapOvr>
+    <a:masterClrMapping/>
+  </p:clrMapOvr>
+</p:sld>
+</file>
+
+<file path=ppt/slides/slide15.xml><?xml version="1.0" encoding="utf-8"?>
+<p:sld xmlns:a="http://schemas.openxmlformats.org/drawingml/2006/main" xmlns:r="http://schemas.openxmlformats.org/officeDocument/2006/relationships" xmlns:p="http://schemas.openxmlformats.org/presentationml/2006/main">
+  <p:cSld>
+    <p:spTree>
+      <p:nvGrpSpPr>
+        <p:cNvPr id="1" name=""/>
+        <p:cNvGrpSpPr/>
+        <p:nvPr/>
+      </p:nvGrpSpPr>
+      <p:grpSpPr>
+        <a:xfrm>
+          <a:off x="0" y="0"/>
+          <a:ext cx="0" cy="0"/>
+          <a:chOff x="0" y="0"/>
+          <a:chExt cx="0" cy="0"/>
+        </a:xfrm>
+      </p:grpSpPr>
+      <p:sp>
+        <p:nvSpPr>
+          <p:cNvPr id="3" name="Espace réservé du contenu 2"/>
+          <p:cNvSpPr>
+            <a:spLocks noGrp="1"/>
+          </p:cNvSpPr>
+          <p:nvPr>
+            <p:ph idx="1"/>
+          </p:nvPr>
+        </p:nvSpPr>
+        <p:spPr/>
+        <p:txBody>
+          <a:bodyPr/>
+          <a:lstStyle/>
+          <a:p>
+            <a:pPr>
+              <a:buFont typeface="Arial"/>
+              <a:buChar char="•"/>
+            </a:pPr>
+            <a:r>
+              <a:rPr lang="fr-FR" dirty="0" err="1" smtClean="0"/>
+              <a:t>Apply</a:t>
+            </a:r>
+            <a:r>
+              <a:rPr lang="fr-FR" dirty="0" smtClean="0"/>
+              <a:t> p-</a:t>
+            </a:r>
+            <a:r>
+              <a:rPr lang="fr-FR" dirty="0" err="1" smtClean="0"/>
+              <a:t>Wasserstein</a:t>
+            </a:r>
+            <a:r>
+              <a:rPr lang="fr-FR" dirty="0" smtClean="0"/>
+              <a:t> </a:t>
+            </a:r>
+            <a:r>
+              <a:rPr lang="fr-FR" dirty="0" err="1" smtClean="0"/>
+              <a:t>Metric</a:t>
+            </a:r>
+            <a:r>
+              <a:rPr lang="fr-FR" dirty="0" smtClean="0"/>
+              <a:t>.</a:t>
+            </a:r>
+          </a:p>
+          <a:p>
+            <a:pPr>
+              <a:buFont typeface="Arial"/>
+              <a:buChar char="•"/>
+            </a:pPr>
+            <a:r>
+              <a:rPr lang="fr-FR" dirty="0" err="1" smtClean="0"/>
+              <a:t>Introduce</a:t>
+            </a:r>
+            <a:r>
+              <a:rPr lang="fr-FR" dirty="0" smtClean="0"/>
+              <a:t> </a:t>
+            </a:r>
+            <a:r>
+              <a:rPr lang="fr-FR" dirty="0" err="1" smtClean="0"/>
+              <a:t>cut</a:t>
+            </a:r>
+            <a:r>
+              <a:rPr lang="fr-FR" dirty="0" smtClean="0"/>
+              <a:t> off for </a:t>
+            </a:r>
+            <a:r>
+              <a:rPr lang="fr-FR" dirty="0" err="1" smtClean="0"/>
+              <a:t>intesity</a:t>
+            </a:r>
+            <a:r>
+              <a:rPr lang="fr-FR" dirty="0" smtClean="0"/>
+              <a:t> </a:t>
+            </a:r>
+            <a:r>
+              <a:rPr lang="fr-FR" dirty="0" err="1" smtClean="0"/>
+              <a:t>with</a:t>
+            </a:r>
+            <a:r>
+              <a:rPr lang="fr-FR" dirty="0" smtClean="0"/>
+              <a:t> chroma </a:t>
+            </a:r>
+            <a:r>
+              <a:rPr lang="fr-FR" dirty="0" err="1" smtClean="0"/>
+              <a:t>features</a:t>
+            </a:r>
+            <a:r>
+              <a:rPr lang="fr-FR" dirty="0" smtClean="0"/>
+              <a:t>.</a:t>
+            </a:r>
+          </a:p>
+          <a:p>
+            <a:pPr>
+              <a:buFont typeface="Arial"/>
+              <a:buChar char="•"/>
+            </a:pPr>
+            <a:r>
+              <a:rPr lang="fr-FR" dirty="0" smtClean="0"/>
+              <a:t>Use </a:t>
+            </a:r>
+            <a:r>
+              <a:rPr lang="fr-FR" dirty="0" err="1" smtClean="0"/>
+              <a:t>true</a:t>
+            </a:r>
+            <a:r>
+              <a:rPr lang="fr-FR" dirty="0" smtClean="0"/>
+              <a:t> pitch composition </a:t>
+            </a:r>
+            <a:r>
+              <a:rPr lang="fr-FR" dirty="0" err="1" smtClean="0"/>
+              <a:t>instead</a:t>
+            </a:r>
+            <a:r>
+              <a:rPr lang="fr-FR" dirty="0" smtClean="0"/>
+              <a:t> of chroma </a:t>
+            </a:r>
+            <a:r>
+              <a:rPr lang="fr-FR" dirty="0" err="1" smtClean="0"/>
+              <a:t>features</a:t>
+            </a:r>
+            <a:r>
+              <a:rPr lang="fr-FR" dirty="0" smtClean="0"/>
+              <a:t>. </a:t>
+            </a:r>
+          </a:p>
+          <a:p>
+            <a:pPr>
+              <a:buFont typeface="Arial"/>
+              <a:buChar char="•"/>
+            </a:pPr>
+            <a:r>
+              <a:rPr lang="fr-FR" dirty="0" smtClean="0"/>
+              <a:t>Train on </a:t>
+            </a:r>
+            <a:r>
+              <a:rPr lang="fr-FR" dirty="0" err="1" smtClean="0"/>
+              <a:t>fundemental</a:t>
+            </a:r>
+            <a:r>
+              <a:rPr lang="fr-FR" dirty="0" smtClean="0"/>
+              <a:t> </a:t>
+            </a:r>
+            <a:r>
+              <a:rPr lang="fr-FR" dirty="0" err="1" smtClean="0"/>
+              <a:t>chords</a:t>
+            </a:r>
+            <a:r>
+              <a:rPr lang="fr-FR" dirty="0" smtClean="0"/>
+              <a:t>, </a:t>
+            </a:r>
+            <a:r>
+              <a:rPr lang="fr-FR" dirty="0" err="1" smtClean="0"/>
+              <a:t>chord</a:t>
+            </a:r>
+            <a:r>
+              <a:rPr lang="fr-FR" dirty="0" smtClean="0"/>
+              <a:t> progressions, time signatures, and </a:t>
+            </a:r>
+            <a:r>
+              <a:rPr lang="fr-FR" dirty="0" err="1" smtClean="0"/>
+              <a:t>introduce</a:t>
+            </a:r>
+            <a:r>
+              <a:rPr lang="fr-FR" dirty="0" smtClean="0"/>
+              <a:t> timbre. </a:t>
+            </a:r>
+            <a:endParaRPr lang="fr-FR" dirty="0"/>
+          </a:p>
+        </p:txBody>
+      </p:sp>
+      <p:sp>
+        <p:nvSpPr>
+          <p:cNvPr id="2" name="Titre 1"/>
+          <p:cNvSpPr>
+            <a:spLocks noGrp="1"/>
+          </p:cNvSpPr>
+          <p:nvPr>
+            <p:ph type="title"/>
+          </p:nvPr>
+        </p:nvSpPr>
+        <p:spPr/>
+        <p:txBody>
+          <a:bodyPr/>
+          <a:lstStyle/>
+          <a:p>
+            <a:r>
+              <a:rPr lang="fr-FR" dirty="0" smtClean="0"/>
+              <a:t>Future Directions</a:t>
+            </a:r>
+            <a:endParaRPr lang="fr-FR" dirty="0"/>
+          </a:p>
+        </p:txBody>
+      </p:sp>
+    </p:spTree>
+    <p:extLst>
+      <p:ext uri="{BB962C8B-B14F-4D97-AF65-F5344CB8AC3E}">
+        <p14:creationId xmlns:p14="http://schemas.microsoft.com/office/powerpoint/2010/main" val="2859419064"/>
+      </p:ext>
+    </p:extLst>
+  </p:cSld>
+  <p:clrMapOvr>
+    <a:masterClrMapping/>
+  </p:clrMapOvr>
+</p:sld>
+</file>
+
+<file path=ppt/slides/slide16.xml><?xml version="1.0" encoding="utf-8"?>
+<p:sld xmlns:a="http://schemas.openxmlformats.org/drawingml/2006/main" xmlns:r="http://schemas.openxmlformats.org/officeDocument/2006/relationships" xmlns:p="http://schemas.openxmlformats.org/presentationml/2006/main">
+  <p:cSld>
+    <p:spTree>
+      <p:nvGrpSpPr>
+        <p:cNvPr id="1" name=""/>
+        <p:cNvGrpSpPr/>
+        <p:nvPr/>
+      </p:nvGrpSpPr>
+      <p:grpSpPr>
+        <a:xfrm>
+          <a:off x="0" y="0"/>
+          <a:ext cx="0" cy="0"/>
+          <a:chOff x="0" y="0"/>
+          <a:chExt cx="0" cy="0"/>
+        </a:xfrm>
+      </p:grpSpPr>
+      <p:sp>
+        <p:nvSpPr>
           <p:cNvPr id="3" name="Espace réservé du contenu 2"/>
           <p:cNvSpPr>
             <a:spLocks noGrp="1"/>
@@ -4273,7 +4675,7 @@
 </p:sld>
 </file>
 
-<file path=ppt/slides/slide15.xml><?xml version="1.0" encoding="utf-8"?>
+<file path=ppt/slides/slide17.xml><?xml version="1.0" encoding="utf-8"?>
 <p:sld xmlns:a="http://schemas.openxmlformats.org/drawingml/2006/main" xmlns:r="http://schemas.openxmlformats.org/officeDocument/2006/relationships" xmlns:p="http://schemas.openxmlformats.org/presentationml/2006/main">
   <p:cSld>
     <p:spTree>
@@ -4397,8 +4799,8 @@
           <a:lstStyle/>
           <a:p>
             <a:r>
-              <a:rPr lang="fr-FR" dirty="0" err="1" smtClean="0"/>
-              <a:t>Incentive</a:t>
+              <a:rPr lang="fr-FR" dirty="0" smtClean="0"/>
+              <a:t>Background</a:t>
             </a:r>
             <a:endParaRPr lang="fr-FR" dirty="0"/>
           </a:p>
@@ -4407,7 +4809,7 @@
     </p:spTree>
     <p:extLst>
       <p:ext uri="{BB962C8B-B14F-4D97-AF65-F5344CB8AC3E}">
-        <p14:creationId xmlns:p14="http://schemas.microsoft.com/office/powerpoint/2010/main" val="814014933"/>
+        <p14:creationId xmlns:p14="http://schemas.microsoft.com/office/powerpoint/2010/main" val="4007005319"/>
       </p:ext>
     </p:extLst>
   </p:cSld>
@@ -4444,12 +4846,88 @@
             <p:ph idx="1"/>
           </p:nvPr>
         </p:nvSpPr>
-        <p:spPr/>
-        <p:txBody>
-          <a:bodyPr/>
-          <a:lstStyle/>
-          <a:p>
-            <a:endParaRPr lang="fr-FR"/>
+        <p:spPr>
+          <a:xfrm>
+            <a:off x="1828800" y="685801"/>
+            <a:ext cx="6400800" cy="3657599"/>
+          </a:xfrm>
+        </p:spPr>
+        <p:txBody>
+          <a:bodyPr/>
+          <a:lstStyle/>
+          <a:p>
+            <a:pPr>
+              <a:buFont typeface="Arial"/>
+              <a:buChar char="•"/>
+            </a:pPr>
+            <a:r>
+              <a:rPr lang="fr-FR" dirty="0" err="1" smtClean="0"/>
+              <a:t>Demonstrate</a:t>
+            </a:r>
+            <a:r>
+              <a:rPr lang="fr-FR" dirty="0" smtClean="0"/>
+              <a:t> a </a:t>
+            </a:r>
+            <a:r>
+              <a:rPr lang="fr-FR" dirty="0" err="1" smtClean="0"/>
+              <a:t>novel</a:t>
+            </a:r>
+            <a:r>
+              <a:rPr lang="fr-FR" dirty="0" smtClean="0"/>
+              <a:t> </a:t>
+            </a:r>
+            <a:r>
+              <a:rPr lang="fr-FR" dirty="0" err="1" smtClean="0"/>
+              <a:t>means</a:t>
+            </a:r>
+            <a:r>
+              <a:rPr lang="fr-FR" dirty="0" smtClean="0"/>
+              <a:t> of </a:t>
+            </a:r>
+            <a:r>
+              <a:rPr lang="fr-FR" dirty="0" err="1" smtClean="0"/>
+              <a:t>song</a:t>
+            </a:r>
+            <a:r>
+              <a:rPr lang="fr-FR" dirty="0" smtClean="0"/>
+              <a:t> classification.</a:t>
+            </a:r>
+          </a:p>
+          <a:p>
+            <a:pPr>
+              <a:buFont typeface="Arial"/>
+              <a:buChar char="•"/>
+            </a:pPr>
+            <a:r>
+              <a:rPr lang="fr-FR" dirty="0" err="1" smtClean="0"/>
+              <a:t>Provide</a:t>
+            </a:r>
+            <a:r>
+              <a:rPr lang="fr-FR" dirty="0" smtClean="0"/>
+              <a:t> a new perspective to </a:t>
+            </a:r>
+            <a:r>
+              <a:rPr lang="fr-FR" dirty="0" err="1" smtClean="0"/>
+              <a:t>studying</a:t>
+            </a:r>
+            <a:r>
+              <a:rPr lang="fr-FR" dirty="0" smtClean="0"/>
+              <a:t> music composition.</a:t>
+            </a:r>
+          </a:p>
+          <a:p>
+            <a:pPr>
+              <a:buFont typeface="Arial"/>
+              <a:buChar char="•"/>
+            </a:pPr>
+            <a:endParaRPr lang="fr-FR" dirty="0" smtClean="0"/>
+          </a:p>
+          <a:p>
+            <a:pPr>
+              <a:buFont typeface="Arial"/>
+              <a:buChar char="•"/>
+            </a:pPr>
+            <a:endParaRPr lang="fr-FR" dirty="0"/>
           </a:p>
         </p:txBody>
       </p:sp>
@@ -4470,7 +4948,7 @@
           <a:p>
             <a:r>
               <a:rPr lang="fr-FR" dirty="0" smtClean="0"/>
-              <a:t>Background</a:t>
+              <a:t>Motivation</a:t>
             </a:r>
             <a:endParaRPr lang="fr-FR" dirty="0"/>
           </a:p>
@@ -4479,7 +4957,7 @@
     </p:spTree>
     <p:extLst>
       <p:ext uri="{BB962C8B-B14F-4D97-AF65-F5344CB8AC3E}">
-        <p14:creationId xmlns:p14="http://schemas.microsoft.com/office/powerpoint/2010/main" val="4007005319"/>
+        <p14:creationId xmlns:p14="http://schemas.microsoft.com/office/powerpoint/2010/main" val="814014933"/>
       </p:ext>
     </p:extLst>
   </p:cSld>
@@ -4516,12 +4994,45 @@
             <p:ph idx="1"/>
           </p:nvPr>
         </p:nvSpPr>
-        <p:spPr/>
-        <p:txBody>
-          <a:bodyPr/>
-          <a:lstStyle/>
-          <a:p>
-            <a:endParaRPr lang="fr-FR"/>
+        <p:spPr>
+          <a:xfrm>
+            <a:off x="1612900" y="685801"/>
+            <a:ext cx="6616700" cy="3657599"/>
+          </a:xfrm>
+        </p:spPr>
+        <p:txBody>
+          <a:bodyPr/>
+          <a:lstStyle/>
+          <a:p>
+            <a:pPr>
+              <a:buFont typeface="Arial"/>
+              <a:buChar char="•"/>
+            </a:pPr>
+            <a:r>
+              <a:rPr lang="fr-FR" dirty="0" err="1" smtClean="0"/>
+              <a:t>View</a:t>
+            </a:r>
+            <a:r>
+              <a:rPr lang="fr-FR" dirty="0" smtClean="0"/>
+              <a:t> music in </a:t>
+            </a:r>
+            <a:r>
+              <a:rPr lang="fr-FR" dirty="0" err="1" smtClean="0"/>
+              <a:t>terms</a:t>
+            </a:r>
+            <a:r>
+              <a:rPr lang="fr-FR" dirty="0" smtClean="0"/>
+              <a:t> of pitch, </a:t>
+            </a:r>
+            <a:r>
+              <a:rPr lang="fr-FR" dirty="0" err="1" smtClean="0"/>
+              <a:t>intensity</a:t>
+            </a:r>
+            <a:r>
+              <a:rPr lang="fr-FR" dirty="0" smtClean="0"/>
+              <a:t>, and time signatures.</a:t>
+            </a:r>
+            <a:endParaRPr lang="fr-FR" dirty="0"/>
           </a:p>
         </p:txBody>
       </p:sp>
@@ -4597,7 +5108,41 @@
           <a:bodyPr/>
           <a:lstStyle/>
           <a:p>
-            <a:endParaRPr lang="fr-FR"/>
+            <a:pPr>
+              <a:buFont typeface="Arial"/>
+              <a:buChar char="•"/>
+            </a:pPr>
+            <a:r>
+              <a:rPr lang="fr-FR" dirty="0" smtClean="0"/>
+              <a:t>Initial </a:t>
+            </a:r>
+            <a:r>
+              <a:rPr lang="fr-FR" dirty="0" err="1" smtClean="0"/>
+              <a:t>ideas</a:t>
+            </a:r>
+            <a:r>
+              <a:rPr lang="fr-FR" dirty="0" smtClean="0"/>
+              <a:t>: </a:t>
+            </a:r>
+          </a:p>
+          <a:p>
+            <a:pPr>
+              <a:buFont typeface="Arial"/>
+              <a:buChar char="•"/>
+            </a:pPr>
+            <a:r>
+              <a:rPr lang="fr-FR" dirty="0" smtClean="0"/>
+              <a:t>Chroma </a:t>
+            </a:r>
+            <a:r>
+              <a:rPr lang="fr-FR" dirty="0" err="1" smtClean="0"/>
+              <a:t>Features</a:t>
+            </a:r>
+            <a:r>
+              <a:rPr lang="fr-FR" dirty="0" smtClean="0"/>
+              <a:t>.</a:t>
+            </a:r>
+            <a:endParaRPr lang="fr-FR" dirty="0"/>
           </a:p>
         </p:txBody>
       </p:sp>
@@ -4619,6 +5164,10 @@
             <a:r>
               <a:rPr lang="fr-FR" dirty="0" err="1" smtClean="0"/>
               <a:t>Approach</a:t>
+            </a:r>
+            <a:r>
+              <a:rPr lang="fr-FR" dirty="0" smtClean="0"/>
+              <a:t>: Data</a:t>
             </a:r>
             <a:endParaRPr lang="fr-FR" dirty="0"/>
           </a:p>
@@ -4669,7 +5218,23 @@
           <a:bodyPr/>
           <a:lstStyle/>
           <a:p>
-            <a:endParaRPr lang="fr-FR"/>
+            <a:pPr>
+              <a:buFont typeface="Arial"/>
+              <a:buChar char="•"/>
+            </a:pPr>
+            <a:r>
+              <a:rPr lang="fr-FR" dirty="0" smtClean="0"/>
+              <a:t>Chroma </a:t>
+            </a:r>
+            <a:r>
+              <a:rPr lang="fr-FR" dirty="0" err="1" smtClean="0"/>
+              <a:t>Features</a:t>
+            </a:r>
+            <a:r>
+              <a:rPr lang="fr-FR" dirty="0" smtClean="0"/>
+              <a:t>.</a:t>
+            </a:r>
+            <a:endParaRPr lang="fr-FR" dirty="0"/>
           </a:p>
         </p:txBody>
       </p:sp>
@@ -4738,10 +5303,269 @@
         </p:nvSpPr>
         <p:spPr/>
         <p:txBody>
-          <a:bodyPr/>
-          <a:lstStyle/>
-          <a:p>
-            <a:endParaRPr lang="fr-FR"/>
+          <a:bodyPr>
+            <a:normAutofit lnSpcReduction="10000"/>
+          </a:bodyPr>
+          <a:lstStyle/>
+          <a:p>
+            <a:pPr marL="475488" indent="-457200">
+              <a:buFont typeface="+mj-lt"/>
+              <a:buAutoNum type="arabicPeriod"/>
+            </a:pPr>
+            <a:r>
+              <a:rPr lang="fr-FR" dirty="0" smtClean="0"/>
+              <a:t>Data </a:t>
+            </a:r>
+            <a:r>
+              <a:rPr lang="fr-FR" dirty="0" err="1" smtClean="0"/>
+              <a:t>Mining</a:t>
+            </a:r>
+            <a:r>
+              <a:rPr lang="fr-FR" dirty="0" smtClean="0"/>
+              <a:t>: </a:t>
+            </a:r>
+            <a:r>
+              <a:rPr lang="fr-FR" dirty="0" err="1" smtClean="0"/>
+              <a:t>Obtain</a:t>
+            </a:r>
+            <a:r>
+              <a:rPr lang="fr-FR" dirty="0" smtClean="0"/>
+              <a:t> Chroma </a:t>
+            </a:r>
+            <a:r>
+              <a:rPr lang="fr-FR" dirty="0" err="1" smtClean="0"/>
+              <a:t>Features</a:t>
+            </a:r>
+            <a:r>
+              <a:rPr lang="fr-FR" dirty="0" smtClean="0"/>
+              <a:t> of </a:t>
+            </a:r>
+            <a:r>
+              <a:rPr lang="fr-FR" dirty="0" err="1" smtClean="0"/>
+              <a:t>Songs</a:t>
+            </a:r>
+            <a:r>
+              <a:rPr lang="fr-FR" dirty="0" smtClean="0"/>
+              <a:t>.</a:t>
+            </a:r>
+            <a:endParaRPr lang="fr-FR" dirty="0"/>
+          </a:p>
+          <a:p>
+            <a:pPr marL="475488" indent="-457200">
+              <a:buFont typeface="+mj-lt"/>
+              <a:buAutoNum type="arabicPeriod"/>
+            </a:pPr>
+            <a:r>
+              <a:rPr lang="fr-FR" dirty="0" err="1" smtClean="0"/>
+              <a:t>Compute</a:t>
+            </a:r>
+            <a:r>
+              <a:rPr lang="fr-FR" dirty="0" smtClean="0"/>
+              <a:t> </a:t>
+            </a:r>
+            <a:r>
+              <a:rPr lang="fr-FR" dirty="0" err="1" smtClean="0"/>
+              <a:t>homological</a:t>
+            </a:r>
+            <a:r>
+              <a:rPr lang="fr-FR" dirty="0" smtClean="0"/>
+              <a:t> </a:t>
+            </a:r>
+            <a:r>
+              <a:rPr lang="fr-FR" dirty="0" err="1" smtClean="0"/>
+              <a:t>features</a:t>
+            </a:r>
+            <a:r>
+              <a:rPr lang="fr-FR" dirty="0" smtClean="0"/>
+              <a:t> in chroma </a:t>
+            </a:r>
+            <a:r>
+              <a:rPr lang="fr-FR" dirty="0" err="1" smtClean="0"/>
+              <a:t>features</a:t>
+            </a:r>
+            <a:r>
+              <a:rPr lang="fr-FR" dirty="0" smtClean="0"/>
+              <a:t> via </a:t>
+            </a:r>
+            <a:r>
+              <a:rPr lang="fr-FR" dirty="0" err="1" smtClean="0"/>
+              <a:t>persistence</a:t>
+            </a:r>
+            <a:r>
+              <a:rPr lang="fr-FR" dirty="0" smtClean="0"/>
+              <a:t>.</a:t>
+            </a:r>
+          </a:p>
+          <a:p>
+            <a:pPr marL="475488" indent="-457200">
+              <a:buFont typeface="+mj-lt"/>
+              <a:buAutoNum type="arabicPeriod"/>
+            </a:pPr>
+            <a:r>
+              <a:rPr lang="fr-FR" dirty="0" err="1" smtClean="0"/>
+              <a:t>Obtain</a:t>
+            </a:r>
+            <a:r>
+              <a:rPr lang="fr-FR" dirty="0" smtClean="0"/>
+              <a:t> pair-</a:t>
+            </a:r>
+            <a:r>
+              <a:rPr lang="fr-FR" dirty="0" err="1" smtClean="0"/>
+              <a:t>wise</a:t>
+            </a:r>
+            <a:r>
+              <a:rPr lang="fr-FR" dirty="0" smtClean="0"/>
+              <a:t> </a:t>
+            </a:r>
+            <a:r>
+              <a:rPr lang="fr-FR" dirty="0" err="1" smtClean="0"/>
+              <a:t>Bottleneck</a:t>
+            </a:r>
+            <a:r>
+              <a:rPr lang="fr-FR" dirty="0" smtClean="0"/>
+              <a:t> distances </a:t>
+            </a:r>
+            <a:r>
+              <a:rPr lang="fr-FR" dirty="0" err="1" smtClean="0"/>
+              <a:t>between</a:t>
+            </a:r>
+            <a:r>
+              <a:rPr lang="fr-FR" dirty="0" smtClean="0"/>
+              <a:t> </a:t>
+            </a:r>
+            <a:r>
+              <a:rPr lang="fr-FR" dirty="0" err="1" smtClean="0"/>
+              <a:t>persistence</a:t>
+            </a:r>
+            <a:r>
+              <a:rPr lang="fr-FR" dirty="0" smtClean="0"/>
+              <a:t> </a:t>
+            </a:r>
+            <a:r>
+              <a:rPr lang="fr-FR" dirty="0" err="1" smtClean="0"/>
+              <a:t>diagrams</a:t>
+            </a:r>
+            <a:r>
+              <a:rPr lang="fr-FR" dirty="0" smtClean="0"/>
+              <a:t> of </a:t>
+            </a:r>
+            <a:r>
+              <a:rPr lang="fr-FR" dirty="0" err="1" smtClean="0"/>
+              <a:t>songs</a:t>
+            </a:r>
+            <a:r>
+              <a:rPr lang="fr-FR" dirty="0" smtClean="0"/>
+              <a:t>.</a:t>
+            </a:r>
+          </a:p>
+          <a:p>
+            <a:pPr marL="475488" indent="-457200">
+              <a:buFont typeface="+mj-lt"/>
+              <a:buAutoNum type="arabicPeriod"/>
+            </a:pPr>
+            <a:r>
+              <a:rPr lang="fr-FR" dirty="0" err="1" smtClean="0"/>
+              <a:t>Perform</a:t>
+            </a:r>
+            <a:r>
+              <a:rPr lang="fr-FR" dirty="0" smtClean="0"/>
+              <a:t> </a:t>
+            </a:r>
+            <a:r>
+              <a:rPr lang="fr-FR" dirty="0" err="1" smtClean="0"/>
+              <a:t>clustering</a:t>
+            </a:r>
+            <a:r>
+              <a:rPr lang="fr-FR" dirty="0" smtClean="0"/>
+              <a:t> </a:t>
+            </a:r>
+            <a:r>
+              <a:rPr lang="fr-FR" dirty="0" err="1" smtClean="0"/>
+              <a:t>based</a:t>
+            </a:r>
+            <a:r>
+              <a:rPr lang="fr-FR" dirty="0" smtClean="0"/>
+              <a:t> on pair-</a:t>
+            </a:r>
+            <a:r>
+              <a:rPr lang="fr-FR" dirty="0" err="1" smtClean="0"/>
+              <a:t>wise</a:t>
+            </a:r>
+            <a:r>
+              <a:rPr lang="fr-FR" dirty="0" smtClean="0"/>
+              <a:t> </a:t>
+            </a:r>
+            <a:r>
+              <a:rPr lang="fr-FR" dirty="0" err="1"/>
+              <a:t>B</a:t>
+            </a:r>
+            <a:r>
+              <a:rPr lang="fr-FR" dirty="0" err="1" smtClean="0"/>
+              <a:t>ottleneck</a:t>
+            </a:r>
+            <a:r>
+              <a:rPr lang="fr-FR" dirty="0" smtClean="0"/>
+              <a:t> distances.</a:t>
+            </a:r>
+          </a:p>
+          <a:p>
+            <a:pPr marL="475488" indent="-457200">
+              <a:buFont typeface="+mj-lt"/>
+              <a:buAutoNum type="arabicPeriod"/>
+            </a:pPr>
+            <a:r>
+              <a:rPr lang="fr-FR" dirty="0" err="1"/>
+              <a:t>P</a:t>
+            </a:r>
+            <a:r>
+              <a:rPr lang="fr-FR" dirty="0" err="1" smtClean="0"/>
+              <a:t>erform</a:t>
+            </a:r>
+            <a:r>
+              <a:rPr lang="fr-FR" dirty="0" smtClean="0"/>
+              <a:t> dimension </a:t>
+            </a:r>
+            <a:r>
+              <a:rPr lang="fr-FR" dirty="0" err="1" smtClean="0"/>
+              <a:t>reduction</a:t>
+            </a:r>
+            <a:r>
+              <a:rPr lang="fr-FR" dirty="0" smtClean="0"/>
+              <a:t> for visualisation.</a:t>
+            </a:r>
+          </a:p>
+          <a:p>
+            <a:pPr marL="475488" indent="-457200">
+              <a:buFont typeface="+mj-lt"/>
+              <a:buAutoNum type="arabicPeriod"/>
+            </a:pPr>
+            <a:r>
+              <a:rPr lang="fr-FR" dirty="0" smtClean="0"/>
+              <a:t>Asses </a:t>
+            </a:r>
+            <a:r>
+              <a:rPr lang="fr-FR" dirty="0" err="1" smtClean="0"/>
+              <a:t>success</a:t>
+            </a:r>
+            <a:r>
+              <a:rPr lang="fr-FR" dirty="0" smtClean="0"/>
+              <a:t> of </a:t>
+            </a:r>
+            <a:r>
+              <a:rPr lang="fr-FR" dirty="0" err="1" smtClean="0"/>
+              <a:t>found</a:t>
+            </a:r>
+            <a:r>
+              <a:rPr lang="fr-FR" dirty="0" smtClean="0"/>
+              <a:t> clusters.</a:t>
+            </a:r>
+          </a:p>
+          <a:p>
+            <a:pPr marL="475488" indent="-457200">
+              <a:buFont typeface="+mj-lt"/>
+              <a:buAutoNum type="arabicPeriod"/>
+            </a:pPr>
+            <a:endParaRPr lang="fr-FR" dirty="0" smtClean="0"/>
           </a:p>
         </p:txBody>
       </p:sp>
@@ -4755,24 +5579,37 @@
             <p:ph type="title"/>
           </p:nvPr>
         </p:nvSpPr>
-        <p:spPr/>
-        <p:txBody>
-          <a:bodyPr/>
-          <a:lstStyle/>
-          <a:p>
-            <a:r>
-              <a:rPr lang="fr-FR" dirty="0" err="1" smtClean="0"/>
+        <p:spPr>
+          <a:xfrm>
+            <a:off x="777240" y="4876800"/>
+            <a:ext cx="7934960" cy="914400"/>
+          </a:xfrm>
+        </p:spPr>
+        <p:txBody>
+          <a:bodyPr/>
+          <a:lstStyle/>
+          <a:p>
+            <a:r>
+              <a:rPr lang="fr-FR" sz="3600" dirty="0" err="1" smtClean="0"/>
+              <a:t>Summary</a:t>
+            </a:r>
+            <a:r>
+              <a:rPr lang="fr-FR" sz="3600" dirty="0" smtClean="0"/>
+              <a:t> of </a:t>
+            </a:r>
+            <a:r>
+              <a:rPr lang="fr-FR" sz="3600" dirty="0" err="1" smtClean="0"/>
               <a:t>Computational</a:t>
             </a:r>
             <a:r>
-              <a:rPr lang="fr-FR" dirty="0" smtClean="0"/>
+              <a:rPr lang="fr-FR" sz="3600" dirty="0" smtClean="0"/>
               <a:t> </a:t>
             </a:r>
             <a:r>
-              <a:rPr lang="fr-FR" dirty="0" err="1" smtClean="0"/>
+              <a:rPr lang="fr-FR" sz="3600" dirty="0" err="1" smtClean="0"/>
               <a:t>Methods</a:t>
             </a:r>
-            <a:endParaRPr lang="fr-FR" dirty="0"/>
+            <a:endParaRPr lang="fr-FR" sz="3600" dirty="0"/>
           </a:p>
         </p:txBody>
       </p:sp>
@@ -4816,12 +5653,49 @@
             <p:ph idx="1"/>
           </p:nvPr>
         </p:nvSpPr>
-        <p:spPr/>
-        <p:txBody>
-          <a:bodyPr/>
-          <a:lstStyle/>
-          <a:p>
-            <a:endParaRPr lang="fr-FR"/>
+        <p:spPr>
+          <a:xfrm>
+            <a:off x="1295400" y="1"/>
+            <a:ext cx="6934200" cy="2044699"/>
+          </a:xfrm>
+        </p:spPr>
+        <p:txBody>
+          <a:bodyPr>
+            <a:normAutofit/>
+          </a:bodyPr>
+          <a:lstStyle/>
+          <a:p>
+            <a:pPr>
+              <a:buFont typeface="Arial"/>
+              <a:buChar char="•"/>
+            </a:pPr>
+            <a:r>
+              <a:rPr lang="fr-FR" sz="2400" dirty="0" smtClean="0"/>
+              <a:t>Persistent </a:t>
+            </a:r>
+            <a:r>
+              <a:rPr lang="fr-FR" sz="2400" dirty="0" err="1" smtClean="0"/>
+              <a:t>Homology</a:t>
+            </a:r>
+            <a:r>
+              <a:rPr lang="fr-FR" sz="2400" dirty="0" smtClean="0"/>
+              <a:t> of chroma </a:t>
+            </a:r>
+            <a:r>
+              <a:rPr lang="fr-FR" sz="2400" dirty="0" err="1" smtClean="0"/>
+              <a:t>features</a:t>
+            </a:r>
+            <a:r>
+              <a:rPr lang="fr-FR" sz="2400" dirty="0" smtClean="0"/>
+              <a:t>.</a:t>
+            </a:r>
+          </a:p>
+          <a:p>
+            <a:pPr>
+              <a:buFont typeface="Arial"/>
+              <a:buChar char="•"/>
+            </a:pPr>
+            <a:endParaRPr lang="fr-FR" sz="2400" dirty="0" smtClean="0"/>
           </a:p>
         </p:txBody>
       </p:sp>
@@ -4835,7 +5709,12 @@
             <p:ph type="title"/>
           </p:nvPr>
         </p:nvSpPr>
-        <p:spPr/>
+        <p:spPr>
+          <a:xfrm>
+            <a:off x="777240" y="4876800"/>
+            <a:ext cx="7543800" cy="1282700"/>
+          </a:xfrm>
+        </p:spPr>
         <p:txBody>
           <a:bodyPr/>
           <a:lstStyle/>
@@ -4852,6 +5731,66 @@
           </a:p>
         </p:txBody>
       </p:sp>
+      <p:pic>
+        <p:nvPicPr>
+          <p:cNvPr id="4" name="Image 3" descr="specgram.pdf"/>
+          <p:cNvPicPr>
+            <a:picLocks noChangeAspect="1"/>
+          </p:cNvPicPr>
+          <p:nvPr/>
+        </p:nvPicPr>
+        <p:blipFill>
+          <a:blip r:embed="rId2">
+            <a:extLst>
+              <a:ext uri="{28A0092B-C50C-407E-A947-70E740481C1C}">
+                <a14:useLocalDpi xmlns:a14="http://schemas.microsoft.com/office/drawing/2010/main" val="0"/>
+              </a:ext>
+            </a:extLst>
+          </a:blip>
+          <a:stretch>
+            <a:fillRect/>
+          </a:stretch>
+        </p:blipFill>
+        <p:spPr>
+          <a:xfrm>
+            <a:off x="0" y="1562100"/>
+            <a:ext cx="3848100" cy="3848100"/>
+          </a:xfrm>
+          <a:prstGeom prst="rect">
+            <a:avLst/>
+          </a:prstGeom>
+        </p:spPr>
+      </p:pic>
+      <p:pic>
+        <p:nvPicPr>
+          <p:cNvPr id="6" name="Image 5" descr="persChroma.png"/>
+          <p:cNvPicPr>
+            <a:picLocks noChangeAspect="1"/>
+          </p:cNvPicPr>
+          <p:nvPr/>
+        </p:nvPicPr>
+        <p:blipFill>
+          <a:blip r:embed="rId3">
+            <a:extLst>
+              <a:ext uri="{28A0092B-C50C-407E-A947-70E740481C1C}">
+                <a14:useLocalDpi xmlns:a14="http://schemas.microsoft.com/office/drawing/2010/main" val="0"/>
+              </a:ext>
+            </a:extLst>
+          </a:blip>
+          <a:stretch>
+            <a:fillRect/>
+          </a:stretch>
+        </p:blipFill>
+        <p:spPr>
+          <a:xfrm>
+            <a:off x="3644900" y="609600"/>
+            <a:ext cx="5372100" cy="5372100"/>
+          </a:xfrm>
+          <a:prstGeom prst="rect">
+            <a:avLst/>
+          </a:prstGeom>
+        </p:spPr>
+      </p:pic>
     </p:spTree>
     <p:extLst>
       <p:ext uri="{BB962C8B-B14F-4D97-AF65-F5344CB8AC3E}">
@@ -4897,7 +5836,255 @@
           <a:bodyPr/>
           <a:lstStyle/>
           <a:p>
-            <a:endParaRPr lang="fr-FR"/>
+            <a:pPr>
+              <a:buFont typeface="Arial"/>
+              <a:buChar char="•"/>
+            </a:pPr>
+            <a:r>
+              <a:rPr lang="fr-FR" dirty="0" smtClean="0"/>
+              <a:t>Persistent </a:t>
+            </a:r>
+            <a:r>
+              <a:rPr lang="fr-FR" dirty="0" err="1" smtClean="0"/>
+              <a:t>Homology</a:t>
+            </a:r>
+            <a:r>
+              <a:rPr lang="fr-FR" dirty="0" smtClean="0"/>
+              <a:t> of chroma </a:t>
+            </a:r>
+            <a:r>
+              <a:rPr lang="fr-FR" dirty="0" err="1" smtClean="0"/>
+              <a:t>features</a:t>
+            </a:r>
+            <a:r>
+              <a:rPr lang="fr-FR" dirty="0" smtClean="0"/>
+              <a:t>.</a:t>
+            </a:r>
+          </a:p>
+          <a:p>
+            <a:pPr lvl="2">
+              <a:buFont typeface="Arial"/>
+              <a:buChar char="•"/>
+            </a:pPr>
+            <a:r>
+              <a:rPr lang="fr-FR" b="1" dirty="0" err="1" smtClean="0"/>
+              <a:t>Homological</a:t>
+            </a:r>
+            <a:r>
+              <a:rPr lang="fr-FR" b="1" dirty="0" smtClean="0"/>
+              <a:t> </a:t>
+            </a:r>
+            <a:r>
+              <a:rPr lang="fr-FR" b="1" dirty="0" err="1" smtClean="0"/>
+              <a:t>features</a:t>
+            </a:r>
+            <a:r>
+              <a:rPr lang="fr-FR" b="1" dirty="0" smtClean="0"/>
+              <a:t> </a:t>
+            </a:r>
+            <a:r>
+              <a:rPr lang="fr-FR" b="1" dirty="0" err="1" smtClean="0"/>
+              <a:t>reflect</a:t>
+            </a:r>
+            <a:r>
+              <a:rPr lang="fr-FR" dirty="0" smtClean="0"/>
+              <a:t> </a:t>
+            </a:r>
+            <a:r>
+              <a:rPr lang="fr-FR" dirty="0" err="1" smtClean="0"/>
+              <a:t>common</a:t>
+            </a:r>
+            <a:r>
+              <a:rPr lang="fr-FR" dirty="0" smtClean="0"/>
+              <a:t> </a:t>
+            </a:r>
+            <a:r>
+              <a:rPr lang="fr-FR" b="1" dirty="0" err="1" smtClean="0"/>
+              <a:t>composition</a:t>
+            </a:r>
+            <a:r>
+              <a:rPr lang="fr-FR" dirty="0" err="1" smtClean="0"/>
+              <a:t>al</a:t>
+            </a:r>
+            <a:r>
+              <a:rPr lang="fr-FR" dirty="0" smtClean="0"/>
+              <a:t> structures in </a:t>
+            </a:r>
+            <a:r>
+              <a:rPr lang="fr-FR" dirty="0" err="1" smtClean="0"/>
+              <a:t>songs</a:t>
+            </a:r>
+            <a:r>
+              <a:rPr lang="fr-FR" dirty="0" smtClean="0"/>
+              <a:t>.</a:t>
+            </a:r>
+          </a:p>
+          <a:p>
+            <a:pPr lvl="2">
+              <a:buFont typeface="Arial"/>
+              <a:buChar char="•"/>
+            </a:pPr>
+            <a:r>
+              <a:rPr lang="fr-FR" b="1" dirty="0" err="1" smtClean="0"/>
+              <a:t>Birth</a:t>
+            </a:r>
+            <a:r>
+              <a:rPr lang="fr-FR" b="1" dirty="0" smtClean="0"/>
+              <a:t> and </a:t>
+            </a:r>
+            <a:r>
+              <a:rPr lang="fr-FR" b="1" dirty="0" err="1" smtClean="0"/>
+              <a:t>Death</a:t>
+            </a:r>
+            <a:r>
+              <a:rPr lang="fr-FR" b="1" dirty="0" smtClean="0"/>
+              <a:t> times </a:t>
+            </a:r>
+            <a:r>
+              <a:rPr lang="fr-FR" dirty="0" smtClean="0"/>
+              <a:t>of </a:t>
+            </a:r>
+            <a:r>
+              <a:rPr lang="fr-FR" dirty="0" err="1" smtClean="0"/>
+              <a:t>homological</a:t>
+            </a:r>
+            <a:r>
+              <a:rPr lang="fr-FR" dirty="0" smtClean="0"/>
+              <a:t> </a:t>
+            </a:r>
+            <a:r>
+              <a:rPr lang="fr-FR" dirty="0" err="1" smtClean="0"/>
+              <a:t>features</a:t>
+            </a:r>
+            <a:r>
+              <a:rPr lang="fr-FR" dirty="0" smtClean="0"/>
+              <a:t> </a:t>
+            </a:r>
+            <a:r>
+              <a:rPr lang="fr-FR" b="1" dirty="0" err="1" smtClean="0"/>
+              <a:t>reflect</a:t>
+            </a:r>
+            <a:r>
+              <a:rPr lang="fr-FR" b="1" dirty="0" smtClean="0"/>
+              <a:t> time signatures </a:t>
+            </a:r>
+            <a:r>
+              <a:rPr lang="fr-FR" dirty="0" smtClean="0"/>
+              <a:t>of musical compositions. </a:t>
+            </a:r>
+          </a:p>
+          <a:p>
+            <a:pPr>
+              <a:buFont typeface="Arial"/>
+              <a:buChar char="•"/>
+            </a:pPr>
+            <a:r>
+              <a:rPr lang="fr-FR" dirty="0" err="1" smtClean="0"/>
+              <a:t>Bottleneck</a:t>
+            </a:r>
+            <a:r>
+              <a:rPr lang="fr-FR" dirty="0" smtClean="0"/>
+              <a:t> distance </a:t>
+            </a:r>
+            <a:r>
+              <a:rPr lang="fr-FR" dirty="0" err="1" smtClean="0"/>
+              <a:t>between</a:t>
+            </a:r>
+            <a:r>
+              <a:rPr lang="fr-FR" dirty="0" smtClean="0"/>
+              <a:t> </a:t>
+            </a:r>
+            <a:r>
+              <a:rPr lang="fr-FR" dirty="0" err="1" smtClean="0"/>
+              <a:t>persistence</a:t>
+            </a:r>
+            <a:r>
+              <a:rPr lang="fr-FR" dirty="0" smtClean="0"/>
+              <a:t> </a:t>
+            </a:r>
+            <a:r>
+              <a:rPr lang="fr-FR" dirty="0" err="1" smtClean="0"/>
+              <a:t>diagrams</a:t>
+            </a:r>
+            <a:r>
+              <a:rPr lang="fr-FR" dirty="0" smtClean="0"/>
+              <a:t> of </a:t>
+            </a:r>
+            <a:r>
+              <a:rPr lang="fr-FR" dirty="0" err="1" smtClean="0"/>
+              <a:t>songs</a:t>
+            </a:r>
+            <a:r>
+              <a:rPr lang="fr-FR" dirty="0" smtClean="0"/>
+              <a:t>.</a:t>
+            </a:r>
+          </a:p>
+          <a:p>
+            <a:pPr lvl="2">
+              <a:buFont typeface="Arial"/>
+              <a:buChar char="•"/>
+            </a:pPr>
+            <a:r>
+              <a:rPr lang="fr-FR" dirty="0" err="1" smtClean="0"/>
+              <a:t>Allow</a:t>
+            </a:r>
+            <a:r>
+              <a:rPr lang="fr-FR" dirty="0" smtClean="0"/>
+              <a:t> a </a:t>
+            </a:r>
+            <a:r>
+              <a:rPr lang="fr-FR" b="1" dirty="0" err="1" smtClean="0"/>
+              <a:t>measure</a:t>
+            </a:r>
+            <a:r>
+              <a:rPr lang="fr-FR" b="1" dirty="0" smtClean="0"/>
+              <a:t> of </a:t>
+            </a:r>
+            <a:r>
+              <a:rPr lang="fr-FR" b="1" dirty="0" err="1" smtClean="0"/>
+              <a:t>similarity</a:t>
+            </a:r>
+            <a:r>
+              <a:rPr lang="fr-FR" b="1" dirty="0" smtClean="0"/>
+              <a:t> </a:t>
+            </a:r>
+            <a:r>
+              <a:rPr lang="fr-FR" b="1" dirty="0" err="1" smtClean="0"/>
+              <a:t>between</a:t>
+            </a:r>
+            <a:r>
+              <a:rPr lang="fr-FR" b="1" dirty="0" smtClean="0"/>
+              <a:t> </a:t>
+            </a:r>
+            <a:r>
+              <a:rPr lang="fr-FR" dirty="0" smtClean="0"/>
+              <a:t>structure of </a:t>
+            </a:r>
+            <a:r>
+              <a:rPr lang="fr-FR" b="1" dirty="0" err="1" smtClean="0"/>
+              <a:t>song</a:t>
+            </a:r>
+            <a:r>
+              <a:rPr lang="fr-FR" b="1" dirty="0" smtClean="0"/>
+              <a:t> compositions</a:t>
+            </a:r>
+            <a:r>
+              <a:rPr lang="fr-FR" dirty="0" smtClean="0"/>
+              <a:t>.</a:t>
+            </a:r>
+          </a:p>
+          <a:p>
+            <a:pPr marL="384048" lvl="1" indent="0">
+              <a:buNone/>
+            </a:pPr>
+            <a:endParaRPr lang="fr-FR" dirty="0" smtClean="0"/>
+          </a:p>
+          <a:p>
+            <a:pPr lvl="1">
+              <a:buFont typeface="Arial"/>
+              <a:buChar char="•"/>
+            </a:pPr>
+            <a:endParaRPr lang="fr-FR" dirty="0" smtClean="0"/>
           </a:p>
         </p:txBody>
       </p:sp>
@@ -4913,18 +6100,16 @@
         </p:nvSpPr>
         <p:spPr/>
         <p:txBody>
-          <a:bodyPr>
-            <a:normAutofit fontScale="90000"/>
-          </a:bodyPr>
-          <a:lstStyle/>
-          <a:p>
-            <a:r>
-              <a:rPr lang="fr-FR" dirty="0" smtClean="0"/>
-              <a:t>Machine Learning and </a:t>
-            </a:r>
-            <a:r>
-              <a:rPr lang="fr-FR" dirty="0" err="1" smtClean="0"/>
-              <a:t>Clustering</a:t>
+          <a:bodyPr/>
+          <a:lstStyle/>
+          <a:p>
+            <a:r>
+              <a:rPr lang="fr-FR" dirty="0" err="1" smtClean="0"/>
+              <a:t>Topological</a:t>
+            </a:r>
+            <a:r>
+              <a:rPr lang="fr-FR" dirty="0" smtClean="0"/>
+              <a:t> Aspects</a:t>
             </a:r>
             <a:endParaRPr lang="fr-FR" dirty="0"/>
           </a:p>
@@ -4933,7 +6118,7 @@
     </p:spTree>
     <p:extLst>
       <p:ext uri="{BB962C8B-B14F-4D97-AF65-F5344CB8AC3E}">
-        <p14:creationId xmlns:p14="http://schemas.microsoft.com/office/powerpoint/2010/main" val="2684406465"/>
+        <p14:creationId xmlns:p14="http://schemas.microsoft.com/office/powerpoint/2010/main" val="4160032454"/>
       </p:ext>
     </p:extLst>
   </p:cSld>

--- a/project/presentation/PresentationPowerPoint.pptx
+++ b/project/presentation/PresentationPowerPoint.pptx
@@ -3850,11 +3850,11 @@
             </a:r>
             <a:r>
               <a:rPr lang="fr-FR" dirty="0" smtClean="0"/>
-              <a:t> </a:t>
-            </a:r>
-            <a:r>
-              <a:rPr lang="fr-FR" smtClean="0"/>
-              <a:t>on pair-wise</a:t>
+              <a:t> on pair-</a:t>
+            </a:r>
+            <a:r>
+              <a:rPr lang="fr-FR" dirty="0" err="1" smtClean="0"/>
+              <a:t>wise</a:t>
             </a:r>
             <a:r>
               <a:rPr lang="fr-FR" dirty="0" smtClean="0"/>
@@ -5213,54 +5213,187 @@
             <p:ph idx="1"/>
           </p:nvPr>
         </p:nvSpPr>
-        <p:spPr/>
-        <p:txBody>
-          <a:bodyPr/>
-          <a:lstStyle/>
-          <a:p>
-            <a:pPr>
-              <a:buFont typeface="Arial"/>
-              <a:buChar char="•"/>
+        <p:spPr>
+          <a:xfrm>
+            <a:off x="6908800" y="114304"/>
+            <a:ext cx="1892300" cy="761999"/>
+          </a:xfrm>
+        </p:spPr>
+        <p:txBody>
+          <a:bodyPr/>
+          <a:lstStyle/>
+          <a:p>
+            <a:pPr marL="18288" indent="0">
+              <a:buNone/>
             </a:pPr>
             <a:r>
               <a:rPr lang="fr-FR" dirty="0" smtClean="0"/>
+              <a:t> </a:t>
+            </a:r>
+            <a:endParaRPr lang="fr-FR" dirty="0"/>
+          </a:p>
+        </p:txBody>
+      </p:sp>
+      <p:sp>
+        <p:nvSpPr>
+          <p:cNvPr id="2" name="Titre 1"/>
+          <p:cNvSpPr>
+            <a:spLocks noGrp="1"/>
+          </p:cNvSpPr>
+          <p:nvPr>
+            <p:ph type="title"/>
+          </p:nvPr>
+        </p:nvSpPr>
+        <p:spPr>
+          <a:xfrm>
+            <a:off x="1193800" y="-31751"/>
+            <a:ext cx="5715000" cy="908053"/>
+          </a:xfrm>
+        </p:spPr>
+        <p:txBody>
+          <a:bodyPr/>
+          <a:lstStyle/>
+          <a:p>
+            <a:r>
+              <a:rPr lang="fr-FR" dirty="0"/>
+              <a:t>Data: </a:t>
+            </a:r>
+            <a:r>
+              <a:rPr lang="fr-FR" sz="2000" dirty="0"/>
               <a:t>Chroma </a:t>
             </a:r>
             <a:r>
-              <a:rPr lang="fr-FR" dirty="0" err="1" smtClean="0"/>
+              <a:rPr lang="fr-FR" sz="2000" dirty="0" err="1"/>
               <a:t>Features</a:t>
             </a:r>
             <a:r>
-              <a:rPr lang="fr-FR" dirty="0" smtClean="0"/>
+              <a:rPr lang="fr-FR" sz="2000" dirty="0" smtClean="0"/>
               <a:t>.</a:t>
             </a:r>
             <a:endParaRPr lang="fr-FR" dirty="0"/>
           </a:p>
         </p:txBody>
       </p:sp>
-      <p:sp>
-        <p:nvSpPr>
-          <p:cNvPr id="2" name="Titre 1"/>
-          <p:cNvSpPr>
-            <a:spLocks noGrp="1"/>
-          </p:cNvSpPr>
-          <p:nvPr>
-            <p:ph type="title"/>
-          </p:nvPr>
-        </p:nvSpPr>
-        <p:spPr/>
-        <p:txBody>
-          <a:bodyPr/>
-          <a:lstStyle/>
-          <a:p>
-            <a:r>
-              <a:rPr lang="fr-FR" dirty="0" smtClean="0"/>
-              <a:t>Data</a:t>
-            </a:r>
-            <a:endParaRPr lang="fr-FR" dirty="0"/>
-          </a:p>
-        </p:txBody>
-      </p:sp>
+      <p:pic>
+        <p:nvPicPr>
+          <p:cNvPr id="4" name="Image 3" descr="Screen Shot 2017-05-01 at 10.43.56 PM.png"/>
+          <p:cNvPicPr>
+            <a:picLocks noChangeAspect="1"/>
+          </p:cNvPicPr>
+          <p:nvPr/>
+        </p:nvPicPr>
+        <p:blipFill>
+          <a:blip r:embed="rId2">
+            <a:extLst>
+              <a:ext uri="{28A0092B-C50C-407E-A947-70E740481C1C}">
+                <a14:useLocalDpi xmlns:a14="http://schemas.microsoft.com/office/drawing/2010/main" val="0"/>
+              </a:ext>
+            </a:extLst>
+          </a:blip>
+          <a:stretch>
+            <a:fillRect/>
+          </a:stretch>
+        </p:blipFill>
+        <p:spPr>
+          <a:xfrm>
+            <a:off x="2159000" y="990603"/>
+            <a:ext cx="6375400" cy="720372"/>
+          </a:xfrm>
+          <a:prstGeom prst="rect">
+            <a:avLst/>
+          </a:prstGeom>
+        </p:spPr>
+      </p:pic>
+      <p:pic>
+        <p:nvPicPr>
+          <p:cNvPr id="5" name="Image 4" descr="intensity.png"/>
+          <p:cNvPicPr>
+            <a:picLocks noChangeAspect="1"/>
+          </p:cNvPicPr>
+          <p:nvPr/>
+        </p:nvPicPr>
+        <p:blipFill>
+          <a:blip r:embed="rId3">
+            <a:extLst>
+              <a:ext uri="{28A0092B-C50C-407E-A947-70E740481C1C}">
+                <a14:useLocalDpi xmlns:a14="http://schemas.microsoft.com/office/drawing/2010/main" val="0"/>
+              </a:ext>
+            </a:extLst>
+          </a:blip>
+          <a:stretch>
+            <a:fillRect/>
+          </a:stretch>
+        </p:blipFill>
+        <p:spPr>
+          <a:xfrm>
+            <a:off x="8102600" y="3924300"/>
+            <a:ext cx="863600" cy="2489200"/>
+          </a:xfrm>
+          <a:prstGeom prst="rect">
+            <a:avLst/>
+          </a:prstGeom>
+        </p:spPr>
+      </p:pic>
+      <p:pic>
+        <p:nvPicPr>
+          <p:cNvPr id="6" name="Image 5" descr="Screen Shot 2017-05-01 at 10.43.43 PM.png"/>
+          <p:cNvPicPr>
+            <a:picLocks noChangeAspect="1"/>
+          </p:cNvPicPr>
+          <p:nvPr/>
+        </p:nvPicPr>
+        <p:blipFill>
+          <a:blip r:embed="rId4">
+            <a:extLst>
+              <a:ext uri="{28A0092B-C50C-407E-A947-70E740481C1C}">
+                <a14:useLocalDpi xmlns:a14="http://schemas.microsoft.com/office/drawing/2010/main" val="0"/>
+              </a:ext>
+            </a:extLst>
+          </a:blip>
+          <a:stretch>
+            <a:fillRect/>
+          </a:stretch>
+        </p:blipFill>
+        <p:spPr>
+          <a:xfrm>
+            <a:off x="2159000" y="1891785"/>
+            <a:ext cx="6642100" cy="1702315"/>
+          </a:xfrm>
+          <a:prstGeom prst="rect">
+            <a:avLst/>
+          </a:prstGeom>
+        </p:spPr>
+      </p:pic>
+      <p:pic>
+        <p:nvPicPr>
+          <p:cNvPr id="7" name="Image 6" descr="Screen Shot 2017-05-01 at 10.46.27 PM.png"/>
+          <p:cNvPicPr>
+            <a:picLocks noChangeAspect="1"/>
+          </p:cNvPicPr>
+          <p:nvPr/>
+        </p:nvPicPr>
+        <p:blipFill>
+          <a:blip r:embed="rId5">
+            <a:extLst>
+              <a:ext uri="{28A0092B-C50C-407E-A947-70E740481C1C}">
+                <a14:useLocalDpi xmlns:a14="http://schemas.microsoft.com/office/drawing/2010/main" val="0"/>
+              </a:ext>
+            </a:extLst>
+          </a:blip>
+          <a:stretch>
+            <a:fillRect/>
+          </a:stretch>
+        </p:blipFill>
+        <p:spPr>
+          <a:xfrm>
+            <a:off x="1282700" y="3924300"/>
+            <a:ext cx="6819900" cy="2489200"/>
+          </a:xfrm>
+          <a:prstGeom prst="rect">
+            <a:avLst/>
+          </a:prstGeom>
+        </p:spPr>
+      </p:pic>
     </p:spTree>
     <p:extLst>
       <p:ext uri="{BB962C8B-B14F-4D97-AF65-F5344CB8AC3E}">

--- a/project/presentation/PresentationPowerPoint.pptx
+++ b/project/presentation/PresentationPowerPoint.pptx
@@ -4,6 +4,12 @@
   <p:sldMasterIdLst>
     <p:sldMasterId id="2147484002" r:id="rId1"/>
   </p:sldMasterIdLst>
+  <p:notesMasterIdLst>
+    <p:notesMasterId r:id="rId24"/>
+  </p:notesMasterIdLst>
+  <p:handoutMasterIdLst>
+    <p:handoutMasterId r:id="rId25"/>
+  </p:handoutMasterIdLst>
   <p:sldIdLst>
     <p:sldId id="256" r:id="rId2"/>
     <p:sldId id="269" r:id="rId3"/>
@@ -12,16 +18,21 @@
     <p:sldId id="258" r:id="rId6"/>
     <p:sldId id="259" r:id="rId7"/>
     <p:sldId id="260" r:id="rId8"/>
-    <p:sldId id="261" r:id="rId9"/>
-    <p:sldId id="272" r:id="rId10"/>
-    <p:sldId id="262" r:id="rId11"/>
-    <p:sldId id="263" r:id="rId12"/>
-    <p:sldId id="264" r:id="rId13"/>
-    <p:sldId id="265" r:id="rId14"/>
-    <p:sldId id="271" r:id="rId15"/>
-    <p:sldId id="266" r:id="rId16"/>
-    <p:sldId id="267" r:id="rId17"/>
-    <p:sldId id="268" r:id="rId18"/>
+    <p:sldId id="272" r:id="rId9"/>
+    <p:sldId id="261" r:id="rId10"/>
+    <p:sldId id="278" r:id="rId11"/>
+    <p:sldId id="273" r:id="rId12"/>
+    <p:sldId id="262" r:id="rId13"/>
+    <p:sldId id="263" r:id="rId14"/>
+    <p:sldId id="274" r:id="rId15"/>
+    <p:sldId id="264" r:id="rId16"/>
+    <p:sldId id="275" r:id="rId17"/>
+    <p:sldId id="276" r:id="rId18"/>
+    <p:sldId id="265" r:id="rId19"/>
+    <p:sldId id="277" r:id="rId20"/>
+    <p:sldId id="266" r:id="rId21"/>
+    <p:sldId id="267" r:id="rId22"/>
+    <p:sldId id="268" r:id="rId23"/>
   </p:sldIdLst>
   <p:sldSz cx="9144000" cy="6858000" type="screen4x3"/>
   <p:notesSz cx="6858000" cy="9144000"/>
@@ -123,6 +134,523 @@
 </p:presentation>
 </file>
 
+<file path=ppt/handoutMasters/handoutMaster1.xml><?xml version="1.0" encoding="utf-8"?>
+<p:handoutMaster xmlns:a="http://schemas.openxmlformats.org/drawingml/2006/main" xmlns:r="http://schemas.openxmlformats.org/officeDocument/2006/relationships" xmlns:p="http://schemas.openxmlformats.org/presentationml/2006/main">
+  <p:cSld>
+    <p:bg>
+      <p:bgRef idx="1001">
+        <a:schemeClr val="bg1"/>
+      </p:bgRef>
+    </p:bg>
+    <p:spTree>
+      <p:nvGrpSpPr>
+        <p:cNvPr id="1" name=""/>
+        <p:cNvGrpSpPr/>
+        <p:nvPr/>
+      </p:nvGrpSpPr>
+      <p:grpSpPr>
+        <a:xfrm>
+          <a:off x="0" y="0"/>
+          <a:ext cx="0" cy="0"/>
+          <a:chOff x="0" y="0"/>
+          <a:chExt cx="0" cy="0"/>
+        </a:xfrm>
+      </p:grpSpPr>
+      <p:sp>
+        <p:nvSpPr>
+          <p:cNvPr id="2" name="Espace réservé de l'en-tête 1"/>
+          <p:cNvSpPr>
+            <a:spLocks noGrp="1"/>
+          </p:cNvSpPr>
+          <p:nvPr>
+            <p:ph type="hdr" sz="quarter"/>
+          </p:nvPr>
+        </p:nvSpPr>
+        <p:spPr>
+          <a:xfrm>
+            <a:off x="0" y="0"/>
+            <a:ext cx="2971800" cy="457200"/>
+          </a:xfrm>
+          <a:prstGeom prst="rect">
+            <a:avLst/>
+          </a:prstGeom>
+        </p:spPr>
+        <p:txBody>
+          <a:bodyPr vert="horz" lIns="91440" tIns="45720" rIns="91440" bIns="45720" rtlCol="0"/>
+          <a:lstStyle>
+            <a:lvl1pPr algn="l">
+              <a:defRPr sz="1200"/>
+            </a:lvl1pPr>
+          </a:lstStyle>
+          <a:p>
+            <a:endParaRPr lang="fr-FR"/>
+          </a:p>
+        </p:txBody>
+      </p:sp>
+      <p:sp>
+        <p:nvSpPr>
+          <p:cNvPr id="3" name="Espace réservé de la date 2"/>
+          <p:cNvSpPr>
+            <a:spLocks noGrp="1"/>
+          </p:cNvSpPr>
+          <p:nvPr>
+            <p:ph type="dt" sz="quarter" idx="1"/>
+          </p:nvPr>
+        </p:nvSpPr>
+        <p:spPr>
+          <a:xfrm>
+            <a:off x="3884613" y="0"/>
+            <a:ext cx="2971800" cy="457200"/>
+          </a:xfrm>
+          <a:prstGeom prst="rect">
+            <a:avLst/>
+          </a:prstGeom>
+        </p:spPr>
+        <p:txBody>
+          <a:bodyPr vert="horz" lIns="91440" tIns="45720" rIns="91440" bIns="45720" rtlCol="0"/>
+          <a:lstStyle>
+            <a:lvl1pPr algn="r">
+              <a:defRPr sz="1200"/>
+            </a:lvl1pPr>
+          </a:lstStyle>
+          <a:p>
+            <a:fld id="{2E74B72A-2412-5943-9380-1F25C816E03E}" type="datetimeFigureOut">
+              <a:rPr lang="fr-FR" smtClean="0"/>
+              <a:t>5/2/17</a:t>
+            </a:fld>
+            <a:endParaRPr lang="fr-FR"/>
+          </a:p>
+        </p:txBody>
+      </p:sp>
+      <p:sp>
+        <p:nvSpPr>
+          <p:cNvPr id="4" name="Espace réservé du pied de page 3"/>
+          <p:cNvSpPr>
+            <a:spLocks noGrp="1"/>
+          </p:cNvSpPr>
+          <p:nvPr>
+            <p:ph type="ftr" sz="quarter" idx="2"/>
+          </p:nvPr>
+        </p:nvSpPr>
+        <p:spPr>
+          <a:xfrm>
+            <a:off x="0" y="8685213"/>
+            <a:ext cx="2971800" cy="457200"/>
+          </a:xfrm>
+          <a:prstGeom prst="rect">
+            <a:avLst/>
+          </a:prstGeom>
+        </p:spPr>
+        <p:txBody>
+          <a:bodyPr vert="horz" lIns="91440" tIns="45720" rIns="91440" bIns="45720" rtlCol="0" anchor="b"/>
+          <a:lstStyle>
+            <a:lvl1pPr algn="l">
+              <a:defRPr sz="1200"/>
+            </a:lvl1pPr>
+          </a:lstStyle>
+          <a:p>
+            <a:endParaRPr lang="fr-FR"/>
+          </a:p>
+        </p:txBody>
+      </p:sp>
+      <p:sp>
+        <p:nvSpPr>
+          <p:cNvPr id="5" name="Espace réservé du numéro de diapositive 4"/>
+          <p:cNvSpPr>
+            <a:spLocks noGrp="1"/>
+          </p:cNvSpPr>
+          <p:nvPr>
+            <p:ph type="sldNum" sz="quarter" idx="3"/>
+          </p:nvPr>
+        </p:nvSpPr>
+        <p:spPr>
+          <a:xfrm>
+            <a:off x="3884613" y="8685213"/>
+            <a:ext cx="2971800" cy="457200"/>
+          </a:xfrm>
+          <a:prstGeom prst="rect">
+            <a:avLst/>
+          </a:prstGeom>
+        </p:spPr>
+        <p:txBody>
+          <a:bodyPr vert="horz" lIns="91440" tIns="45720" rIns="91440" bIns="45720" rtlCol="0" anchor="b"/>
+          <a:lstStyle>
+            <a:lvl1pPr algn="r">
+              <a:defRPr sz="1200"/>
+            </a:lvl1pPr>
+          </a:lstStyle>
+          <a:p>
+            <a:fld id="{4168796C-306B-5F4A-A7D9-C1022EE7B1C2}" type="slidenum">
+              <a:rPr lang="fr-FR" smtClean="0"/>
+              <a:t>‹#›</a:t>
+            </a:fld>
+            <a:endParaRPr lang="fr-FR"/>
+          </a:p>
+        </p:txBody>
+      </p:sp>
+    </p:spTree>
+    <p:extLst>
+      <p:ext uri="{BB962C8B-B14F-4D97-AF65-F5344CB8AC3E}">
+        <p14:creationId xmlns:p14="http://schemas.microsoft.com/office/powerpoint/2010/main" val="1699245271"/>
+      </p:ext>
+    </p:extLst>
+  </p:cSld>
+  <p:clrMap bg1="lt1" tx1="dk1" bg2="lt2" tx2="dk2" accent1="accent1" accent2="accent2" accent3="accent3" accent4="accent4" accent5="accent5" accent6="accent6" hlink="hlink" folHlink="folHlink"/>
+  <p:hf hdr="0" ftr="0" dt="0"/>
+</p:handoutMaster>
+</file>
+
+<file path=ppt/notesMasters/notesMaster1.xml><?xml version="1.0" encoding="utf-8"?>
+<p:notesMaster xmlns:a="http://schemas.openxmlformats.org/drawingml/2006/main" xmlns:r="http://schemas.openxmlformats.org/officeDocument/2006/relationships" xmlns:p="http://schemas.openxmlformats.org/presentationml/2006/main">
+  <p:cSld>
+    <p:bg>
+      <p:bgRef idx="1001">
+        <a:schemeClr val="bg1"/>
+      </p:bgRef>
+    </p:bg>
+    <p:spTree>
+      <p:nvGrpSpPr>
+        <p:cNvPr id="1" name=""/>
+        <p:cNvGrpSpPr/>
+        <p:nvPr/>
+      </p:nvGrpSpPr>
+      <p:grpSpPr>
+        <a:xfrm>
+          <a:off x="0" y="0"/>
+          <a:ext cx="0" cy="0"/>
+          <a:chOff x="0" y="0"/>
+          <a:chExt cx="0" cy="0"/>
+        </a:xfrm>
+      </p:grpSpPr>
+      <p:sp>
+        <p:nvSpPr>
+          <p:cNvPr id="2" name="Espace réservé de l'en-tête 1"/>
+          <p:cNvSpPr>
+            <a:spLocks noGrp="1"/>
+          </p:cNvSpPr>
+          <p:nvPr>
+            <p:ph type="hdr" sz="quarter"/>
+          </p:nvPr>
+        </p:nvSpPr>
+        <p:spPr>
+          <a:xfrm>
+            <a:off x="0" y="0"/>
+            <a:ext cx="2971800" cy="457200"/>
+          </a:xfrm>
+          <a:prstGeom prst="rect">
+            <a:avLst/>
+          </a:prstGeom>
+        </p:spPr>
+        <p:txBody>
+          <a:bodyPr vert="horz" lIns="91440" tIns="45720" rIns="91440" bIns="45720" rtlCol="0"/>
+          <a:lstStyle>
+            <a:lvl1pPr algn="l">
+              <a:defRPr sz="1200"/>
+            </a:lvl1pPr>
+          </a:lstStyle>
+          <a:p>
+            <a:endParaRPr lang="fr-FR"/>
+          </a:p>
+        </p:txBody>
+      </p:sp>
+      <p:sp>
+        <p:nvSpPr>
+          <p:cNvPr id="3" name="Espace réservé de la date 2"/>
+          <p:cNvSpPr>
+            <a:spLocks noGrp="1"/>
+          </p:cNvSpPr>
+          <p:nvPr>
+            <p:ph type="dt" idx="1"/>
+          </p:nvPr>
+        </p:nvSpPr>
+        <p:spPr>
+          <a:xfrm>
+            <a:off x="3884613" y="0"/>
+            <a:ext cx="2971800" cy="457200"/>
+          </a:xfrm>
+          <a:prstGeom prst="rect">
+            <a:avLst/>
+          </a:prstGeom>
+        </p:spPr>
+        <p:txBody>
+          <a:bodyPr vert="horz" lIns="91440" tIns="45720" rIns="91440" bIns="45720" rtlCol="0"/>
+          <a:lstStyle>
+            <a:lvl1pPr algn="r">
+              <a:defRPr sz="1200"/>
+            </a:lvl1pPr>
+          </a:lstStyle>
+          <a:p>
+            <a:fld id="{5F28DD39-1D1B-DC4B-963A-466D6DEB6C94}" type="datetimeFigureOut">
+              <a:rPr lang="fr-FR" smtClean="0"/>
+              <a:t>5/2/17</a:t>
+            </a:fld>
+            <a:endParaRPr lang="fr-FR"/>
+          </a:p>
+        </p:txBody>
+      </p:sp>
+      <p:sp>
+        <p:nvSpPr>
+          <p:cNvPr id="4" name="Espace réservé de l'image des diapositives 3"/>
+          <p:cNvSpPr>
+            <a:spLocks noGrp="1" noRot="1" noChangeAspect="1"/>
+          </p:cNvSpPr>
+          <p:nvPr>
+            <p:ph type="sldImg" idx="2"/>
+          </p:nvPr>
+        </p:nvSpPr>
+        <p:spPr>
+          <a:xfrm>
+            <a:off x="1143000" y="685800"/>
+            <a:ext cx="4572000" cy="3429000"/>
+          </a:xfrm>
+          <a:prstGeom prst="rect">
+            <a:avLst/>
+          </a:prstGeom>
+          <a:noFill/>
+          <a:ln w="12700">
+            <a:solidFill>
+              <a:prstClr val="black"/>
+            </a:solidFill>
+          </a:ln>
+        </p:spPr>
+        <p:txBody>
+          <a:bodyPr vert="horz" lIns="91440" tIns="45720" rIns="91440" bIns="45720" rtlCol="0" anchor="ctr"/>
+          <a:lstStyle/>
+          <a:p>
+            <a:endParaRPr lang="fr-FR"/>
+          </a:p>
+        </p:txBody>
+      </p:sp>
+      <p:sp>
+        <p:nvSpPr>
+          <p:cNvPr id="5" name="Espace réservé des commentaires 4"/>
+          <p:cNvSpPr>
+            <a:spLocks noGrp="1"/>
+          </p:cNvSpPr>
+          <p:nvPr>
+            <p:ph type="body" sz="quarter" idx="3"/>
+          </p:nvPr>
+        </p:nvSpPr>
+        <p:spPr>
+          <a:xfrm>
+            <a:off x="685800" y="4343400"/>
+            <a:ext cx="5486400" cy="4114800"/>
+          </a:xfrm>
+          <a:prstGeom prst="rect">
+            <a:avLst/>
+          </a:prstGeom>
+        </p:spPr>
+        <p:txBody>
+          <a:bodyPr vert="horz" lIns="91440" tIns="45720" rIns="91440" bIns="45720" rtlCol="0"/>
+          <a:lstStyle/>
+          <a:p>
+            <a:pPr lvl="0"/>
+            <a:r>
+              <a:rPr lang="en-US" smtClean="0"/>
+              <a:t>Cliquez pour modifier les styles du texte du masque</a:t>
+            </a:r>
+          </a:p>
+          <a:p>
+            <a:pPr lvl="1"/>
+            <a:r>
+              <a:rPr lang="en-US" smtClean="0"/>
+              <a:t>Deuxième niveau</a:t>
+            </a:r>
+          </a:p>
+          <a:p>
+            <a:pPr lvl="2"/>
+            <a:r>
+              <a:rPr lang="en-US" smtClean="0"/>
+              <a:t>Troisième niveau</a:t>
+            </a:r>
+          </a:p>
+          <a:p>
+            <a:pPr lvl="3"/>
+            <a:r>
+              <a:rPr lang="en-US" smtClean="0"/>
+              <a:t>Quatrième niveau</a:t>
+            </a:r>
+          </a:p>
+          <a:p>
+            <a:pPr lvl="4"/>
+            <a:r>
+              <a:rPr lang="en-US" smtClean="0"/>
+              <a:t>Cinquième niveau</a:t>
+            </a:r>
+            <a:endParaRPr lang="fr-FR"/>
+          </a:p>
+        </p:txBody>
+      </p:sp>
+      <p:sp>
+        <p:nvSpPr>
+          <p:cNvPr id="6" name="Espace réservé du pied de page 5"/>
+          <p:cNvSpPr>
+            <a:spLocks noGrp="1"/>
+          </p:cNvSpPr>
+          <p:nvPr>
+            <p:ph type="ftr" sz="quarter" idx="4"/>
+          </p:nvPr>
+        </p:nvSpPr>
+        <p:spPr>
+          <a:xfrm>
+            <a:off x="0" y="8685213"/>
+            <a:ext cx="2971800" cy="457200"/>
+          </a:xfrm>
+          <a:prstGeom prst="rect">
+            <a:avLst/>
+          </a:prstGeom>
+        </p:spPr>
+        <p:txBody>
+          <a:bodyPr vert="horz" lIns="91440" tIns="45720" rIns="91440" bIns="45720" rtlCol="0" anchor="b"/>
+          <a:lstStyle>
+            <a:lvl1pPr algn="l">
+              <a:defRPr sz="1200"/>
+            </a:lvl1pPr>
+          </a:lstStyle>
+          <a:p>
+            <a:endParaRPr lang="fr-FR"/>
+          </a:p>
+        </p:txBody>
+      </p:sp>
+      <p:sp>
+        <p:nvSpPr>
+          <p:cNvPr id="7" name="Espace réservé du numéro de diapositive 6"/>
+          <p:cNvSpPr>
+            <a:spLocks noGrp="1"/>
+          </p:cNvSpPr>
+          <p:nvPr>
+            <p:ph type="sldNum" sz="quarter" idx="5"/>
+          </p:nvPr>
+        </p:nvSpPr>
+        <p:spPr>
+          <a:xfrm>
+            <a:off x="3884613" y="8685213"/>
+            <a:ext cx="2971800" cy="457200"/>
+          </a:xfrm>
+          <a:prstGeom prst="rect">
+            <a:avLst/>
+          </a:prstGeom>
+        </p:spPr>
+        <p:txBody>
+          <a:bodyPr vert="horz" lIns="91440" tIns="45720" rIns="91440" bIns="45720" rtlCol="0" anchor="b"/>
+          <a:lstStyle>
+            <a:lvl1pPr algn="r">
+              <a:defRPr sz="1200"/>
+            </a:lvl1pPr>
+          </a:lstStyle>
+          <a:p>
+            <a:fld id="{488C5D1B-2885-C649-A653-5AB429414C31}" type="slidenum">
+              <a:rPr lang="fr-FR" smtClean="0"/>
+              <a:t>‹#›</a:t>
+            </a:fld>
+            <a:endParaRPr lang="fr-FR"/>
+          </a:p>
+        </p:txBody>
+      </p:sp>
+    </p:spTree>
+    <p:extLst>
+      <p:ext uri="{BB962C8B-B14F-4D97-AF65-F5344CB8AC3E}">
+        <p14:creationId xmlns:p14="http://schemas.microsoft.com/office/powerpoint/2010/main" val="649883312"/>
+      </p:ext>
+    </p:extLst>
+  </p:cSld>
+  <p:clrMap bg1="lt1" tx1="dk1" bg2="lt2" tx2="dk2" accent1="accent1" accent2="accent2" accent3="accent3" accent4="accent4" accent5="accent5" accent6="accent6" hlink="hlink" folHlink="folHlink"/>
+  <p:hf hdr="0" ftr="0" dt="0"/>
+  <p:notesStyle>
+    <a:lvl1pPr marL="0" algn="l" defTabSz="457200" rtl="0" eaLnBrk="1" latinLnBrk="0" hangingPunct="1">
+      <a:defRPr sz="1200" kern="1200">
+        <a:solidFill>
+          <a:schemeClr val="tx1"/>
+        </a:solidFill>
+        <a:latin typeface="+mn-lt"/>
+        <a:ea typeface="+mn-ea"/>
+        <a:cs typeface="+mn-cs"/>
+      </a:defRPr>
+    </a:lvl1pPr>
+    <a:lvl2pPr marL="457200" algn="l" defTabSz="457200" rtl="0" eaLnBrk="1" latinLnBrk="0" hangingPunct="1">
+      <a:defRPr sz="1200" kern="1200">
+        <a:solidFill>
+          <a:schemeClr val="tx1"/>
+        </a:solidFill>
+        <a:latin typeface="+mn-lt"/>
+        <a:ea typeface="+mn-ea"/>
+        <a:cs typeface="+mn-cs"/>
+      </a:defRPr>
+    </a:lvl2pPr>
+    <a:lvl3pPr marL="914400" algn="l" defTabSz="457200" rtl="0" eaLnBrk="1" latinLnBrk="0" hangingPunct="1">
+      <a:defRPr sz="1200" kern="1200">
+        <a:solidFill>
+          <a:schemeClr val="tx1"/>
+        </a:solidFill>
+        <a:latin typeface="+mn-lt"/>
+        <a:ea typeface="+mn-ea"/>
+        <a:cs typeface="+mn-cs"/>
+      </a:defRPr>
+    </a:lvl3pPr>
+    <a:lvl4pPr marL="1371600" algn="l" defTabSz="457200" rtl="0" eaLnBrk="1" latinLnBrk="0" hangingPunct="1">
+      <a:defRPr sz="1200" kern="1200">
+        <a:solidFill>
+          <a:schemeClr val="tx1"/>
+        </a:solidFill>
+        <a:latin typeface="+mn-lt"/>
+        <a:ea typeface="+mn-ea"/>
+        <a:cs typeface="+mn-cs"/>
+      </a:defRPr>
+    </a:lvl4pPr>
+    <a:lvl5pPr marL="1828800" algn="l" defTabSz="457200" rtl="0" eaLnBrk="1" latinLnBrk="0" hangingPunct="1">
+      <a:defRPr sz="1200" kern="1200">
+        <a:solidFill>
+          <a:schemeClr val="tx1"/>
+        </a:solidFill>
+        <a:latin typeface="+mn-lt"/>
+        <a:ea typeface="+mn-ea"/>
+        <a:cs typeface="+mn-cs"/>
+      </a:defRPr>
+    </a:lvl5pPr>
+    <a:lvl6pPr marL="2286000" algn="l" defTabSz="457200" rtl="0" eaLnBrk="1" latinLnBrk="0" hangingPunct="1">
+      <a:defRPr sz="1200" kern="1200">
+        <a:solidFill>
+          <a:schemeClr val="tx1"/>
+        </a:solidFill>
+        <a:latin typeface="+mn-lt"/>
+        <a:ea typeface="+mn-ea"/>
+        <a:cs typeface="+mn-cs"/>
+      </a:defRPr>
+    </a:lvl6pPr>
+    <a:lvl7pPr marL="2743200" algn="l" defTabSz="457200" rtl="0" eaLnBrk="1" latinLnBrk="0" hangingPunct="1">
+      <a:defRPr sz="1200" kern="1200">
+        <a:solidFill>
+          <a:schemeClr val="tx1"/>
+        </a:solidFill>
+        <a:latin typeface="+mn-lt"/>
+        <a:ea typeface="+mn-ea"/>
+        <a:cs typeface="+mn-cs"/>
+      </a:defRPr>
+    </a:lvl7pPr>
+    <a:lvl8pPr marL="3200400" algn="l" defTabSz="457200" rtl="0" eaLnBrk="1" latinLnBrk="0" hangingPunct="1">
+      <a:defRPr sz="1200" kern="1200">
+        <a:solidFill>
+          <a:schemeClr val="tx1"/>
+        </a:solidFill>
+        <a:latin typeface="+mn-lt"/>
+        <a:ea typeface="+mn-ea"/>
+        <a:cs typeface="+mn-cs"/>
+      </a:defRPr>
+    </a:lvl8pPr>
+    <a:lvl9pPr marL="3657600" algn="l" defTabSz="457200" rtl="0" eaLnBrk="1" latinLnBrk="0" hangingPunct="1">
+      <a:defRPr sz="1200" kern="1200">
+        <a:solidFill>
+          <a:schemeClr val="tx1"/>
+        </a:solidFill>
+        <a:latin typeface="+mn-lt"/>
+        <a:ea typeface="+mn-ea"/>
+        <a:cs typeface="+mn-cs"/>
+      </a:defRPr>
+    </a:lvl9pPr>
+  </p:notesStyle>
+</p:notesMaster>
+</file>
+
 <file path=ppt/slideLayouts/slideLayout1.xml><?xml version="1.0" encoding="utf-8"?>
 <p:sldLayout xmlns:a="http://schemas.openxmlformats.org/drawingml/2006/main" xmlns:r="http://schemas.openxmlformats.org/officeDocument/2006/relationships" xmlns:p="http://schemas.openxmlformats.org/presentationml/2006/main" type="title" preserve="1">
   <p:cSld name="Diapositive de titre">
@@ -358,9 +886,9 @@
           <a:bodyPr/>
           <a:lstStyle/>
           <a:p>
-            <a:fld id="{2069C06D-4ED8-42C6-905D-CA84CA1B6CBF}" type="datetime2">
+            <a:fld id="{F45DF3B6-2776-C547-8269-EEBC448BF095}" type="datetime2">
               <a:rPr lang="en-US" smtClean="0"/>
-              <a:t>lundi, mai 1, 17</a:t>
+              <a:t>mardi, mai 2, 17</a:t>
             </a:fld>
             <a:endParaRPr lang="en-US" dirty="0"/>
           </a:p>
@@ -405,6 +933,10 @@
           <a:bodyPr/>
           <a:lstStyle/>
           <a:p>
+            <a:r>
+              <a:rPr lang="mr-IN" smtClean="0"/>
+              <a:t>Song Similarities via Homological Features of Music                                                       Leventhal &amp; Fahimfar               </a:t>
+            </a:r>
             <a:endParaRPr lang="en-US" dirty="0"/>
           </a:p>
         </p:txBody>
@@ -529,9 +1061,9 @@
           <a:bodyPr/>
           <a:lstStyle/>
           <a:p>
-            <a:fld id="{A56EEE0E-EDB0-4D84-86B0-50833DF22902}" type="datetime2">
+            <a:fld id="{A80945D7-18B9-814A-9A08-3AF95D36F532}" type="datetime2">
               <a:rPr lang="en-US" smtClean="0"/>
-              <a:t>lundi, mai 1, 17</a:t>
+              <a:t>mardi, mai 2, 17</a:t>
             </a:fld>
             <a:endParaRPr lang="en-US"/>
           </a:p>
@@ -552,6 +1084,10 @@
           <a:bodyPr/>
           <a:lstStyle/>
           <a:p>
+            <a:r>
+              <a:rPr lang="mr-IN" smtClean="0"/>
+              <a:t>Song Similarities via Homological Features of Music                                                       Leventhal &amp; Fahimfar               </a:t>
+            </a:r>
             <a:endParaRPr lang="en-US"/>
           </a:p>
         </p:txBody>
@@ -705,9 +1241,9 @@
           <a:bodyPr/>
           <a:lstStyle/>
           <a:p>
-            <a:fld id="{5114372C-B5AB-4C39-B273-B99224EB4DD5}" type="datetime2">
+            <a:fld id="{B9CA30B2-F525-FF45-865D-DD66D0CF569A}" type="datetime2">
               <a:rPr lang="en-US" smtClean="0"/>
-              <a:t>lundi, mai 1, 17</a:t>
+              <a:t>mardi, mai 2, 17</a:t>
             </a:fld>
             <a:endParaRPr lang="en-US"/>
           </a:p>
@@ -728,6 +1264,10 @@
           <a:bodyPr/>
           <a:lstStyle/>
           <a:p>
+            <a:r>
+              <a:rPr lang="mr-IN" smtClean="0"/>
+              <a:t>Song Similarities via Homological Features of Music                                                       Leventhal &amp; Fahimfar               </a:t>
+            </a:r>
             <a:endParaRPr lang="en-US"/>
           </a:p>
         </p:txBody>
@@ -871,9 +1411,9 @@
           <a:bodyPr/>
           <a:lstStyle/>
           <a:p>
-            <a:fld id="{14CB1CAA-32CD-4B55-B92A-B8F0843CACF4}" type="datetime2">
+            <a:fld id="{16BF6471-3309-5D4A-AC35-BF39B59044D5}" type="datetime2">
               <a:rPr lang="en-US" smtClean="0"/>
-              <a:t>lundi, mai 1, 17</a:t>
+              <a:t>mardi, mai 2, 17</a:t>
             </a:fld>
             <a:endParaRPr lang="en-US" dirty="0"/>
           </a:p>
@@ -918,6 +1458,10 @@
           <a:bodyPr/>
           <a:lstStyle/>
           <a:p>
+            <a:r>
+              <a:rPr lang="mr-IN" smtClean="0"/>
+              <a:t>Song Similarities via Homological Features of Music                                                       Leventhal &amp; Fahimfar               </a:t>
+            </a:r>
             <a:endParaRPr lang="en-US" dirty="0"/>
           </a:p>
         </p:txBody>
@@ -1129,9 +1673,9 @@
           <a:bodyPr/>
           <a:lstStyle/>
           <a:p>
-            <a:fld id="{3AD8CDC4-3D19-4983-B478-82F6B8E5AB66}" type="datetime2">
+            <a:fld id="{11E3E843-EDF6-9044-AE1D-3E2C8E70F205}" type="datetime2">
               <a:rPr lang="en-US" smtClean="0"/>
-              <a:t>lundi, mai 1, 17</a:t>
+              <a:t>mardi, mai 2, 17</a:t>
             </a:fld>
             <a:endParaRPr lang="en-US" dirty="0"/>
           </a:p>
@@ -1176,6 +1720,10 @@
           <a:bodyPr/>
           <a:lstStyle/>
           <a:p>
+            <a:r>
+              <a:rPr lang="mr-IN" smtClean="0"/>
+              <a:t>Song Similarities via Homological Features of Music                                                       Leventhal &amp; Fahimfar               </a:t>
+            </a:r>
             <a:endParaRPr lang="en-US" dirty="0"/>
           </a:p>
         </p:txBody>
@@ -1270,9 +1818,9 @@
           <a:bodyPr/>
           <a:lstStyle/>
           <a:p>
-            <a:fld id="{84B82477-D5D3-4181-8C11-75D0F2433A87}" type="datetime2">
+            <a:fld id="{DD25D83F-822F-214B-8799-8F3280C0C8D2}" type="datetime2">
               <a:rPr lang="en-US" smtClean="0"/>
-              <a:t>lundi, mai 1, 17</a:t>
+              <a:t>mardi, mai 2, 17</a:t>
             </a:fld>
             <a:endParaRPr lang="en-US" dirty="0"/>
           </a:p>
@@ -1317,6 +1865,10 @@
           <a:bodyPr/>
           <a:lstStyle/>
           <a:p>
+            <a:r>
+              <a:rPr lang="mr-IN" smtClean="0"/>
+              <a:t>Song Similarities via Homological Features of Music                                                       Leventhal &amp; Fahimfar               </a:t>
+            </a:r>
             <a:endParaRPr lang="en-US" dirty="0"/>
           </a:p>
         </p:txBody>
@@ -1921,9 +2473,9 @@
           <a:bodyPr/>
           <a:lstStyle/>
           <a:p>
-            <a:fld id="{213E253B-1893-4367-8BAE-DF4BC10DC578}" type="datetime2">
+            <a:fld id="{741026B6-889D-0A42-84C5-A2FF034C08CD}" type="datetime2">
               <a:rPr lang="en-US" smtClean="0"/>
-              <a:t>lundi, mai 1, 17</a:t>
+              <a:t>mardi, mai 2, 17</a:t>
             </a:fld>
             <a:endParaRPr lang="en-US" dirty="0"/>
           </a:p>
@@ -1968,6 +2520,10 @@
           <a:bodyPr/>
           <a:lstStyle/>
           <a:p>
+            <a:r>
+              <a:rPr lang="mr-IN" smtClean="0"/>
+              <a:t>Song Similarities via Homological Features of Music                                                       Leventhal &amp; Fahimfar               </a:t>
+            </a:r>
             <a:endParaRPr lang="en-US" dirty="0"/>
           </a:p>
         </p:txBody>
@@ -2035,9 +2591,9 @@
           <a:bodyPr/>
           <a:lstStyle/>
           <a:p>
-            <a:fld id="{8B62300D-25B3-4603-86C9-4CB776489F00}" type="datetime2">
+            <a:fld id="{095EAC84-6F97-E742-91D0-601AC272184B}" type="datetime2">
               <a:rPr lang="en-US" smtClean="0"/>
-              <a:t>lundi, mai 1, 17</a:t>
+              <a:t>mardi, mai 2, 17</a:t>
             </a:fld>
             <a:endParaRPr lang="en-US" dirty="0"/>
           </a:p>
@@ -2082,6 +2638,10 @@
           <a:bodyPr/>
           <a:lstStyle/>
           <a:p>
+            <a:r>
+              <a:rPr lang="mr-IN" smtClean="0"/>
+              <a:t>Song Similarities via Homological Features of Music                                                       Leventhal &amp; Fahimfar               </a:t>
+            </a:r>
             <a:endParaRPr lang="en-US" dirty="0"/>
           </a:p>
         </p:txBody>
@@ -2126,9 +2686,9 @@
           <a:bodyPr/>
           <a:lstStyle/>
           <a:p>
-            <a:fld id="{C6314AD9-FCC8-48B7-B85B-012A91320DFF}" type="datetime2">
+            <a:fld id="{EA5E0CB1-3B0C-E044-A96D-9B9A07A9EA96}" type="datetime2">
               <a:rPr lang="en-US" smtClean="0"/>
-              <a:t>lundi, mai 1, 17</a:t>
+              <a:t>mardi, mai 2, 17</a:t>
             </a:fld>
             <a:endParaRPr lang="en-US" dirty="0"/>
           </a:p>
@@ -2173,6 +2733,10 @@
           <a:bodyPr/>
           <a:lstStyle/>
           <a:p>
+            <a:r>
+              <a:rPr lang="mr-IN" smtClean="0"/>
+              <a:t>Song Similarities via Homological Features of Music                                                       Leventhal &amp; Fahimfar               </a:t>
+            </a:r>
             <a:endParaRPr lang="en-US" dirty="0"/>
           </a:p>
         </p:txBody>
@@ -2417,9 +2981,9 @@
           <a:bodyPr/>
           <a:lstStyle/>
           <a:p>
-            <a:fld id="{3182DC50-D5DB-4F94-B367-9876CD2C4012}" type="datetime2">
+            <a:fld id="{8D38F0CB-EDFE-4E44-ADED-35E6B29B9971}" type="datetime2">
               <a:rPr lang="en-US" smtClean="0"/>
-              <a:t>lundi, mai 1, 17</a:t>
+              <a:t>mardi, mai 2, 17</a:t>
             </a:fld>
             <a:endParaRPr lang="en-US" dirty="0"/>
           </a:p>
@@ -2464,6 +3028,10 @@
           <a:bodyPr/>
           <a:lstStyle/>
           <a:p>
+            <a:r>
+              <a:rPr lang="mr-IN" smtClean="0"/>
+              <a:t>Song Similarities via Homological Features of Music                                                       Leventhal &amp; Fahimfar               </a:t>
+            </a:r>
             <a:endParaRPr lang="en-US" dirty="0"/>
           </a:p>
         </p:txBody>
@@ -2741,9 +3309,9 @@
           <a:bodyPr/>
           <a:lstStyle/>
           <a:p>
-            <a:fld id="{292EB412-E790-42EA-81FE-2925D3A43D91}" type="datetime2">
+            <a:fld id="{825BD2D6-7B7D-8C40-9B59-23F532DA6534}" type="datetime2">
               <a:rPr lang="en-US" smtClean="0"/>
-              <a:t>lundi, mai 1, 17</a:t>
+              <a:t>mardi, mai 2, 17</a:t>
             </a:fld>
             <a:endParaRPr lang="en-US" dirty="0"/>
           </a:p>
@@ -2788,6 +3356,10 @@
           <a:bodyPr/>
           <a:lstStyle/>
           <a:p>
+            <a:r>
+              <a:rPr lang="mr-IN" smtClean="0"/>
+              <a:t>Song Similarities via Homological Features of Music                                                       Leventhal &amp; Fahimfar               </a:t>
+            </a:r>
             <a:endParaRPr lang="en-US" dirty="0"/>
           </a:p>
         </p:txBody>
@@ -3199,9 +3771,9 @@
             </a:lvl1pPr>
           </a:lstStyle>
           <a:p>
-            <a:fld id="{0B385921-A91A-409C-921C-0E0EC1E750EC}" type="datetime2">
+            <a:fld id="{53739E8E-14B5-6C4F-A083-751A7AA7A255}" type="datetime2">
               <a:rPr lang="en-US" smtClean="0"/>
-              <a:t>lundi, mai 1, 17</a:t>
+              <a:t>mardi, mai 2, 17</a:t>
             </a:fld>
             <a:endParaRPr lang="en-US" dirty="0"/>
           </a:p>
@@ -3241,6 +3813,10 @@
             </a:lvl1pPr>
           </a:lstStyle>
           <a:p>
+            <a:r>
+              <a:rPr lang="mr-IN" smtClean="0"/>
+              <a:t>Song Similarities via Homological Features of Music                                                       Leventhal &amp; Fahimfar               </a:t>
+            </a:r>
             <a:endParaRPr lang="en-US" dirty="0"/>
           </a:p>
         </p:txBody>
@@ -3304,7 +3880,7 @@
     <p:sldLayoutId id="2147484012" r:id="rId10"/>
     <p:sldLayoutId id="2147484013" r:id="rId11"/>
   </p:sldLayoutIdLst>
-  <p:hf sldNum="0" hdr="0" ftr="0" dt="0"/>
+  <p:hf sldNum="0" hdr="0" dt="0"/>
   <p:txStyles>
     <p:titleStyle>
       <a:lvl1pPr algn="l" defTabSz="914400" rtl="0" eaLnBrk="1" latinLnBrk="0" hangingPunct="1">
@@ -3735,7 +4311,15 @@
           <a:p>
             <a:r>
               <a:rPr lang="fr-FR" sz="4400" dirty="0" smtClean="0"/>
-              <a:t>           Song Classification</a:t>
+              <a:t>             Song </a:t>
+            </a:r>
+            <a:r>
+              <a:rPr lang="fr-FR" sz="4400" dirty="0" err="1" smtClean="0"/>
+              <a:t>Similarities</a:t>
+            </a:r>
+            <a:r>
+              <a:rPr lang="fr-FR" sz="4400" dirty="0" smtClean="0"/>
+              <a:t> </a:t>
             </a:r>
             <a:br>
               <a:rPr lang="fr-FR" sz="4400" dirty="0" smtClean="0"/>
@@ -3792,6 +4376,29 @@
               <a:t>Fahimfar</a:t>
             </a:r>
             <a:endParaRPr lang="fr-FR" dirty="0"/>
+          </a:p>
+        </p:txBody>
+      </p:sp>
+      <p:sp>
+        <p:nvSpPr>
+          <p:cNvPr id="4" name="Espace réservé du pied de page 3"/>
+          <p:cNvSpPr>
+            <a:spLocks noGrp="1"/>
+          </p:cNvSpPr>
+          <p:nvPr>
+            <p:ph type="ftr" sz="quarter" idx="12"/>
+          </p:nvPr>
+        </p:nvSpPr>
+        <p:spPr/>
+        <p:txBody>
+          <a:bodyPr/>
+          <a:lstStyle/>
+          <a:p>
+            <a:r>
+              <a:rPr lang="mr-IN" smtClean="0"/>
+              <a:t>Song Similarities via Homological Features of Music                                                       Leventhal &amp; Fahimfar               </a:t>
+            </a:r>
+            <a:endParaRPr lang="en-US" dirty="0"/>
           </a:p>
         </p:txBody>
       </p:sp>
@@ -3805,6 +4412,21 @@
   <p:clrMapOvr>
     <a:masterClrMapping/>
   </p:clrMapOvr>
+  <mc:AlternateContent xmlns:mc="http://schemas.openxmlformats.org/markup-compatibility/2006" xmlns:p14="http://schemas.microsoft.com/office/powerpoint/2010/main">
+    <mc:Choice Requires="p14">
+      <p:transition spd="slow" p14:dur="2000"/>
+    </mc:Choice>
+    <mc:Fallback xmlns="">
+      <p:transition xmlns:p14="http://schemas.microsoft.com/office/powerpoint/2010/main" spd="slow"/>
+    </mc:Fallback>
+  </mc:AlternateContent>
+  <p:timing>
+    <p:tnLst>
+      <p:par>
+        <p:cTn xmlns:p14="http://schemas.microsoft.com/office/powerpoint/2010/main" id="1" dur="indefinite" restart="never" nodeType="tmRoot"/>
+      </p:par>
+    </p:tnLst>
+  </p:timing>
 </p:sld>
 </file>
 
@@ -3835,9 +4457,16 @@
             <p:ph idx="1"/>
           </p:nvPr>
         </p:nvSpPr>
-        <p:spPr/>
-        <p:txBody>
-          <a:bodyPr/>
+        <p:spPr>
+          <a:xfrm>
+            <a:off x="1295400" y="1"/>
+            <a:ext cx="6934200" cy="2044699"/>
+          </a:xfrm>
+        </p:spPr>
+        <p:txBody>
+          <a:bodyPr>
+            <a:normAutofit/>
+          </a:bodyPr>
           <a:lstStyle/>
           <a:p>
             <a:pPr>
@@ -3845,125 +4474,154 @@
               <a:buChar char="•"/>
             </a:pPr>
             <a:r>
-              <a:rPr lang="fr-FR" dirty="0" err="1" smtClean="0"/>
-              <a:t>Based</a:t>
-            </a:r>
-            <a:r>
-              <a:rPr lang="fr-FR" dirty="0" smtClean="0"/>
-              <a:t> on pair-</a:t>
-            </a:r>
-            <a:r>
-              <a:rPr lang="fr-FR" dirty="0" err="1" smtClean="0"/>
-              <a:t>wise</a:t>
-            </a:r>
-            <a:r>
-              <a:rPr lang="fr-FR" dirty="0" smtClean="0"/>
-              <a:t> </a:t>
-            </a:r>
-            <a:r>
-              <a:rPr lang="fr-FR" dirty="0" err="1" smtClean="0"/>
-              <a:t>Bottleneck</a:t>
-            </a:r>
-            <a:r>
-              <a:rPr lang="fr-FR" dirty="0" smtClean="0"/>
-              <a:t> distance matrix</a:t>
-            </a:r>
-            <a:endParaRPr lang="fr-FR" dirty="0" smtClean="0"/>
+              <a:rPr lang="fr-FR" sz="2400" dirty="0" smtClean="0"/>
+              <a:t>Persistent </a:t>
+            </a:r>
+            <a:r>
+              <a:rPr lang="fr-FR" sz="2400" dirty="0" err="1" smtClean="0"/>
+              <a:t>Homology</a:t>
+            </a:r>
+            <a:r>
+              <a:rPr lang="fr-FR" sz="2400" dirty="0" smtClean="0"/>
+              <a:t> of chroma </a:t>
+            </a:r>
+            <a:r>
+              <a:rPr lang="fr-FR" sz="2400" dirty="0" err="1" smtClean="0"/>
+              <a:t>features</a:t>
+            </a:r>
+            <a:r>
+              <a:rPr lang="fr-FR" sz="2400" dirty="0" smtClean="0"/>
+              <a:t>.</a:t>
+            </a:r>
           </a:p>
           <a:p>
             <a:pPr>
               <a:buFont typeface="Arial"/>
               <a:buChar char="•"/>
             </a:pPr>
-            <a:r>
-              <a:rPr lang="fr-FR" dirty="0" err="1" smtClean="0"/>
-              <a:t>kMeans</a:t>
-            </a:r>
-            <a:r>
-              <a:rPr lang="fr-FR" dirty="0" smtClean="0"/>
-              <a:t>:</a:t>
-            </a:r>
-          </a:p>
-          <a:p>
-            <a:pPr>
-              <a:buFont typeface="Arial"/>
-              <a:buChar char="•"/>
-            </a:pPr>
-            <a:r>
-              <a:rPr lang="fr-FR" dirty="0" err="1" smtClean="0"/>
-              <a:t>kMedoid</a:t>
-            </a:r>
-            <a:r>
-              <a:rPr lang="fr-FR" dirty="0" smtClean="0"/>
-              <a:t>:</a:t>
-            </a:r>
-          </a:p>
-          <a:p>
-            <a:pPr>
-              <a:buFont typeface="Arial"/>
-              <a:buChar char="•"/>
-            </a:pPr>
-            <a:r>
-              <a:rPr lang="fr-FR" dirty="0" smtClean="0"/>
-              <a:t>Visualisation via multi-</a:t>
-            </a:r>
-            <a:r>
-              <a:rPr lang="fr-FR" dirty="0" err="1" smtClean="0"/>
-              <a:t>d</a:t>
-            </a:r>
-            <a:r>
-              <a:rPr lang="fr-FR" dirty="0" err="1" smtClean="0"/>
-              <a:t>imensional</a:t>
-            </a:r>
-            <a:r>
-              <a:rPr lang="fr-FR" dirty="0" smtClean="0"/>
-              <a:t> </a:t>
-            </a:r>
-            <a:r>
-              <a:rPr lang="fr-FR" dirty="0" err="1" smtClean="0"/>
-              <a:t>scaling</a:t>
-            </a:r>
-            <a:r>
-              <a:rPr lang="fr-FR" dirty="0"/>
-              <a:t>.</a:t>
+            <a:endParaRPr lang="fr-FR" sz="2400" dirty="0" smtClean="0"/>
+          </a:p>
+        </p:txBody>
+      </p:sp>
+      <p:sp>
+        <p:nvSpPr>
+          <p:cNvPr id="2" name="Titre 1"/>
+          <p:cNvSpPr>
+            <a:spLocks noGrp="1"/>
+          </p:cNvSpPr>
+          <p:nvPr>
+            <p:ph type="title"/>
+          </p:nvPr>
+        </p:nvSpPr>
+        <p:spPr>
+          <a:xfrm>
+            <a:off x="777240" y="4876800"/>
+            <a:ext cx="7543800" cy="1282700"/>
+          </a:xfrm>
+        </p:spPr>
+        <p:txBody>
+          <a:bodyPr/>
+          <a:lstStyle/>
+          <a:p>
+            <a:r>
+              <a:rPr lang="fr-FR" dirty="0" err="1" smtClean="0"/>
+              <a:t>Topological</a:t>
+            </a:r>
+            <a:r>
+              <a:rPr lang="fr-FR" dirty="0" smtClean="0"/>
+              <a:t> Aspects</a:t>
             </a:r>
             <a:endParaRPr lang="fr-FR" dirty="0"/>
           </a:p>
         </p:txBody>
       </p:sp>
-      <p:sp>
-        <p:nvSpPr>
-          <p:cNvPr id="2" name="Titre 1"/>
-          <p:cNvSpPr>
-            <a:spLocks noGrp="1"/>
-          </p:cNvSpPr>
-          <p:nvPr>
-            <p:ph type="title"/>
+      <p:pic>
+        <p:nvPicPr>
+          <p:cNvPr id="6" name="Image 5" descr="persChroma.png"/>
+          <p:cNvPicPr>
+            <a:picLocks noChangeAspect="1"/>
+          </p:cNvPicPr>
+          <p:nvPr/>
+        </p:nvPicPr>
+        <p:blipFill>
+          <a:blip r:embed="rId2">
+            <a:extLst>
+              <a:ext uri="{28A0092B-C50C-407E-A947-70E740481C1C}">
+                <a14:useLocalDpi xmlns:a14="http://schemas.microsoft.com/office/drawing/2010/main" val="0"/>
+              </a:ext>
+            </a:extLst>
+          </a:blip>
+          <a:stretch>
+            <a:fillRect/>
+          </a:stretch>
+        </p:blipFill>
+        <p:spPr>
+          <a:xfrm>
+            <a:off x="4101055" y="609600"/>
+            <a:ext cx="5186178" cy="5186178"/>
+          </a:xfrm>
+          <a:prstGeom prst="rect">
+            <a:avLst/>
+          </a:prstGeom>
+        </p:spPr>
+      </p:pic>
+      <p:sp>
+        <p:nvSpPr>
+          <p:cNvPr id="5" name="Espace réservé du pied de page 4"/>
+          <p:cNvSpPr>
+            <a:spLocks noGrp="1"/>
+          </p:cNvSpPr>
+          <p:nvPr>
+            <p:ph type="ftr" sz="quarter" idx="12"/>
           </p:nvPr>
         </p:nvSpPr>
         <p:spPr/>
         <p:txBody>
-          <a:bodyPr>
-            <a:normAutofit fontScale="90000"/>
-          </a:bodyPr>
-          <a:lstStyle/>
-          <a:p>
-            <a:r>
-              <a:rPr lang="fr-FR" dirty="0" smtClean="0"/>
-              <a:t>Classification via </a:t>
-            </a:r>
-            <a:r>
-              <a:rPr lang="fr-FR" dirty="0" err="1" smtClean="0"/>
-              <a:t>Clustering</a:t>
-            </a:r>
-            <a:endParaRPr lang="fr-FR" dirty="0"/>
-          </a:p>
-        </p:txBody>
-      </p:sp>
+          <a:bodyPr/>
+          <a:lstStyle/>
+          <a:p>
+            <a:r>
+              <a:rPr lang="mr-IN" smtClean="0"/>
+              <a:t>Song Similarities via Homological Features of Music                                                       Leventhal &amp; Fahimfar               </a:t>
+            </a:r>
+            <a:endParaRPr lang="en-US" dirty="0"/>
+          </a:p>
+        </p:txBody>
+      </p:sp>
+      <p:pic>
+        <p:nvPicPr>
+          <p:cNvPr id="7" name="Image 6" descr="musicPersistence.png"/>
+          <p:cNvPicPr>
+            <a:picLocks noChangeAspect="1"/>
+          </p:cNvPicPr>
+          <p:nvPr/>
+        </p:nvPicPr>
+        <p:blipFill>
+          <a:blip r:embed="rId3">
+            <a:extLst>
+              <a:ext uri="{28A0092B-C50C-407E-A947-70E740481C1C}">
+                <a14:useLocalDpi xmlns:a14="http://schemas.microsoft.com/office/drawing/2010/main" val="0"/>
+              </a:ext>
+            </a:extLst>
+          </a:blip>
+          <a:stretch>
+            <a:fillRect/>
+          </a:stretch>
+        </p:blipFill>
+        <p:spPr>
+          <a:xfrm>
+            <a:off x="67557" y="1864375"/>
+            <a:ext cx="4377769" cy="2834165"/>
+          </a:xfrm>
+          <a:prstGeom prst="rect">
+            <a:avLst/>
+          </a:prstGeom>
+        </p:spPr>
+      </p:pic>
     </p:spTree>
     <p:extLst>
       <p:ext uri="{BB962C8B-B14F-4D97-AF65-F5344CB8AC3E}">
-        <p14:creationId xmlns:p14="http://schemas.microsoft.com/office/powerpoint/2010/main" val="2684406465"/>
+        <p14:creationId xmlns:p14="http://schemas.microsoft.com/office/powerpoint/2010/main" val="3602395760"/>
       </p:ext>
     </p:extLst>
   </p:cSld>
@@ -4000,71 +4658,190 @@
             <p:ph idx="1"/>
           </p:nvPr>
         </p:nvSpPr>
+        <p:spPr>
+          <a:xfrm>
+            <a:off x="1295400" y="2"/>
+            <a:ext cx="6934200" cy="1188876"/>
+          </a:xfrm>
+        </p:spPr>
+        <p:txBody>
+          <a:bodyPr>
+            <a:normAutofit/>
+          </a:bodyPr>
+          <a:lstStyle/>
+          <a:p>
+            <a:pPr>
+              <a:buFont typeface="Arial"/>
+              <a:buChar char="•"/>
+            </a:pPr>
+            <a:r>
+              <a:rPr lang="fr-FR" sz="2400" dirty="0" smtClean="0"/>
+              <a:t>Persistent </a:t>
+            </a:r>
+            <a:r>
+              <a:rPr lang="fr-FR" sz="2400" dirty="0" err="1" smtClean="0"/>
+              <a:t>Homology</a:t>
+            </a:r>
+            <a:r>
+              <a:rPr lang="fr-FR" sz="2400" dirty="0" smtClean="0"/>
+              <a:t> of Chroma </a:t>
+            </a:r>
+            <a:r>
+              <a:rPr lang="fr-FR" sz="2400" dirty="0" err="1"/>
+              <a:t>F</a:t>
+            </a:r>
+            <a:r>
+              <a:rPr lang="fr-FR" sz="2400" dirty="0" err="1" smtClean="0"/>
+              <a:t>eatures</a:t>
+            </a:r>
+            <a:r>
+              <a:rPr lang="fr-FR" sz="2400" dirty="0" smtClean="0"/>
+              <a:t>.</a:t>
+            </a:r>
+          </a:p>
+          <a:p>
+            <a:pPr lvl="1">
+              <a:buFont typeface="Arial"/>
+              <a:buChar char="•"/>
+            </a:pPr>
+            <a:r>
+              <a:rPr lang="fr-FR" sz="2200" dirty="0" err="1" smtClean="0"/>
+              <a:t>Example</a:t>
+            </a:r>
+            <a:r>
+              <a:rPr lang="fr-FR" sz="2200" dirty="0" smtClean="0"/>
+              <a:t>: </a:t>
+            </a:r>
+            <a:r>
+              <a:rPr lang="fr-FR" sz="2200" dirty="0" err="1" smtClean="0"/>
+              <a:t>Preachin</a:t>
+            </a:r>
+            <a:r>
+              <a:rPr lang="fr-FR" sz="2200" dirty="0" smtClean="0"/>
+              <a:t>’ by Son House</a:t>
+            </a:r>
+          </a:p>
+        </p:txBody>
+      </p:sp>
+      <p:sp>
+        <p:nvSpPr>
+          <p:cNvPr id="2" name="Titre 1"/>
+          <p:cNvSpPr>
+            <a:spLocks noGrp="1"/>
+          </p:cNvSpPr>
+          <p:nvPr>
+            <p:ph type="title"/>
+          </p:nvPr>
+        </p:nvSpPr>
+        <p:spPr>
+          <a:xfrm>
+            <a:off x="777240" y="4876799"/>
+            <a:ext cx="7543800" cy="1391827"/>
+          </a:xfrm>
+        </p:spPr>
+        <p:txBody>
+          <a:bodyPr/>
+          <a:lstStyle/>
+          <a:p>
+            <a:r>
+              <a:rPr lang="fr-FR" dirty="0" err="1" smtClean="0"/>
+              <a:t>Topological</a:t>
+            </a:r>
+            <a:r>
+              <a:rPr lang="fr-FR" dirty="0" smtClean="0"/>
+              <a:t> Aspects</a:t>
+            </a:r>
+            <a:endParaRPr lang="fr-FR" dirty="0"/>
+          </a:p>
+        </p:txBody>
+      </p:sp>
+      <p:sp>
+        <p:nvSpPr>
+          <p:cNvPr id="5" name="Espace réservé du pied de page 4"/>
+          <p:cNvSpPr>
+            <a:spLocks noGrp="1"/>
+          </p:cNvSpPr>
+          <p:nvPr>
+            <p:ph type="ftr" sz="quarter" idx="12"/>
+          </p:nvPr>
+        </p:nvSpPr>
         <p:spPr/>
         <p:txBody>
           <a:bodyPr/>
           <a:lstStyle/>
           <a:p>
-            <a:endParaRPr lang="fr-FR"/>
-          </a:p>
-        </p:txBody>
-      </p:sp>
-      <p:sp>
-        <p:nvSpPr>
-          <p:cNvPr id="2" name="Titre 1"/>
-          <p:cNvSpPr>
-            <a:spLocks noGrp="1"/>
-          </p:cNvSpPr>
-          <p:nvPr>
-            <p:ph type="title"/>
-          </p:nvPr>
-        </p:nvSpPr>
-        <p:spPr/>
-        <p:txBody>
-          <a:bodyPr>
-            <a:noAutofit/>
-          </a:bodyPr>
-          <a:lstStyle/>
-          <a:p>
-            <a:r>
-              <a:rPr lang="fr-FR" sz="3600" dirty="0" err="1" smtClean="0"/>
-              <a:t>Results</a:t>
-            </a:r>
-            <a:r>
-              <a:rPr lang="fr-FR" sz="3600" dirty="0" smtClean="0"/>
-              <a:t>:</a:t>
-            </a:r>
-            <a:r>
-              <a:rPr lang="fr-FR" sz="3600" dirty="0"/>
-              <a:t/>
-            </a:r>
-            <a:br>
-              <a:rPr lang="fr-FR" sz="3600" dirty="0"/>
-            </a:br>
-            <a:r>
-              <a:rPr lang="fr-FR" sz="2800" dirty="0" err="1" smtClean="0"/>
-              <a:t>Nearest</a:t>
-            </a:r>
-            <a:r>
-              <a:rPr lang="fr-FR" sz="2800" dirty="0" smtClean="0"/>
-              <a:t> in </a:t>
-            </a:r>
-            <a:r>
-              <a:rPr lang="fr-FR" sz="2800" dirty="0" err="1" smtClean="0"/>
-              <a:t>Bottleneck</a:t>
-            </a:r>
-            <a:r>
-              <a:rPr lang="fr-FR" sz="2800" dirty="0" smtClean="0"/>
-              <a:t> Distance</a:t>
-            </a:r>
-            <a:endParaRPr lang="fr-FR" sz="2800" dirty="0"/>
-          </a:p>
-        </p:txBody>
-      </p:sp>
+            <a:r>
+              <a:rPr lang="mr-IN" smtClean="0"/>
+              <a:t>Song Similarities via Homological Features of Music                                                       Leventhal &amp; Fahimfar               </a:t>
+            </a:r>
+            <a:endParaRPr lang="en-US" dirty="0"/>
+          </a:p>
+        </p:txBody>
+      </p:sp>
+      <p:pic>
+        <p:nvPicPr>
+          <p:cNvPr id="8" name="Image 7" descr="sonHouseAmIWriteorWrong.png"/>
+          <p:cNvPicPr>
+            <a:picLocks noChangeAspect="1"/>
+          </p:cNvPicPr>
+          <p:nvPr/>
+        </p:nvPicPr>
+        <p:blipFill>
+          <a:blip r:embed="rId2">
+            <a:extLst>
+              <a:ext uri="{28A0092B-C50C-407E-A947-70E740481C1C}">
+                <a14:useLocalDpi xmlns:a14="http://schemas.microsoft.com/office/drawing/2010/main" val="0"/>
+              </a:ext>
+            </a:extLst>
+          </a:blip>
+          <a:stretch>
+            <a:fillRect/>
+          </a:stretch>
+        </p:blipFill>
+        <p:spPr>
+          <a:xfrm>
+            <a:off x="-57146" y="1188878"/>
+            <a:ext cx="4597057" cy="4200758"/>
+          </a:xfrm>
+          <a:prstGeom prst="rect">
+            <a:avLst/>
+          </a:prstGeom>
+        </p:spPr>
+      </p:pic>
+      <p:pic>
+        <p:nvPicPr>
+          <p:cNvPr id="10" name="Image 9" descr="preachinBarcode.png"/>
+          <p:cNvPicPr>
+            <a:picLocks noChangeAspect="1"/>
+          </p:cNvPicPr>
+          <p:nvPr/>
+        </p:nvPicPr>
+        <p:blipFill>
+          <a:blip r:embed="rId3">
+            <a:extLst>
+              <a:ext uri="{28A0092B-C50C-407E-A947-70E740481C1C}">
+                <a14:useLocalDpi xmlns:a14="http://schemas.microsoft.com/office/drawing/2010/main" val="0"/>
+              </a:ext>
+            </a:extLst>
+          </a:blip>
+          <a:stretch>
+            <a:fillRect/>
+          </a:stretch>
+        </p:blipFill>
+        <p:spPr>
+          <a:xfrm>
+            <a:off x="4435637" y="1188877"/>
+            <a:ext cx="4711744" cy="4200759"/>
+          </a:xfrm>
+          <a:prstGeom prst="rect">
+            <a:avLst/>
+          </a:prstGeom>
+        </p:spPr>
+      </p:pic>
     </p:spTree>
     <p:extLst>
       <p:ext uri="{BB962C8B-B14F-4D97-AF65-F5344CB8AC3E}">
-        <p14:creationId xmlns:p14="http://schemas.microsoft.com/office/powerpoint/2010/main" val="2758726464"/>
+        <p14:creationId xmlns:p14="http://schemas.microsoft.com/office/powerpoint/2010/main" val="3787186209"/>
       </p:ext>
     </p:extLst>
   </p:cSld>
@@ -4106,7 +4883,108 @@
           <a:bodyPr/>
           <a:lstStyle/>
           <a:p>
-            <a:endParaRPr lang="fr-FR"/>
+            <a:pPr>
+              <a:buFont typeface="Arial"/>
+              <a:buChar char="•"/>
+            </a:pPr>
+            <a:r>
+              <a:rPr lang="fr-FR" dirty="0" err="1" smtClean="0"/>
+              <a:t>Based</a:t>
+            </a:r>
+            <a:r>
+              <a:rPr lang="fr-FR" dirty="0" smtClean="0"/>
+              <a:t> on </a:t>
+            </a:r>
+            <a:r>
+              <a:rPr lang="fr-FR" b="1" dirty="0" smtClean="0"/>
+              <a:t>pair-</a:t>
+            </a:r>
+            <a:r>
+              <a:rPr lang="fr-FR" b="1" dirty="0" err="1" smtClean="0"/>
+              <a:t>wise</a:t>
+            </a:r>
+            <a:r>
+              <a:rPr lang="fr-FR" b="1" dirty="0" smtClean="0"/>
+              <a:t> </a:t>
+            </a:r>
+            <a:r>
+              <a:rPr lang="fr-FR" b="1" dirty="0" err="1" smtClean="0"/>
+              <a:t>Bottleneck</a:t>
+            </a:r>
+            <a:r>
+              <a:rPr lang="fr-FR" b="1" dirty="0" smtClean="0"/>
+              <a:t> distance </a:t>
+            </a:r>
+            <a:r>
+              <a:rPr lang="fr-FR" b="1" dirty="0" smtClean="0"/>
+              <a:t>matrix.</a:t>
+            </a:r>
+            <a:endParaRPr lang="fr-FR" b="1" dirty="0" smtClean="0"/>
+          </a:p>
+          <a:p>
+            <a:pPr>
+              <a:buFont typeface="Arial"/>
+              <a:buChar char="•"/>
+            </a:pPr>
+            <a:r>
+              <a:rPr lang="fr-FR" dirty="0" smtClean="0"/>
+              <a:t>Cluster </a:t>
+            </a:r>
+            <a:r>
+              <a:rPr lang="fr-FR" dirty="0" err="1" smtClean="0"/>
+              <a:t>with</a:t>
+            </a:r>
+            <a:r>
+              <a:rPr lang="fr-FR" dirty="0" smtClean="0"/>
+              <a:t> </a:t>
+            </a:r>
+            <a:r>
+              <a:rPr lang="fr-FR" b="1" dirty="0" err="1" smtClean="0"/>
+              <a:t>kMeans</a:t>
+            </a:r>
+            <a:r>
+              <a:rPr lang="fr-FR" dirty="0" smtClean="0"/>
+              <a:t> and </a:t>
+            </a:r>
+            <a:r>
+              <a:rPr lang="fr-FR" b="1" dirty="0" err="1" smtClean="0"/>
+              <a:t>kMedoid</a:t>
+            </a:r>
+            <a:r>
+              <a:rPr lang="fr-FR" dirty="0"/>
+              <a:t>.</a:t>
+            </a:r>
+            <a:endParaRPr lang="fr-FR" dirty="0" smtClean="0"/>
+          </a:p>
+          <a:p>
+            <a:pPr>
+              <a:buFont typeface="Arial"/>
+              <a:buChar char="•"/>
+            </a:pPr>
+            <a:r>
+              <a:rPr lang="fr-FR" dirty="0" smtClean="0"/>
+              <a:t>Visualisation via </a:t>
+            </a:r>
+            <a:r>
+              <a:rPr lang="fr-FR" b="1" dirty="0" smtClean="0"/>
+              <a:t>multi-</a:t>
+            </a:r>
+            <a:r>
+              <a:rPr lang="fr-FR" b="1" dirty="0" err="1" smtClean="0"/>
+              <a:t>dimensional</a:t>
+            </a:r>
+            <a:r>
+              <a:rPr lang="fr-FR" b="1" dirty="0" smtClean="0"/>
+              <a:t> </a:t>
+            </a:r>
+            <a:r>
+              <a:rPr lang="fr-FR" b="1" dirty="0" err="1" smtClean="0"/>
+              <a:t>scaling</a:t>
+            </a:r>
+            <a:r>
+              <a:rPr lang="fr-FR" dirty="0"/>
+              <a:t>.</a:t>
+            </a:r>
           </a:p>
         </p:txBody>
       </p:sp>
@@ -4120,12 +4998,7 @@
             <p:ph type="title"/>
           </p:nvPr>
         </p:nvSpPr>
-        <p:spPr>
-          <a:xfrm>
-            <a:off x="777240" y="4876800"/>
-            <a:ext cx="7807960" cy="914400"/>
-          </a:xfrm>
-        </p:spPr>
+        <p:spPr/>
         <p:txBody>
           <a:bodyPr>
             <a:normAutofit fontScale="90000"/>
@@ -4133,60 +5006,44 @@
           <a:lstStyle/>
           <a:p>
             <a:r>
-              <a:rPr lang="fr-FR" dirty="0" err="1" smtClean="0"/>
-              <a:t>Results</a:t>
-            </a:r>
-            <a:r>
-              <a:rPr lang="fr-FR" dirty="0" smtClean="0"/>
-              <a:t>:</a:t>
-            </a:r>
-            <a:r>
-              <a:rPr lang="fr-FR" dirty="0" smtClean="0"/>
-              <a:t/>
-            </a:r>
-            <a:br>
-              <a:rPr lang="fr-FR" dirty="0" smtClean="0"/>
-            </a:br>
-            <a:r>
-              <a:rPr lang="fr-FR" sz="2900" dirty="0" smtClean="0"/>
-              <a:t>Multi-</a:t>
-            </a:r>
-            <a:r>
-              <a:rPr lang="fr-FR" sz="2900" dirty="0" err="1" smtClean="0"/>
-              <a:t>Dimensional</a:t>
-            </a:r>
-            <a:r>
-              <a:rPr lang="fr-FR" sz="2900" dirty="0" smtClean="0"/>
-              <a:t> </a:t>
-            </a:r>
-            <a:r>
-              <a:rPr lang="fr-FR" sz="2900" dirty="0" err="1" smtClean="0"/>
-              <a:t>Scaling</a:t>
-            </a:r>
-            <a:r>
-              <a:rPr lang="fr-FR" sz="2900" dirty="0" smtClean="0"/>
-              <a:t> and </a:t>
-            </a:r>
-            <a:r>
-              <a:rPr lang="fr-FR" sz="2900" dirty="0" err="1" smtClean="0"/>
-              <a:t>kMeans</a:t>
-            </a:r>
-            <a:r>
-              <a:rPr lang="fr-FR" sz="2900" dirty="0" smtClean="0"/>
-              <a:t> </a:t>
-            </a:r>
-            <a:r>
-              <a:rPr lang="fr-FR" sz="2900" dirty="0" err="1" smtClean="0"/>
+              <a:rPr lang="fr-FR" dirty="0" smtClean="0"/>
+              <a:t>Classification via </a:t>
+            </a:r>
+            <a:r>
+              <a:rPr lang="fr-FR" dirty="0" err="1" smtClean="0"/>
               <a:t>Clustering</a:t>
             </a:r>
-            <a:endParaRPr lang="fr-FR" sz="2900" dirty="0"/>
+            <a:endParaRPr lang="fr-FR" dirty="0"/>
+          </a:p>
+        </p:txBody>
+      </p:sp>
+      <p:sp>
+        <p:nvSpPr>
+          <p:cNvPr id="4" name="Espace réservé du pied de page 3"/>
+          <p:cNvSpPr>
+            <a:spLocks noGrp="1"/>
+          </p:cNvSpPr>
+          <p:nvPr>
+            <p:ph type="ftr" sz="quarter" idx="12"/>
+          </p:nvPr>
+        </p:nvSpPr>
+        <p:spPr/>
+        <p:txBody>
+          <a:bodyPr/>
+          <a:lstStyle/>
+          <a:p>
+            <a:r>
+              <a:rPr lang="mr-IN" smtClean="0"/>
+              <a:t>Song Similarities via Homological Features of Music                                                       Leventhal &amp; Fahimfar               </a:t>
+            </a:r>
+            <a:endParaRPr lang="en-US" dirty="0"/>
           </a:p>
         </p:txBody>
       </p:sp>
     </p:spTree>
     <p:extLst>
       <p:ext uri="{BB962C8B-B14F-4D97-AF65-F5344CB8AC3E}">
-        <p14:creationId xmlns:p14="http://schemas.microsoft.com/office/powerpoint/2010/main" val="3439006"/>
+        <p14:creationId xmlns:p14="http://schemas.microsoft.com/office/powerpoint/2010/main" val="2684406465"/>
       </p:ext>
     </p:extLst>
   </p:cSld>
@@ -4215,7 +5072,82 @@
       </p:grpSpPr>
       <p:sp>
         <p:nvSpPr>
-          <p:cNvPr id="3" name="Espace réservé du contenu 2"/>
+          <p:cNvPr id="2" name="Titre 1"/>
+          <p:cNvSpPr>
+            <a:spLocks noGrp="1"/>
+          </p:cNvSpPr>
+          <p:nvPr>
+            <p:ph type="title"/>
+          </p:nvPr>
+        </p:nvSpPr>
+        <p:spPr/>
+        <p:txBody>
+          <a:bodyPr>
+            <a:noAutofit/>
+          </a:bodyPr>
+          <a:lstStyle/>
+          <a:p>
+            <a:r>
+              <a:rPr lang="fr-FR" sz="3600" dirty="0" err="1" smtClean="0"/>
+              <a:t>Results</a:t>
+            </a:r>
+            <a:r>
+              <a:rPr lang="fr-FR" sz="3600" dirty="0" smtClean="0"/>
+              <a:t>:</a:t>
+            </a:r>
+            <a:r>
+              <a:rPr lang="fr-FR" sz="3600" dirty="0"/>
+              <a:t/>
+            </a:r>
+            <a:br>
+              <a:rPr lang="fr-FR" sz="3600" dirty="0"/>
+            </a:br>
+            <a:r>
+              <a:rPr lang="fr-FR" sz="2800" dirty="0" err="1" smtClean="0"/>
+              <a:t>Nearest</a:t>
+            </a:r>
+            <a:r>
+              <a:rPr lang="fr-FR" sz="2800" dirty="0" smtClean="0"/>
+              <a:t> in </a:t>
+            </a:r>
+            <a:r>
+              <a:rPr lang="fr-FR" sz="2800" dirty="0" err="1" smtClean="0"/>
+              <a:t>Bottleneck</a:t>
+            </a:r>
+            <a:r>
+              <a:rPr lang="fr-FR" sz="2800" dirty="0" smtClean="0"/>
+              <a:t> Distance</a:t>
+            </a:r>
+            <a:endParaRPr lang="fr-FR" sz="2800" dirty="0"/>
+          </a:p>
+        </p:txBody>
+      </p:sp>
+      <p:sp>
+        <p:nvSpPr>
+          <p:cNvPr id="4" name="Espace réservé du pied de page 3"/>
+          <p:cNvSpPr>
+            <a:spLocks noGrp="1"/>
+          </p:cNvSpPr>
+          <p:nvPr>
+            <p:ph type="ftr" sz="quarter" idx="12"/>
+          </p:nvPr>
+        </p:nvSpPr>
+        <p:spPr/>
+        <p:txBody>
+          <a:bodyPr/>
+          <a:lstStyle/>
+          <a:p>
+            <a:r>
+              <a:rPr lang="mr-IN" smtClean="0"/>
+              <a:t>Song Similarities via Homological Features of Music                                                       Leventhal &amp; Fahimfar               </a:t>
+            </a:r>
+            <a:endParaRPr lang="en-US" dirty="0"/>
+          </a:p>
+        </p:txBody>
+      </p:sp>
+      <p:sp>
+        <p:nvSpPr>
+          <p:cNvPr id="7" name="Espace réservé du contenu 6"/>
           <p:cNvSpPr>
             <a:spLocks noGrp="1"/>
           </p:cNvSpPr>
@@ -4232,74 +5164,40 @@
           </a:p>
         </p:txBody>
       </p:sp>
-      <p:sp>
-        <p:nvSpPr>
-          <p:cNvPr id="2" name="Titre 1"/>
-          <p:cNvSpPr>
-            <a:spLocks noGrp="1"/>
-          </p:cNvSpPr>
-          <p:nvPr>
-            <p:ph type="title"/>
-          </p:nvPr>
-        </p:nvSpPr>
-        <p:spPr/>
-        <p:txBody>
-          <a:bodyPr>
-            <a:normAutofit fontScale="90000"/>
-          </a:bodyPr>
-          <a:lstStyle/>
-          <a:p>
-            <a:r>
-              <a:rPr lang="fr-FR" dirty="0" err="1" smtClean="0"/>
-              <a:t>Results</a:t>
-            </a:r>
-            <a:r>
-              <a:rPr lang="fr-FR" dirty="0" smtClean="0"/>
-              <a:t/>
-            </a:r>
-            <a:br>
-              <a:rPr lang="fr-FR" dirty="0" smtClean="0"/>
-            </a:br>
-            <a:r>
-              <a:rPr lang="fr-FR" sz="2800" dirty="0" smtClean="0"/>
-              <a:t>Multi-</a:t>
-            </a:r>
-            <a:r>
-              <a:rPr lang="fr-FR" sz="2800" dirty="0" err="1" smtClean="0"/>
-              <a:t>Dimensional</a:t>
-            </a:r>
-            <a:r>
-              <a:rPr lang="fr-FR" sz="2800" dirty="0" smtClean="0"/>
-              <a:t> </a:t>
-            </a:r>
-            <a:r>
-              <a:rPr lang="fr-FR" sz="2800" dirty="0" err="1" smtClean="0"/>
-              <a:t>Scaling</a:t>
-            </a:r>
-            <a:r>
-              <a:rPr lang="fr-FR" sz="2800" dirty="0" smtClean="0"/>
-              <a:t> and </a:t>
-            </a:r>
-            <a:r>
-              <a:rPr lang="fr-FR" sz="2800" dirty="0" err="1" smtClean="0"/>
-              <a:t>kMedoid</a:t>
-            </a:r>
-            <a:r>
-              <a:rPr lang="fr-FR" sz="2800" dirty="0" smtClean="0"/>
-              <a:t> </a:t>
-            </a:r>
-            <a:r>
-              <a:rPr lang="fr-FR" sz="2800" dirty="0" err="1" smtClean="0"/>
-              <a:t>Clustering</a:t>
-            </a:r>
-            <a:endParaRPr lang="fr-FR" sz="2800" dirty="0"/>
-          </a:p>
-        </p:txBody>
-      </p:sp>
+      <p:pic>
+        <p:nvPicPr>
+          <p:cNvPr id="8" name="Image 7" descr="nearSonhouse1.png"/>
+          <p:cNvPicPr>
+            <a:picLocks noChangeAspect="1"/>
+          </p:cNvPicPr>
+          <p:nvPr/>
+        </p:nvPicPr>
+        <p:blipFill>
+          <a:blip r:embed="rId2">
+            <a:extLst>
+              <a:ext uri="{28A0092B-C50C-407E-A947-70E740481C1C}">
+                <a14:useLocalDpi xmlns:a14="http://schemas.microsoft.com/office/drawing/2010/main" val="0"/>
+              </a:ext>
+            </a:extLst>
+          </a:blip>
+          <a:stretch>
+            <a:fillRect/>
+          </a:stretch>
+        </p:blipFill>
+        <p:spPr>
+          <a:xfrm>
+            <a:off x="655920" y="685801"/>
+            <a:ext cx="8150289" cy="3309943"/>
+          </a:xfrm>
+          <a:prstGeom prst="rect">
+            <a:avLst/>
+          </a:prstGeom>
+        </p:spPr>
+      </p:pic>
     </p:spTree>
     <p:extLst>
       <p:ext uri="{BB962C8B-B14F-4D97-AF65-F5344CB8AC3E}">
-        <p14:creationId xmlns:p14="http://schemas.microsoft.com/office/powerpoint/2010/main" val="540028329"/>
+        <p14:creationId xmlns:p14="http://schemas.microsoft.com/office/powerpoint/2010/main" val="2758726464"/>
       </p:ext>
     </p:extLst>
   </p:cSld>
@@ -4328,7 +5226,87 @@
       </p:grpSpPr>
       <p:sp>
         <p:nvSpPr>
-          <p:cNvPr id="2" name="Espace réservé du contenu 1"/>
+          <p:cNvPr id="2" name="Titre 1"/>
+          <p:cNvSpPr>
+            <a:spLocks noGrp="1"/>
+          </p:cNvSpPr>
+          <p:nvPr>
+            <p:ph type="title"/>
+          </p:nvPr>
+        </p:nvSpPr>
+        <p:spPr>
+          <a:xfrm>
+            <a:off x="777240" y="4876799"/>
+            <a:ext cx="7543800" cy="1405337"/>
+          </a:xfrm>
+        </p:spPr>
+        <p:txBody>
+          <a:bodyPr>
+            <a:noAutofit/>
+          </a:bodyPr>
+          <a:lstStyle/>
+          <a:p>
+            <a:r>
+              <a:rPr lang="fr-FR" sz="3600" dirty="0" err="1" smtClean="0"/>
+              <a:t>Results</a:t>
+            </a:r>
+            <a:r>
+              <a:rPr lang="fr-FR" sz="3600" dirty="0" smtClean="0"/>
+              <a:t>:</a:t>
+            </a:r>
+            <a:r>
+              <a:rPr lang="fr-FR" sz="3600" dirty="0"/>
+              <a:t/>
+            </a:r>
+            <a:br>
+              <a:rPr lang="fr-FR" sz="3600" dirty="0"/>
+            </a:br>
+            <a:r>
+              <a:rPr lang="fr-FR" sz="2800" dirty="0" err="1" smtClean="0"/>
+              <a:t>Nearest</a:t>
+            </a:r>
+            <a:r>
+              <a:rPr lang="fr-FR" sz="2800" dirty="0" smtClean="0"/>
+              <a:t> in </a:t>
+            </a:r>
+            <a:r>
+              <a:rPr lang="fr-FR" sz="2800" dirty="0" err="1" smtClean="0"/>
+              <a:t>Bottleneck</a:t>
+            </a:r>
+            <a:r>
+              <a:rPr lang="fr-FR" sz="2800" dirty="0" smtClean="0"/>
+              <a:t> Distance</a:t>
+            </a:r>
+            <a:endParaRPr lang="fr-FR" sz="2800" dirty="0"/>
+          </a:p>
+        </p:txBody>
+      </p:sp>
+      <p:sp>
+        <p:nvSpPr>
+          <p:cNvPr id="4" name="Espace réservé du pied de page 3"/>
+          <p:cNvSpPr>
+            <a:spLocks noGrp="1"/>
+          </p:cNvSpPr>
+          <p:nvPr>
+            <p:ph type="ftr" sz="quarter" idx="12"/>
+          </p:nvPr>
+        </p:nvSpPr>
+        <p:spPr/>
+        <p:txBody>
+          <a:bodyPr/>
+          <a:lstStyle/>
+          <a:p>
+            <a:r>
+              <a:rPr lang="mr-IN" smtClean="0"/>
+              <a:t>Song Similarities via Homological Features of Music                                                       Leventhal &amp; Fahimfar               </a:t>
+            </a:r>
+            <a:endParaRPr lang="en-US" dirty="0"/>
+          </a:p>
+        </p:txBody>
+      </p:sp>
+      <p:sp>
+        <p:nvSpPr>
+          <p:cNvPr id="7" name="Espace réservé du contenu 6"/>
           <p:cNvSpPr>
             <a:spLocks noGrp="1"/>
           </p:cNvSpPr>
@@ -4345,33 +5323,70 @@
           </a:p>
         </p:txBody>
       </p:sp>
-      <p:sp>
-        <p:nvSpPr>
-          <p:cNvPr id="3" name="Titre 2"/>
-          <p:cNvSpPr>
-            <a:spLocks noGrp="1"/>
-          </p:cNvSpPr>
-          <p:nvPr>
-            <p:ph type="title"/>
-          </p:nvPr>
-        </p:nvSpPr>
-        <p:spPr/>
-        <p:txBody>
-          <a:bodyPr/>
-          <a:lstStyle/>
-          <a:p>
-            <a:r>
-              <a:rPr lang="fr-FR" sz="4000" dirty="0" err="1" smtClean="0"/>
-              <a:t>Reflections</a:t>
-            </a:r>
-            <a:endParaRPr lang="fr-FR" sz="4000" dirty="0"/>
-          </a:p>
-        </p:txBody>
-      </p:sp>
+      <p:pic>
+        <p:nvPicPr>
+          <p:cNvPr id="8" name="Image 7" descr="nearSonhouse1.png"/>
+          <p:cNvPicPr>
+            <a:picLocks noChangeAspect="1"/>
+          </p:cNvPicPr>
+          <p:nvPr/>
+        </p:nvPicPr>
+        <p:blipFill>
+          <a:blip r:embed="rId2">
+            <a:extLst>
+              <a:ext uri="{28A0092B-C50C-407E-A947-70E740481C1C}">
+                <a14:useLocalDpi xmlns:a14="http://schemas.microsoft.com/office/drawing/2010/main" val="0"/>
+              </a:ext>
+            </a:extLst>
+          </a:blip>
+          <a:stretch>
+            <a:fillRect/>
+          </a:stretch>
+        </p:blipFill>
+        <p:spPr>
+          <a:xfrm>
+            <a:off x="2283455" y="1"/>
+            <a:ext cx="4712183" cy="1913682"/>
+          </a:xfrm>
+          <a:prstGeom prst="rect">
+            <a:avLst/>
+          </a:prstGeom>
+        </p:spPr>
+      </p:pic>
+      <p:pic>
+        <p:nvPicPr>
+          <p:cNvPr id="9" name="Image 8" descr="nearSonhouse2.png"/>
+          <p:cNvPicPr>
+            <a:picLocks noChangeAspect="1"/>
+          </p:cNvPicPr>
+          <p:nvPr/>
+        </p:nvPicPr>
+        <p:blipFill>
+          <a:blip r:embed="rId3">
+            <a:extLst>
+              <a:ext uri="{28A0092B-C50C-407E-A947-70E740481C1C}">
+                <a14:useLocalDpi xmlns:a14="http://schemas.microsoft.com/office/drawing/2010/main" val="0"/>
+              </a:ext>
+            </a:extLst>
+          </a:blip>
+          <a:stretch>
+            <a:fillRect/>
+          </a:stretch>
+        </p:blipFill>
+        <p:spPr>
+          <a:xfrm>
+            <a:off x="1270093" y="1940703"/>
+            <a:ext cx="6711905" cy="3315109"/>
+          </a:xfrm>
+          <a:prstGeom prst="rect">
+            <a:avLst/>
+          </a:prstGeom>
+        </p:spPr>
+      </p:pic>
     </p:spTree>
     <p:extLst>
       <p:ext uri="{BB962C8B-B14F-4D97-AF65-F5344CB8AC3E}">
-        <p14:creationId xmlns:p14="http://schemas.microsoft.com/office/powerpoint/2010/main" val="2555832873"/>
+        <p14:creationId xmlns:p14="http://schemas.microsoft.com/office/powerpoint/2010/main" val="3571565194"/>
       </p:ext>
     </p:extLst>
   </p:cSld>
@@ -4413,168 +5428,94 @@
           <a:bodyPr/>
           <a:lstStyle/>
           <a:p>
-            <a:pPr>
-              <a:buFont typeface="Arial"/>
-              <a:buChar char="•"/>
+            <a:pPr marL="18288" indent="0">
+              <a:buNone/>
             </a:pPr>
             <a:r>
-              <a:rPr lang="fr-FR" dirty="0" err="1" smtClean="0"/>
-              <a:t>Apply</a:t>
-            </a:r>
-            <a:r>
-              <a:rPr lang="fr-FR" dirty="0" smtClean="0"/>
-              <a:t> p-</a:t>
-            </a:r>
-            <a:r>
-              <a:rPr lang="fr-FR" dirty="0" err="1" smtClean="0"/>
-              <a:t>Wasserstein</a:t>
-            </a:r>
-            <a:r>
               <a:rPr lang="fr-FR" dirty="0" smtClean="0"/>
               <a:t> </a:t>
             </a:r>
-            <a:r>
-              <a:rPr lang="fr-FR" dirty="0" err="1" smtClean="0"/>
-              <a:t>Metric</a:t>
-            </a:r>
-            <a:r>
-              <a:rPr lang="fr-FR" dirty="0" smtClean="0"/>
-              <a:t>.</a:t>
-            </a:r>
-          </a:p>
-          <a:p>
-            <a:pPr>
-              <a:buFont typeface="Arial"/>
-              <a:buChar char="•"/>
-            </a:pPr>
-            <a:r>
-              <a:rPr lang="fr-FR" dirty="0" err="1" smtClean="0"/>
-              <a:t>Introduce</a:t>
-            </a:r>
-            <a:r>
-              <a:rPr lang="fr-FR" dirty="0" smtClean="0"/>
+            <a:endParaRPr lang="fr-FR" dirty="0"/>
+          </a:p>
+        </p:txBody>
+      </p:sp>
+      <p:sp>
+        <p:nvSpPr>
+          <p:cNvPr id="2" name="Titre 1"/>
+          <p:cNvSpPr>
+            <a:spLocks noGrp="1"/>
+          </p:cNvSpPr>
+          <p:nvPr>
+            <p:ph type="title"/>
+          </p:nvPr>
+        </p:nvSpPr>
+        <p:spPr>
+          <a:xfrm>
+            <a:off x="777240" y="4876800"/>
+            <a:ext cx="7807960" cy="1148648"/>
+          </a:xfrm>
+        </p:spPr>
+        <p:txBody>
+          <a:bodyPr>
+            <a:normAutofit fontScale="90000"/>
+          </a:bodyPr>
+          <a:lstStyle/>
+          <a:p>
+            <a:r>
+              <a:rPr lang="fr-FR" dirty="0" err="1" smtClean="0"/>
+              <a:t>Results</a:t>
+            </a:r>
+            <a:r>
+              <a:rPr lang="fr-FR" dirty="0" smtClean="0"/>
+              <a:t>:</a:t>
+            </a:r>
+            <a:br>
+              <a:rPr lang="fr-FR" dirty="0" smtClean="0"/>
+            </a:br>
+            <a:r>
+              <a:rPr lang="fr-FR" sz="2900" dirty="0" smtClean="0"/>
+              <a:t>Multi-</a:t>
+            </a:r>
+            <a:r>
+              <a:rPr lang="fr-FR" sz="2900" dirty="0" err="1" smtClean="0"/>
+              <a:t>Dimensional</a:t>
+            </a:r>
+            <a:r>
+              <a:rPr lang="fr-FR" sz="2900" dirty="0" smtClean="0"/>
               <a:t> </a:t>
             </a:r>
             <a:r>
-              <a:rPr lang="fr-FR" dirty="0" err="1" smtClean="0"/>
-              <a:t>cut</a:t>
-            </a:r>
-            <a:r>
-              <a:rPr lang="fr-FR" dirty="0" smtClean="0"/>
-              <a:t> off for </a:t>
-            </a:r>
-            <a:r>
-              <a:rPr lang="fr-FR" dirty="0" err="1" smtClean="0"/>
-              <a:t>intesity</a:t>
-            </a:r>
-            <a:r>
-              <a:rPr lang="fr-FR" dirty="0" smtClean="0"/>
+              <a:rPr lang="fr-FR" sz="2900" dirty="0" err="1" smtClean="0"/>
+              <a:t>Scaling</a:t>
+            </a:r>
+            <a:r>
+              <a:rPr lang="fr-FR" sz="2900" dirty="0" smtClean="0"/>
+              <a:t> and </a:t>
+            </a:r>
+            <a:r>
+              <a:rPr lang="fr-FR" sz="2900" b="1" dirty="0" err="1" smtClean="0"/>
+              <a:t>kMeans</a:t>
+            </a:r>
+            <a:r>
+              <a:rPr lang="fr-FR" sz="2900" dirty="0" smtClean="0"/>
               <a:t> </a:t>
             </a:r>
             <a:r>
-              <a:rPr lang="fr-FR" dirty="0" err="1" smtClean="0"/>
-              <a:t>with</a:t>
-            </a:r>
-            <a:r>
-              <a:rPr lang="fr-FR" dirty="0" smtClean="0"/>
-              <a:t> chroma </a:t>
-            </a:r>
-            <a:r>
-              <a:rPr lang="fr-FR" dirty="0" err="1" smtClean="0"/>
-              <a:t>features</a:t>
-            </a:r>
-            <a:r>
-              <a:rPr lang="fr-FR" dirty="0" smtClean="0"/>
-              <a:t>.</a:t>
-            </a:r>
-          </a:p>
-          <a:p>
-            <a:pPr>
-              <a:buFont typeface="Arial"/>
-              <a:buChar char="•"/>
-            </a:pPr>
-            <a:r>
-              <a:rPr lang="fr-FR" dirty="0" smtClean="0"/>
-              <a:t>Use </a:t>
-            </a:r>
-            <a:r>
-              <a:rPr lang="fr-FR" dirty="0" err="1" smtClean="0"/>
-              <a:t>true</a:t>
-            </a:r>
-            <a:r>
-              <a:rPr lang="fr-FR" dirty="0" smtClean="0"/>
-              <a:t> pitch composition </a:t>
-            </a:r>
-            <a:r>
-              <a:rPr lang="fr-FR" dirty="0" err="1" smtClean="0"/>
-              <a:t>instead</a:t>
-            </a:r>
-            <a:r>
-              <a:rPr lang="fr-FR" dirty="0" smtClean="0"/>
-              <a:t> of chroma </a:t>
-            </a:r>
-            <a:r>
-              <a:rPr lang="fr-FR" dirty="0" err="1" smtClean="0"/>
-              <a:t>features</a:t>
-            </a:r>
-            <a:r>
-              <a:rPr lang="fr-FR" dirty="0" smtClean="0"/>
-              <a:t>. </a:t>
-            </a:r>
-          </a:p>
-          <a:p>
-            <a:pPr>
-              <a:buFont typeface="Arial"/>
-              <a:buChar char="•"/>
-            </a:pPr>
-            <a:r>
-              <a:rPr lang="fr-FR" dirty="0" smtClean="0"/>
-              <a:t>Train on </a:t>
-            </a:r>
-            <a:r>
-              <a:rPr lang="fr-FR" dirty="0" err="1" smtClean="0"/>
-              <a:t>fundemental</a:t>
-            </a:r>
-            <a:r>
-              <a:rPr lang="fr-FR" dirty="0" smtClean="0"/>
-              <a:t> </a:t>
-            </a:r>
-            <a:r>
-              <a:rPr lang="fr-FR" dirty="0" err="1" smtClean="0"/>
-              <a:t>chords</a:t>
-            </a:r>
-            <a:r>
-              <a:rPr lang="fr-FR" dirty="0" smtClean="0"/>
-              <a:t>, </a:t>
-            </a:r>
-            <a:r>
-              <a:rPr lang="fr-FR" dirty="0" err="1" smtClean="0"/>
-              <a:t>chord</a:t>
-            </a:r>
-            <a:r>
-              <a:rPr lang="fr-FR" dirty="0" smtClean="0"/>
-              <a:t> progressions, time signatures, and </a:t>
-            </a:r>
-            <a:r>
-              <a:rPr lang="fr-FR" dirty="0" err="1" smtClean="0"/>
-              <a:t>introduce</a:t>
-            </a:r>
-            <a:r>
-              <a:rPr lang="fr-FR" dirty="0" smtClean="0"/>
-              <a:t> timbre. </a:t>
-            </a:r>
-            <a:endParaRPr lang="fr-FR" dirty="0"/>
-          </a:p>
-        </p:txBody>
-      </p:sp>
-      <p:sp>
-        <p:nvSpPr>
-          <p:cNvPr id="2" name="Titre 1"/>
-          <p:cNvSpPr>
-            <a:spLocks noGrp="1"/>
-          </p:cNvSpPr>
-          <p:nvPr>
-            <p:ph type="title"/>
+              <a:rPr lang="fr-FR" sz="2900" dirty="0" err="1" smtClean="0"/>
+              <a:t>Clustering</a:t>
+            </a:r>
+            <a:endParaRPr lang="fr-FR" sz="2900" dirty="0"/>
+          </a:p>
+        </p:txBody>
+      </p:sp>
+      <p:sp>
+        <p:nvSpPr>
+          <p:cNvPr id="4" name="Espace réservé du pied de page 3"/>
+          <p:cNvSpPr>
+            <a:spLocks noGrp="1"/>
+          </p:cNvSpPr>
+          <p:nvPr>
+            <p:ph type="ftr" sz="quarter" idx="12"/>
           </p:nvPr>
         </p:nvSpPr>
         <p:spPr/>
@@ -4583,17 +5524,47 @@
           <a:lstStyle/>
           <a:p>
             <a:r>
-              <a:rPr lang="fr-FR" dirty="0" smtClean="0"/>
-              <a:t>Future Directions</a:t>
-            </a:r>
-            <a:endParaRPr lang="fr-FR" dirty="0"/>
-          </a:p>
-        </p:txBody>
-      </p:sp>
+              <a:rPr lang="mr-IN" smtClean="0"/>
+              <a:t>Song Similarities via Homological Features of Music                                                       Leventhal &amp; Fahimfar               </a:t>
+            </a:r>
+            <a:endParaRPr lang="en-US" dirty="0"/>
+          </a:p>
+        </p:txBody>
+      </p:sp>
+      <p:pic>
+        <p:nvPicPr>
+          <p:cNvPr id="6" name="Image 5" descr="mdsbottlelessthanpoint4.pdf"/>
+          <p:cNvPicPr>
+            <a:picLocks noChangeAspect="1"/>
+          </p:cNvPicPr>
+          <p:nvPr/>
+        </p:nvPicPr>
+        <p:blipFill>
+          <a:blip r:embed="rId2">
+            <a:extLst>
+              <a:ext uri="{28A0092B-C50C-407E-A947-70E740481C1C}">
+                <a14:useLocalDpi xmlns:a14="http://schemas.microsoft.com/office/drawing/2010/main" val="0"/>
+              </a:ext>
+            </a:extLst>
+          </a:blip>
+          <a:stretch>
+            <a:fillRect/>
+          </a:stretch>
+        </p:blipFill>
+        <p:spPr>
+          <a:xfrm>
+            <a:off x="2850955" y="81059"/>
+            <a:ext cx="6066727" cy="5534989"/>
+          </a:xfrm>
+          <a:prstGeom prst="rect">
+            <a:avLst/>
+          </a:prstGeom>
+        </p:spPr>
+      </p:pic>
     </p:spTree>
     <p:extLst>
       <p:ext uri="{BB962C8B-B14F-4D97-AF65-F5344CB8AC3E}">
-        <p14:creationId xmlns:p14="http://schemas.microsoft.com/office/powerpoint/2010/main" val="2859419064"/>
+        <p14:creationId xmlns:p14="http://schemas.microsoft.com/office/powerpoint/2010/main" val="3439006"/>
       </p:ext>
     </p:extLst>
   </p:cSld>
@@ -4635,7 +5606,14 @@
           <a:bodyPr/>
           <a:lstStyle/>
           <a:p>
-            <a:endParaRPr lang="fr-FR"/>
+            <a:pPr marL="18288" indent="0">
+              <a:buNone/>
+            </a:pPr>
+            <a:r>
+              <a:rPr lang="fr-FR" dirty="0" smtClean="0"/>
+              <a:t> </a:t>
+            </a:r>
+            <a:endParaRPr lang="fr-FR" dirty="0"/>
           </a:p>
         </p:txBody>
       </p:sp>
@@ -4649,23 +5627,110 @@
             <p:ph type="title"/>
           </p:nvPr>
         </p:nvSpPr>
+        <p:spPr>
+          <a:xfrm>
+            <a:off x="777240" y="4876799"/>
+            <a:ext cx="7807960" cy="1378317"/>
+          </a:xfrm>
+        </p:spPr>
+        <p:txBody>
+          <a:bodyPr>
+            <a:normAutofit/>
+          </a:bodyPr>
+          <a:lstStyle/>
+          <a:p>
+            <a:r>
+              <a:rPr lang="fr-FR" dirty="0" err="1" smtClean="0"/>
+              <a:t>Results</a:t>
+            </a:r>
+            <a:r>
+              <a:rPr lang="fr-FR" dirty="0" smtClean="0"/>
+              <a:t>:</a:t>
+            </a:r>
+            <a:br>
+              <a:rPr lang="fr-FR" dirty="0" smtClean="0"/>
+            </a:br>
+            <a:r>
+              <a:rPr lang="fr-FR" sz="2400" b="1" dirty="0" err="1" smtClean="0"/>
+              <a:t>kMeans</a:t>
+            </a:r>
+            <a:r>
+              <a:rPr lang="fr-FR" sz="2400" dirty="0" smtClean="0"/>
+              <a:t> </a:t>
+            </a:r>
+            <a:r>
+              <a:rPr lang="fr-FR" sz="2400" dirty="0" err="1" smtClean="0"/>
+              <a:t>Clustering</a:t>
+            </a:r>
+            <a:r>
+              <a:rPr lang="fr-FR" sz="2400" dirty="0" smtClean="0"/>
+              <a:t> </a:t>
+            </a:r>
+            <a:r>
+              <a:rPr lang="fr-FR" sz="2400" dirty="0" err="1" smtClean="0"/>
+              <a:t>Centers</a:t>
+            </a:r>
+            <a:endParaRPr lang="fr-FR" sz="2400" dirty="0"/>
+          </a:p>
+        </p:txBody>
+      </p:sp>
+      <p:sp>
+        <p:nvSpPr>
+          <p:cNvPr id="4" name="Espace réservé du pied de page 3"/>
+          <p:cNvSpPr>
+            <a:spLocks noGrp="1"/>
+          </p:cNvSpPr>
+          <p:nvPr>
+            <p:ph type="ftr" sz="quarter" idx="12"/>
+          </p:nvPr>
+        </p:nvSpPr>
         <p:spPr/>
         <p:txBody>
           <a:bodyPr/>
           <a:lstStyle/>
           <a:p>
             <a:r>
-              <a:rPr lang="fr-FR" dirty="0" err="1" smtClean="0"/>
-              <a:t>References</a:t>
-            </a:r>
-            <a:endParaRPr lang="fr-FR" dirty="0"/>
-          </a:p>
-        </p:txBody>
-      </p:sp>
+              <a:rPr lang="mr-IN" smtClean="0"/>
+              <a:t>Song Similarities via Homological Features of Music                                                       Leventhal &amp; Fahimfar               </a:t>
+            </a:r>
+            <a:endParaRPr lang="en-US" dirty="0"/>
+          </a:p>
+        </p:txBody>
+      </p:sp>
+      <p:pic>
+        <p:nvPicPr>
+          <p:cNvPr id="7" name="Image 6" descr="kmeansCenters.png"/>
+          <p:cNvPicPr>
+            <a:picLocks noChangeAspect="1"/>
+          </p:cNvPicPr>
+          <p:nvPr/>
+        </p:nvPicPr>
+        <p:blipFill>
+          <a:blip r:embed="rId2">
+            <a:extLst>
+              <a:ext uri="{28A0092B-C50C-407E-A947-70E740481C1C}">
+                <a14:useLocalDpi xmlns:a14="http://schemas.microsoft.com/office/drawing/2010/main" val="0"/>
+              </a:ext>
+            </a:extLst>
+          </a:blip>
+          <a:stretch>
+            <a:fillRect/>
+          </a:stretch>
+        </p:blipFill>
+        <p:spPr>
+          <a:xfrm>
+            <a:off x="3200946" y="162119"/>
+            <a:ext cx="5797806" cy="5686519"/>
+          </a:xfrm>
+          <a:prstGeom prst="rect">
+            <a:avLst/>
+          </a:prstGeom>
+        </p:spPr>
+      </p:pic>
     </p:spTree>
     <p:extLst>
       <p:ext uri="{BB962C8B-B14F-4D97-AF65-F5344CB8AC3E}">
-        <p14:creationId xmlns:p14="http://schemas.microsoft.com/office/powerpoint/2010/main" val="177860401"/>
+        <p14:creationId xmlns:p14="http://schemas.microsoft.com/office/powerpoint/2010/main" val="2751675734"/>
       </p:ext>
     </p:extLst>
   </p:cSld>
@@ -4702,42 +5767,751 @@
             <p:ph idx="1"/>
           </p:nvPr>
         </p:nvSpPr>
+        <p:spPr>
+          <a:xfrm>
+            <a:off x="2133600" y="1256427"/>
+            <a:ext cx="6096000" cy="3620372"/>
+          </a:xfrm>
+        </p:spPr>
+        <p:txBody>
+          <a:bodyPr/>
+          <a:lstStyle/>
+          <a:p>
+            <a:endParaRPr lang="fr-FR" dirty="0" smtClean="0"/>
+          </a:p>
+          <a:p>
+            <a:endParaRPr lang="fr-FR" dirty="0"/>
+          </a:p>
+          <a:p>
+            <a:endParaRPr lang="fr-FR" dirty="0" smtClean="0"/>
+          </a:p>
+          <a:p>
+            <a:pPr>
+              <a:buFont typeface="Arial"/>
+              <a:buChar char="•"/>
+            </a:pPr>
+            <a:r>
+              <a:rPr lang="fr-FR" dirty="0" smtClean="0"/>
+              <a:t>Issues: </a:t>
+            </a:r>
+          </a:p>
+          <a:p>
+            <a:pPr lvl="1">
+              <a:buFont typeface="Arial"/>
+              <a:buChar char="•"/>
+            </a:pPr>
+            <a:r>
+              <a:rPr lang="fr-FR" sz="1600" dirty="0" err="1" smtClean="0"/>
+              <a:t>Results</a:t>
+            </a:r>
+            <a:r>
+              <a:rPr lang="fr-FR" sz="1600" dirty="0" smtClean="0"/>
+              <a:t> </a:t>
+            </a:r>
+            <a:r>
+              <a:rPr lang="fr-FR" sz="1600" dirty="0" err="1" smtClean="0"/>
+              <a:t>similar</a:t>
+            </a:r>
+            <a:r>
+              <a:rPr lang="fr-FR" sz="1600" dirty="0" smtClean="0"/>
+              <a:t> genre but </a:t>
+            </a:r>
+            <a:r>
+              <a:rPr lang="fr-FR" sz="1600" dirty="0" err="1" smtClean="0"/>
+              <a:t>potentially</a:t>
+            </a:r>
+            <a:r>
+              <a:rPr lang="fr-FR" sz="1600" dirty="0" smtClean="0"/>
+              <a:t> </a:t>
+            </a:r>
+            <a:r>
+              <a:rPr lang="fr-FR" sz="1600" dirty="0" err="1" smtClean="0"/>
+              <a:t>coincidince</a:t>
+            </a:r>
+            <a:r>
+              <a:rPr lang="fr-FR" sz="1600" dirty="0" smtClean="0"/>
+              <a:t>.</a:t>
+            </a:r>
+          </a:p>
+          <a:p>
+            <a:pPr lvl="1">
+              <a:buFont typeface="Arial"/>
+              <a:buChar char="•"/>
+            </a:pPr>
+            <a:r>
+              <a:rPr lang="fr-FR" sz="1600" dirty="0" smtClean="0"/>
+              <a:t>Cluster </a:t>
+            </a:r>
+            <a:r>
+              <a:rPr lang="fr-FR" sz="1600" dirty="0" err="1" smtClean="0"/>
+              <a:t>centers</a:t>
+            </a:r>
+            <a:r>
+              <a:rPr lang="fr-FR" sz="1600" dirty="0" smtClean="0"/>
+              <a:t> change </a:t>
+            </a:r>
+            <a:r>
+              <a:rPr lang="fr-FR" sz="1600" dirty="0" err="1" smtClean="0"/>
+              <a:t>every</a:t>
+            </a:r>
+            <a:r>
+              <a:rPr lang="fr-FR" sz="1600" dirty="0" smtClean="0"/>
+              <a:t> time </a:t>
+            </a:r>
+            <a:r>
+              <a:rPr lang="fr-FR" sz="1600" dirty="0" err="1" smtClean="0"/>
+              <a:t>clustering</a:t>
+            </a:r>
+            <a:r>
+              <a:rPr lang="fr-FR" sz="1600" dirty="0" smtClean="0"/>
+              <a:t> </a:t>
+            </a:r>
+            <a:r>
+              <a:rPr lang="fr-FR" sz="1600" dirty="0" err="1" smtClean="0"/>
+              <a:t>performed</a:t>
+            </a:r>
+            <a:r>
+              <a:rPr lang="fr-FR" sz="1600" dirty="0" smtClean="0"/>
+              <a:t>.</a:t>
+            </a:r>
+          </a:p>
+          <a:p>
+            <a:pPr>
+              <a:buFont typeface="Arial"/>
+              <a:buChar char="•"/>
+            </a:pPr>
+            <a:r>
+              <a:rPr lang="fr-FR" sz="1800" dirty="0" smtClean="0"/>
+              <a:t>Solution:</a:t>
+            </a:r>
+          </a:p>
+          <a:p>
+            <a:pPr lvl="1">
+              <a:buFont typeface="Arial"/>
+              <a:buChar char="•"/>
+            </a:pPr>
+            <a:r>
+              <a:rPr lang="fr-FR" sz="1600" dirty="0" err="1" smtClean="0"/>
+              <a:t>kMedoid</a:t>
+            </a:r>
+            <a:r>
+              <a:rPr lang="fr-FR" sz="1600" dirty="0" smtClean="0"/>
+              <a:t> </a:t>
+            </a:r>
+            <a:r>
+              <a:rPr lang="fr-FR" sz="1600" dirty="0" err="1" smtClean="0"/>
+              <a:t>Clustering</a:t>
+            </a:r>
+            <a:r>
+              <a:rPr lang="fr-FR" sz="1600" dirty="0" smtClean="0"/>
+              <a:t>- more </a:t>
+            </a:r>
+            <a:r>
+              <a:rPr lang="fr-FR" sz="1600" dirty="0" err="1" smtClean="0"/>
+              <a:t>robust</a:t>
+            </a:r>
+            <a:r>
+              <a:rPr lang="fr-FR" sz="1600" dirty="0" smtClean="0"/>
+              <a:t> </a:t>
+            </a:r>
+            <a:r>
+              <a:rPr lang="fr-FR" sz="1600" dirty="0" err="1" smtClean="0"/>
+              <a:t>outliers</a:t>
+            </a:r>
+            <a:r>
+              <a:rPr lang="fr-FR" sz="1600" dirty="0" smtClean="0"/>
+              <a:t>. </a:t>
+            </a:r>
+          </a:p>
+        </p:txBody>
+      </p:sp>
+      <p:sp>
+        <p:nvSpPr>
+          <p:cNvPr id="2" name="Titre 1"/>
+          <p:cNvSpPr>
+            <a:spLocks noGrp="1"/>
+          </p:cNvSpPr>
+          <p:nvPr>
+            <p:ph type="title"/>
+          </p:nvPr>
+        </p:nvSpPr>
+        <p:spPr>
+          <a:xfrm>
+            <a:off x="777240" y="4876799"/>
+            <a:ext cx="7807960" cy="1378317"/>
+          </a:xfrm>
+        </p:spPr>
+        <p:txBody>
+          <a:bodyPr>
+            <a:normAutofit/>
+          </a:bodyPr>
+          <a:lstStyle/>
+          <a:p>
+            <a:r>
+              <a:rPr lang="fr-FR" dirty="0" err="1" smtClean="0"/>
+              <a:t>Results</a:t>
+            </a:r>
+            <a:r>
+              <a:rPr lang="fr-FR" dirty="0" smtClean="0"/>
+              <a:t>:</a:t>
+            </a:r>
+            <a:br>
+              <a:rPr lang="fr-FR" dirty="0" smtClean="0"/>
+            </a:br>
+            <a:r>
+              <a:rPr lang="fr-FR" sz="2900" b="1" dirty="0" err="1" smtClean="0"/>
+              <a:t>kMeans</a:t>
+            </a:r>
+            <a:r>
+              <a:rPr lang="fr-FR" sz="2900" b="1" dirty="0" smtClean="0"/>
+              <a:t> </a:t>
+            </a:r>
+            <a:r>
+              <a:rPr lang="fr-FR" sz="2900" dirty="0" smtClean="0"/>
+              <a:t>cluster </a:t>
+            </a:r>
+            <a:r>
+              <a:rPr lang="fr-FR" sz="2900" dirty="0" err="1" smtClean="0"/>
+              <a:t>example</a:t>
+            </a:r>
+            <a:endParaRPr lang="fr-FR" sz="2900" dirty="0"/>
+          </a:p>
+        </p:txBody>
+      </p:sp>
+      <p:sp>
+        <p:nvSpPr>
+          <p:cNvPr id="4" name="Espace réservé du pied de page 3"/>
+          <p:cNvSpPr>
+            <a:spLocks noGrp="1"/>
+          </p:cNvSpPr>
+          <p:nvPr>
+            <p:ph type="ftr" sz="quarter" idx="12"/>
+          </p:nvPr>
+        </p:nvSpPr>
         <p:spPr/>
         <p:txBody>
           <a:bodyPr/>
           <a:lstStyle/>
           <a:p>
-            <a:endParaRPr lang="fr-FR"/>
-          </a:p>
-        </p:txBody>
-      </p:sp>
-      <p:sp>
-        <p:nvSpPr>
-          <p:cNvPr id="2" name="Titre 1"/>
-          <p:cNvSpPr>
-            <a:spLocks noGrp="1"/>
-          </p:cNvSpPr>
-          <p:nvPr>
-            <p:ph type="title"/>
-          </p:nvPr>
-        </p:nvSpPr>
-        <p:spPr/>
-        <p:txBody>
-          <a:bodyPr/>
-          <a:lstStyle/>
-          <a:p>
-            <a:r>
-              <a:rPr lang="fr-FR" dirty="0" smtClean="0"/>
-              <a:t>Questions</a:t>
-            </a:r>
-            <a:endParaRPr lang="fr-FR" dirty="0"/>
-          </a:p>
-        </p:txBody>
-      </p:sp>
+            <a:r>
+              <a:rPr lang="mr-IN" smtClean="0"/>
+              <a:t>Song Similarities via Homological Features of Music                                                       Leventhal &amp; Fahimfar               </a:t>
+            </a:r>
+            <a:endParaRPr lang="en-US" dirty="0"/>
+          </a:p>
+        </p:txBody>
+      </p:sp>
+      <p:pic>
+        <p:nvPicPr>
+          <p:cNvPr id="5" name="Image 4" descr="kmean.png"/>
+          <p:cNvPicPr>
+            <a:picLocks noChangeAspect="1"/>
+          </p:cNvPicPr>
+          <p:nvPr/>
+        </p:nvPicPr>
+        <p:blipFill>
+          <a:blip r:embed="rId2">
+            <a:extLst>
+              <a:ext uri="{28A0092B-C50C-407E-A947-70E740481C1C}">
+                <a14:useLocalDpi xmlns:a14="http://schemas.microsoft.com/office/drawing/2010/main" val="0"/>
+              </a:ext>
+            </a:extLst>
+          </a:blip>
+          <a:stretch>
+            <a:fillRect/>
+          </a:stretch>
+        </p:blipFill>
+        <p:spPr>
+          <a:xfrm>
+            <a:off x="513444" y="496661"/>
+            <a:ext cx="8400859" cy="2205915"/>
+          </a:xfrm>
+          <a:prstGeom prst="rect">
+            <a:avLst/>
+          </a:prstGeom>
+        </p:spPr>
+      </p:pic>
     </p:spTree>
     <p:extLst>
       <p:ext uri="{BB962C8B-B14F-4D97-AF65-F5344CB8AC3E}">
-        <p14:creationId xmlns:p14="http://schemas.microsoft.com/office/powerpoint/2010/main" val="4140287813"/>
+        <p14:creationId xmlns:p14="http://schemas.microsoft.com/office/powerpoint/2010/main" val="116812020"/>
+      </p:ext>
+    </p:extLst>
+  </p:cSld>
+  <p:clrMapOvr>
+    <a:masterClrMapping/>
+  </p:clrMapOvr>
+</p:sld>
+</file>
+
+<file path=ppt/slides/slide18.xml><?xml version="1.0" encoding="utf-8"?>
+<p:sld xmlns:a="http://schemas.openxmlformats.org/drawingml/2006/main" xmlns:r="http://schemas.openxmlformats.org/officeDocument/2006/relationships" xmlns:p="http://schemas.openxmlformats.org/presentationml/2006/main">
+  <p:cSld>
+    <p:spTree>
+      <p:nvGrpSpPr>
+        <p:cNvPr id="1" name=""/>
+        <p:cNvGrpSpPr/>
+        <p:nvPr/>
+      </p:nvGrpSpPr>
+      <p:grpSpPr>
+        <a:xfrm>
+          <a:off x="0" y="0"/>
+          <a:ext cx="0" cy="0"/>
+          <a:chOff x="0" y="0"/>
+          <a:chExt cx="0" cy="0"/>
+        </a:xfrm>
+      </p:grpSpPr>
+      <p:sp>
+        <p:nvSpPr>
+          <p:cNvPr id="3" name="Espace réservé du contenu 2"/>
+          <p:cNvSpPr>
+            <a:spLocks noGrp="1"/>
+          </p:cNvSpPr>
+          <p:nvPr>
+            <p:ph idx="1"/>
+          </p:nvPr>
+        </p:nvSpPr>
+        <p:spPr/>
+        <p:txBody>
+          <a:bodyPr/>
+          <a:lstStyle/>
+          <a:p>
+            <a:pPr marL="18288" indent="0">
+              <a:buNone/>
+            </a:pPr>
+            <a:r>
+              <a:rPr lang="fr-FR" dirty="0" smtClean="0"/>
+              <a:t>  </a:t>
+            </a:r>
+            <a:endParaRPr lang="fr-FR" dirty="0"/>
+          </a:p>
+        </p:txBody>
+      </p:sp>
+      <p:sp>
+        <p:nvSpPr>
+          <p:cNvPr id="2" name="Titre 1"/>
+          <p:cNvSpPr>
+            <a:spLocks noGrp="1"/>
+          </p:cNvSpPr>
+          <p:nvPr>
+            <p:ph type="title"/>
+          </p:nvPr>
+        </p:nvSpPr>
+        <p:spPr>
+          <a:xfrm>
+            <a:off x="364815" y="4876799"/>
+            <a:ext cx="7956226" cy="1277939"/>
+          </a:xfrm>
+        </p:spPr>
+        <p:txBody>
+          <a:bodyPr>
+            <a:normAutofit fontScale="90000"/>
+          </a:bodyPr>
+          <a:lstStyle/>
+          <a:p>
+            <a:r>
+              <a:rPr lang="fr-FR" dirty="0" err="1" smtClean="0"/>
+              <a:t>Results</a:t>
+            </a:r>
+            <a:r>
+              <a:rPr lang="fr-FR" dirty="0" smtClean="0"/>
+              <a:t/>
+            </a:r>
+            <a:br>
+              <a:rPr lang="fr-FR" dirty="0" smtClean="0"/>
+            </a:br>
+            <a:r>
+              <a:rPr lang="fr-FR" sz="2800" dirty="0" smtClean="0"/>
+              <a:t>Multi-</a:t>
+            </a:r>
+            <a:r>
+              <a:rPr lang="fr-FR" sz="2800" dirty="0" err="1" smtClean="0"/>
+              <a:t>Dimensional</a:t>
+            </a:r>
+            <a:r>
+              <a:rPr lang="fr-FR" sz="2800" dirty="0" smtClean="0"/>
+              <a:t> </a:t>
+            </a:r>
+            <a:r>
+              <a:rPr lang="fr-FR" sz="2800" dirty="0" err="1" smtClean="0"/>
+              <a:t>Scaling</a:t>
+            </a:r>
+            <a:r>
+              <a:rPr lang="fr-FR" sz="2800" dirty="0" smtClean="0"/>
+              <a:t> and </a:t>
+            </a:r>
+            <a:r>
+              <a:rPr lang="fr-FR" sz="2800" dirty="0" err="1" smtClean="0"/>
+              <a:t>kMedoid</a:t>
+            </a:r>
+            <a:r>
+              <a:rPr lang="fr-FR" sz="2800" dirty="0" smtClean="0"/>
+              <a:t> </a:t>
+            </a:r>
+            <a:r>
+              <a:rPr lang="fr-FR" sz="2800" dirty="0" err="1" smtClean="0"/>
+              <a:t>Clustering</a:t>
+            </a:r>
+            <a:endParaRPr lang="fr-FR" sz="2800" dirty="0"/>
+          </a:p>
+        </p:txBody>
+      </p:sp>
+      <p:sp>
+        <p:nvSpPr>
+          <p:cNvPr id="4" name="Espace réservé du pied de page 3"/>
+          <p:cNvSpPr>
+            <a:spLocks noGrp="1"/>
+          </p:cNvSpPr>
+          <p:nvPr>
+            <p:ph type="ftr" sz="quarter" idx="12"/>
+          </p:nvPr>
+        </p:nvSpPr>
+        <p:spPr/>
+        <p:txBody>
+          <a:bodyPr/>
+          <a:lstStyle/>
+          <a:p>
+            <a:r>
+              <a:rPr lang="mr-IN" smtClean="0"/>
+              <a:t>Song Similarities via Homological Features of Music                                                       Leventhal &amp; Fahimfar               </a:t>
+            </a:r>
+            <a:endParaRPr lang="en-US" dirty="0"/>
+          </a:p>
+        </p:txBody>
+      </p:sp>
+      <p:pic>
+        <p:nvPicPr>
+          <p:cNvPr id="7" name="Image 6" descr="kmedoidMDS.png"/>
+          <p:cNvPicPr>
+            <a:picLocks noChangeAspect="1"/>
+          </p:cNvPicPr>
+          <p:nvPr/>
+        </p:nvPicPr>
+        <p:blipFill>
+          <a:blip r:embed="rId2">
+            <a:extLst>
+              <a:ext uri="{28A0092B-C50C-407E-A947-70E740481C1C}">
+                <a14:useLocalDpi xmlns:a14="http://schemas.microsoft.com/office/drawing/2010/main" val="0"/>
+              </a:ext>
+            </a:extLst>
+          </a:blip>
+          <a:stretch>
+            <a:fillRect/>
+          </a:stretch>
+        </p:blipFill>
+        <p:spPr>
+          <a:xfrm>
+            <a:off x="2363585" y="67550"/>
+            <a:ext cx="6672319" cy="5512069"/>
+          </a:xfrm>
+          <a:prstGeom prst="rect">
+            <a:avLst/>
+          </a:prstGeom>
+        </p:spPr>
+      </p:pic>
+    </p:spTree>
+    <p:extLst>
+      <p:ext uri="{BB962C8B-B14F-4D97-AF65-F5344CB8AC3E}">
+        <p14:creationId xmlns:p14="http://schemas.microsoft.com/office/powerpoint/2010/main" val="540028329"/>
+      </p:ext>
+    </p:extLst>
+  </p:cSld>
+  <p:clrMapOvr>
+    <a:masterClrMapping/>
+  </p:clrMapOvr>
+</p:sld>
+</file>
+
+<file path=ppt/slides/slide19.xml><?xml version="1.0" encoding="utf-8"?>
+<p:sld xmlns:a="http://schemas.openxmlformats.org/drawingml/2006/main" xmlns:r="http://schemas.openxmlformats.org/officeDocument/2006/relationships" xmlns:p="http://schemas.openxmlformats.org/presentationml/2006/main">
+  <p:cSld>
+    <p:spTree>
+      <p:nvGrpSpPr>
+        <p:cNvPr id="1" name=""/>
+        <p:cNvGrpSpPr/>
+        <p:nvPr/>
+      </p:nvGrpSpPr>
+      <p:grpSpPr>
+        <a:xfrm>
+          <a:off x="0" y="0"/>
+          <a:ext cx="0" cy="0"/>
+          <a:chOff x="0" y="0"/>
+          <a:chExt cx="0" cy="0"/>
+        </a:xfrm>
+      </p:grpSpPr>
+      <p:sp>
+        <p:nvSpPr>
+          <p:cNvPr id="3" name="Espace réservé du contenu 2"/>
+          <p:cNvSpPr>
+            <a:spLocks noGrp="1"/>
+          </p:cNvSpPr>
+          <p:nvPr>
+            <p:ph idx="1"/>
+          </p:nvPr>
+        </p:nvSpPr>
+        <p:spPr>
+          <a:xfrm>
+            <a:off x="2121327" y="618251"/>
+            <a:ext cx="6108273" cy="4002160"/>
+          </a:xfrm>
+        </p:spPr>
+        <p:txBody>
+          <a:bodyPr/>
+          <a:lstStyle/>
+          <a:p>
+            <a:endParaRPr lang="fr-FR" dirty="0" smtClean="0"/>
+          </a:p>
+          <a:p>
+            <a:endParaRPr lang="fr-FR" dirty="0"/>
+          </a:p>
+          <a:p>
+            <a:endParaRPr lang="fr-FR" dirty="0" smtClean="0"/>
+          </a:p>
+          <a:p>
+            <a:endParaRPr lang="fr-FR" dirty="0"/>
+          </a:p>
+          <a:p>
+            <a:endParaRPr lang="fr-FR" dirty="0" smtClean="0"/>
+          </a:p>
+          <a:p>
+            <a:pPr>
+              <a:buFont typeface="Arial"/>
+              <a:buChar char="•"/>
+            </a:pPr>
+            <a:r>
+              <a:rPr lang="fr-FR" dirty="0" err="1" smtClean="0"/>
+              <a:t>Identified</a:t>
+            </a:r>
+            <a:r>
+              <a:rPr lang="fr-FR" dirty="0" smtClean="0"/>
+              <a:t> </a:t>
+            </a:r>
+            <a:r>
+              <a:rPr lang="fr-FR" dirty="0" err="1" smtClean="0"/>
+              <a:t>songs</a:t>
+            </a:r>
+            <a:r>
+              <a:rPr lang="fr-FR" dirty="0" smtClean="0"/>
+              <a:t> by </a:t>
+            </a:r>
+            <a:r>
+              <a:rPr lang="fr-FR" dirty="0" err="1" smtClean="0"/>
+              <a:t>same</a:t>
+            </a:r>
+            <a:r>
+              <a:rPr lang="fr-FR" dirty="0" smtClean="0"/>
+              <a:t> </a:t>
+            </a:r>
+            <a:r>
+              <a:rPr lang="fr-FR" dirty="0" err="1" smtClean="0"/>
+              <a:t>artist</a:t>
+            </a:r>
+            <a:r>
+              <a:rPr lang="fr-FR" dirty="0" smtClean="0"/>
+              <a:t> </a:t>
+            </a:r>
+            <a:r>
+              <a:rPr lang="fr-FR" dirty="0" err="1" smtClean="0"/>
+              <a:t>despite</a:t>
+            </a:r>
+            <a:r>
+              <a:rPr lang="fr-FR" dirty="0" smtClean="0"/>
+              <a:t> </a:t>
+            </a:r>
+            <a:r>
+              <a:rPr lang="fr-FR" dirty="0" err="1" smtClean="0"/>
+              <a:t>songs</a:t>
+            </a:r>
+            <a:r>
+              <a:rPr lang="fr-FR" dirty="0" smtClean="0"/>
+              <a:t> </a:t>
+            </a:r>
+            <a:r>
+              <a:rPr lang="fr-FR" dirty="0" err="1" smtClean="0"/>
+              <a:t>having</a:t>
+            </a:r>
+            <a:r>
+              <a:rPr lang="fr-FR" dirty="0" smtClean="0"/>
+              <a:t> been </a:t>
+            </a:r>
+            <a:r>
+              <a:rPr lang="fr-FR" dirty="0" err="1" smtClean="0"/>
+              <a:t>randomly</a:t>
+            </a:r>
+            <a:r>
+              <a:rPr lang="fr-FR" dirty="0" smtClean="0"/>
+              <a:t> </a:t>
+            </a:r>
+            <a:r>
+              <a:rPr lang="fr-FR" dirty="0" err="1" smtClean="0"/>
+              <a:t>chosen</a:t>
+            </a:r>
+            <a:r>
+              <a:rPr lang="fr-FR" dirty="0"/>
+              <a:t> </a:t>
+            </a:r>
+            <a:r>
+              <a:rPr lang="fr-FR" dirty="0" err="1" smtClean="0"/>
+              <a:t>from</a:t>
+            </a:r>
+            <a:r>
+              <a:rPr lang="fr-FR" dirty="0" smtClean="0"/>
+              <a:t> 1,000,000 </a:t>
+            </a:r>
+            <a:r>
+              <a:rPr lang="fr-FR" dirty="0" err="1" smtClean="0"/>
+              <a:t>songs</a:t>
+            </a:r>
+            <a:r>
+              <a:rPr lang="fr-FR" dirty="0" smtClean="0"/>
+              <a:t>. </a:t>
+            </a:r>
+          </a:p>
+          <a:p>
+            <a:pPr>
+              <a:buFont typeface="Arial"/>
+              <a:buChar char="•"/>
+            </a:pPr>
+            <a:r>
+              <a:rPr lang="fr-FR" dirty="0" err="1" smtClean="0"/>
+              <a:t>Let’s</a:t>
+            </a:r>
+            <a:r>
+              <a:rPr lang="fr-FR" dirty="0" smtClean="0"/>
+              <a:t> </a:t>
+            </a:r>
+            <a:r>
+              <a:rPr lang="fr-FR" dirty="0" err="1" smtClean="0"/>
+              <a:t>listen</a:t>
+            </a:r>
+            <a:r>
+              <a:rPr lang="fr-FR" dirty="0"/>
+              <a:t>.</a:t>
+            </a:r>
+          </a:p>
+        </p:txBody>
+      </p:sp>
+      <p:sp>
+        <p:nvSpPr>
+          <p:cNvPr id="2" name="Titre 1"/>
+          <p:cNvSpPr>
+            <a:spLocks noGrp="1"/>
+          </p:cNvSpPr>
+          <p:nvPr>
+            <p:ph type="title"/>
+          </p:nvPr>
+        </p:nvSpPr>
+        <p:spPr/>
+        <p:txBody>
+          <a:bodyPr>
+            <a:normAutofit fontScale="90000"/>
+          </a:bodyPr>
+          <a:lstStyle/>
+          <a:p>
+            <a:r>
+              <a:rPr lang="fr-FR" dirty="0" err="1" smtClean="0"/>
+              <a:t>Results</a:t>
+            </a:r>
+            <a:r>
+              <a:rPr lang="fr-FR" dirty="0" smtClean="0"/>
+              <a:t/>
+            </a:r>
+            <a:br>
+              <a:rPr lang="fr-FR" dirty="0" smtClean="0"/>
+            </a:br>
+            <a:r>
+              <a:rPr lang="fr-FR" sz="2800" dirty="0" smtClean="0"/>
+              <a:t>Multi-</a:t>
+            </a:r>
+            <a:r>
+              <a:rPr lang="fr-FR" sz="2800" dirty="0" err="1" smtClean="0"/>
+              <a:t>Dimensional</a:t>
+            </a:r>
+            <a:r>
+              <a:rPr lang="fr-FR" sz="2800" dirty="0" smtClean="0"/>
+              <a:t> </a:t>
+            </a:r>
+            <a:r>
+              <a:rPr lang="fr-FR" sz="2800" dirty="0" err="1" smtClean="0"/>
+              <a:t>Scaling</a:t>
+            </a:r>
+            <a:r>
+              <a:rPr lang="fr-FR" sz="2800" dirty="0" smtClean="0"/>
+              <a:t> and </a:t>
+            </a:r>
+            <a:r>
+              <a:rPr lang="fr-FR" sz="2800" dirty="0" err="1" smtClean="0"/>
+              <a:t>kMedoid</a:t>
+            </a:r>
+            <a:r>
+              <a:rPr lang="fr-FR" sz="2800" dirty="0" smtClean="0"/>
+              <a:t> </a:t>
+            </a:r>
+            <a:r>
+              <a:rPr lang="fr-FR" sz="2800" dirty="0" err="1" smtClean="0"/>
+              <a:t>Clustering</a:t>
+            </a:r>
+            <a:endParaRPr lang="fr-FR" sz="2800" dirty="0"/>
+          </a:p>
+        </p:txBody>
+      </p:sp>
+      <p:sp>
+        <p:nvSpPr>
+          <p:cNvPr id="4" name="Espace réservé du pied de page 3"/>
+          <p:cNvSpPr>
+            <a:spLocks noGrp="1"/>
+          </p:cNvSpPr>
+          <p:nvPr>
+            <p:ph type="ftr" sz="quarter" idx="12"/>
+          </p:nvPr>
+        </p:nvSpPr>
+        <p:spPr/>
+        <p:txBody>
+          <a:bodyPr/>
+          <a:lstStyle/>
+          <a:p>
+            <a:r>
+              <a:rPr lang="mr-IN" smtClean="0"/>
+              <a:t>Song Similarities via Homological Features of Music                                                       Leventhal &amp; Fahimfar               </a:t>
+            </a:r>
+            <a:endParaRPr lang="en-US" dirty="0"/>
+          </a:p>
+        </p:txBody>
+      </p:sp>
+      <p:pic>
+        <p:nvPicPr>
+          <p:cNvPr id="7" name="Image 6" descr="Screen Shot 2017-05-02 at 3.39.37 PM.png"/>
+          <p:cNvPicPr>
+            <a:picLocks noChangeAspect="1"/>
+          </p:cNvPicPr>
+          <p:nvPr/>
+        </p:nvPicPr>
+        <p:blipFill>
+          <a:blip r:embed="rId2">
+            <a:extLst>
+              <a:ext uri="{28A0092B-C50C-407E-A947-70E740481C1C}">
+                <a14:useLocalDpi xmlns:a14="http://schemas.microsoft.com/office/drawing/2010/main" val="0"/>
+              </a:ext>
+            </a:extLst>
+          </a:blip>
+          <a:stretch>
+            <a:fillRect/>
+          </a:stretch>
+        </p:blipFill>
+        <p:spPr>
+          <a:xfrm>
+            <a:off x="287183" y="685801"/>
+            <a:ext cx="8627820" cy="2153590"/>
+          </a:xfrm>
+          <a:prstGeom prst="rect">
+            <a:avLst/>
+          </a:prstGeom>
+        </p:spPr>
+      </p:pic>
+    </p:spTree>
+    <p:extLst>
+      <p:ext uri="{BB962C8B-B14F-4D97-AF65-F5344CB8AC3E}">
+        <p14:creationId xmlns:p14="http://schemas.microsoft.com/office/powerpoint/2010/main" val="36565938"/>
       </p:ext>
     </p:extLst>
   </p:cSld>
@@ -4779,7 +6553,177 @@
           <a:bodyPr/>
           <a:lstStyle/>
           <a:p>
-            <a:endParaRPr lang="fr-FR"/>
+            <a:pPr>
+              <a:buFont typeface="Arial"/>
+              <a:buChar char="•"/>
+            </a:pPr>
+            <a:r>
+              <a:rPr lang="fr-FR" dirty="0" err="1" smtClean="0"/>
+              <a:t>Similarity</a:t>
+            </a:r>
+            <a:r>
+              <a:rPr lang="fr-FR" dirty="0" smtClean="0"/>
+              <a:t> of music </a:t>
+            </a:r>
+            <a:r>
+              <a:rPr lang="fr-FR" dirty="0" err="1" smtClean="0"/>
+              <a:t>found</a:t>
+            </a:r>
+            <a:r>
+              <a:rPr lang="fr-FR" dirty="0" smtClean="0"/>
+              <a:t> </a:t>
+            </a:r>
+            <a:r>
+              <a:rPr lang="fr-FR" dirty="0" err="1" smtClean="0"/>
+              <a:t>currently</a:t>
+            </a:r>
+            <a:r>
+              <a:rPr lang="fr-FR" dirty="0" smtClean="0"/>
+              <a:t> </a:t>
+            </a:r>
+            <a:r>
+              <a:rPr lang="fr-FR" dirty="0" err="1" smtClean="0"/>
+              <a:t>with</a:t>
+            </a:r>
+            <a:r>
+              <a:rPr lang="fr-FR" dirty="0" smtClean="0"/>
+              <a:t> </a:t>
+            </a:r>
+            <a:r>
+              <a:rPr lang="fr-FR" b="1" dirty="0" err="1" smtClean="0"/>
+              <a:t>data-mining</a:t>
+            </a:r>
+            <a:r>
+              <a:rPr lang="fr-FR" b="1" dirty="0"/>
+              <a:t> </a:t>
+            </a:r>
+            <a:r>
+              <a:rPr lang="fr-FR" b="1" dirty="0"/>
+              <a:t>/</a:t>
+            </a:r>
+            <a:r>
+              <a:rPr lang="fr-FR" b="1" dirty="0" smtClean="0"/>
+              <a:t> machine </a:t>
+            </a:r>
+            <a:r>
+              <a:rPr lang="fr-FR" b="1" dirty="0" err="1" smtClean="0"/>
+              <a:t>learning</a:t>
+            </a:r>
+            <a:r>
+              <a:rPr lang="fr-FR" b="1" dirty="0" smtClean="0"/>
+              <a:t> </a:t>
+            </a:r>
+            <a:r>
+              <a:rPr lang="fr-FR" dirty="0" smtClean="0"/>
+              <a:t>over </a:t>
+            </a:r>
+            <a:r>
+              <a:rPr lang="fr-FR" dirty="0" err="1" smtClean="0"/>
+              <a:t>common</a:t>
+            </a:r>
+            <a:r>
+              <a:rPr lang="fr-FR" dirty="0" smtClean="0"/>
+              <a:t> </a:t>
+            </a:r>
+            <a:r>
+              <a:rPr lang="fr-FR" dirty="0" err="1" smtClean="0"/>
+              <a:t>features</a:t>
+            </a:r>
+            <a:r>
+              <a:rPr lang="fr-FR" dirty="0" smtClean="0"/>
+              <a:t> and </a:t>
+            </a:r>
+            <a:r>
+              <a:rPr lang="fr-FR" b="1" dirty="0" err="1" smtClean="0"/>
+              <a:t>co-occurrence</a:t>
+            </a:r>
+            <a:r>
+              <a:rPr lang="fr-FR" b="1" dirty="0" smtClean="0"/>
+              <a:t> </a:t>
+            </a:r>
+            <a:r>
+              <a:rPr lang="fr-FR" dirty="0" smtClean="0"/>
+              <a:t>in user data.</a:t>
+            </a:r>
+          </a:p>
+          <a:p>
+            <a:pPr>
+              <a:buFont typeface="Arial"/>
+              <a:buChar char="•"/>
+            </a:pPr>
+            <a:r>
+              <a:rPr lang="fr-FR" dirty="0" smtClean="0"/>
+              <a:t>Common </a:t>
+            </a:r>
+            <a:r>
+              <a:rPr lang="fr-FR" dirty="0" err="1" smtClean="0"/>
+              <a:t>features</a:t>
+            </a:r>
+            <a:r>
+              <a:rPr lang="fr-FR" dirty="0" smtClean="0"/>
+              <a:t> </a:t>
+            </a:r>
+            <a:r>
+              <a:rPr lang="fr-FR" dirty="0" err="1" smtClean="0"/>
+              <a:t>studied</a:t>
+            </a:r>
+            <a:r>
+              <a:rPr lang="fr-FR" dirty="0" smtClean="0"/>
+              <a:t> </a:t>
+            </a:r>
+            <a:r>
+              <a:rPr lang="fr-FR" b="1" dirty="0" smtClean="0"/>
+              <a:t>via matrix </a:t>
+            </a:r>
+            <a:r>
+              <a:rPr lang="fr-FR" b="1" dirty="0" err="1" smtClean="0"/>
+              <a:t>representations</a:t>
+            </a:r>
+            <a:r>
+              <a:rPr lang="fr-FR" dirty="0" smtClean="0"/>
+              <a:t> of pitch, </a:t>
+            </a:r>
+            <a:r>
+              <a:rPr lang="fr-FR" dirty="0" err="1" smtClean="0"/>
+              <a:t>melodic</a:t>
+            </a:r>
+            <a:r>
+              <a:rPr lang="fr-FR" dirty="0" smtClean="0"/>
+              <a:t> </a:t>
+            </a:r>
+            <a:r>
+              <a:rPr lang="fr-FR" dirty="0" err="1" smtClean="0"/>
+              <a:t>similarity</a:t>
+            </a:r>
+            <a:r>
+              <a:rPr lang="fr-FR" dirty="0" smtClean="0"/>
+              <a:t>, </a:t>
+            </a:r>
+            <a:r>
+              <a:rPr lang="fr-FR" dirty="0" err="1" smtClean="0"/>
+              <a:t>rhythmic</a:t>
+            </a:r>
+            <a:r>
+              <a:rPr lang="fr-FR" dirty="0" smtClean="0"/>
+              <a:t> pattern </a:t>
+            </a:r>
+            <a:r>
+              <a:rPr lang="fr-FR" dirty="0" err="1" smtClean="0"/>
+              <a:t>similarity</a:t>
+            </a:r>
+            <a:r>
+              <a:rPr lang="fr-FR" dirty="0" smtClean="0"/>
+              <a:t>, </a:t>
+            </a:r>
+            <a:r>
+              <a:rPr lang="fr-FR" dirty="0" err="1" smtClean="0"/>
+              <a:t>ect</a:t>
+            </a:r>
+            <a:r>
+              <a:rPr lang="mr-IN" dirty="0" smtClean="0"/>
+              <a:t>…</a:t>
+            </a:r>
+            <a:endParaRPr lang="fr-FR" dirty="0"/>
           </a:p>
         </p:txBody>
       </p:sp>
@@ -4803,6 +6747,29 @@
               <a:t>Background</a:t>
             </a:r>
             <a:endParaRPr lang="fr-FR" dirty="0"/>
+          </a:p>
+        </p:txBody>
+      </p:sp>
+      <p:sp>
+        <p:nvSpPr>
+          <p:cNvPr id="4" name="Espace réservé du pied de page 3"/>
+          <p:cNvSpPr>
+            <a:spLocks noGrp="1"/>
+          </p:cNvSpPr>
+          <p:nvPr>
+            <p:ph type="ftr" sz="quarter" idx="12"/>
+          </p:nvPr>
+        </p:nvSpPr>
+        <p:spPr/>
+        <p:txBody>
+          <a:bodyPr/>
+          <a:lstStyle/>
+          <a:p>
+            <a:r>
+              <a:rPr lang="mr-IN" smtClean="0"/>
+              <a:t>Song Similarities via Homological Features of Music                                                       Leventhal &amp; Fahimfar               </a:t>
+            </a:r>
+            <a:endParaRPr lang="en-US" dirty="0"/>
           </a:p>
         </p:txBody>
       </p:sp>
@@ -4810,6 +6777,673 @@
     <p:extLst>
       <p:ext uri="{BB962C8B-B14F-4D97-AF65-F5344CB8AC3E}">
         <p14:creationId xmlns:p14="http://schemas.microsoft.com/office/powerpoint/2010/main" val="4007005319"/>
+      </p:ext>
+    </p:extLst>
+  </p:cSld>
+  <p:clrMapOvr>
+    <a:masterClrMapping/>
+  </p:clrMapOvr>
+  <p:timing>
+    <p:tnLst>
+      <p:par>
+        <p:cTn xmlns:p14="http://schemas.microsoft.com/office/powerpoint/2010/main" id="1" dur="indefinite" restart="never" nodeType="tmRoot"/>
+      </p:par>
+    </p:tnLst>
+  </p:timing>
+</p:sld>
+</file>
+
+<file path=ppt/slides/slide20.xml><?xml version="1.0" encoding="utf-8"?>
+<p:sld xmlns:a="http://schemas.openxmlformats.org/drawingml/2006/main" xmlns:r="http://schemas.openxmlformats.org/officeDocument/2006/relationships" xmlns:p="http://schemas.openxmlformats.org/presentationml/2006/main">
+  <p:cSld>
+    <p:spTree>
+      <p:nvGrpSpPr>
+        <p:cNvPr id="1" name=""/>
+        <p:cNvGrpSpPr/>
+        <p:nvPr/>
+      </p:nvGrpSpPr>
+      <p:grpSpPr>
+        <a:xfrm>
+          <a:off x="0" y="0"/>
+          <a:ext cx="0" cy="0"/>
+          <a:chOff x="0" y="0"/>
+          <a:chExt cx="0" cy="0"/>
+        </a:xfrm>
+      </p:grpSpPr>
+      <p:sp>
+        <p:nvSpPr>
+          <p:cNvPr id="3" name="Espace réservé du contenu 2"/>
+          <p:cNvSpPr>
+            <a:spLocks noGrp="1"/>
+          </p:cNvSpPr>
+          <p:nvPr>
+            <p:ph idx="1"/>
+          </p:nvPr>
+        </p:nvSpPr>
+        <p:spPr/>
+        <p:txBody>
+          <a:bodyPr>
+            <a:normAutofit lnSpcReduction="10000"/>
+          </a:bodyPr>
+          <a:lstStyle/>
+          <a:p>
+            <a:pPr>
+              <a:buFont typeface="Arial"/>
+              <a:buChar char="•"/>
+            </a:pPr>
+            <a:r>
+              <a:rPr lang="fr-FR" b="1" dirty="0" err="1" smtClean="0"/>
+              <a:t>Apply</a:t>
+            </a:r>
+            <a:r>
+              <a:rPr lang="fr-FR" b="1" dirty="0" smtClean="0"/>
+              <a:t> p-</a:t>
+            </a:r>
+            <a:r>
+              <a:rPr lang="fr-FR" b="1" dirty="0" err="1" smtClean="0"/>
+              <a:t>Wasserstein</a:t>
+            </a:r>
+            <a:r>
+              <a:rPr lang="fr-FR" b="1" dirty="0" smtClean="0"/>
+              <a:t> </a:t>
+            </a:r>
+            <a:r>
+              <a:rPr lang="fr-FR" b="1" dirty="0" err="1" smtClean="0"/>
+              <a:t>Metric</a:t>
+            </a:r>
+            <a:r>
+              <a:rPr lang="fr-FR" dirty="0" smtClean="0"/>
+              <a:t>: </a:t>
+            </a:r>
+          </a:p>
+          <a:p>
+            <a:pPr lvl="1">
+              <a:buFont typeface="Arial"/>
+              <a:buChar char="•"/>
+            </a:pPr>
+            <a:r>
+              <a:rPr lang="fr-FR" sz="1800" dirty="0" err="1" smtClean="0"/>
+              <a:t>kMedoid</a:t>
+            </a:r>
+            <a:r>
+              <a:rPr lang="fr-FR" sz="1800" dirty="0" smtClean="0"/>
+              <a:t> </a:t>
+            </a:r>
+            <a:r>
+              <a:rPr lang="fr-FR" sz="1800" dirty="0" err="1" smtClean="0"/>
+              <a:t>showed</a:t>
+            </a:r>
+            <a:r>
+              <a:rPr lang="fr-FR" sz="1800" dirty="0" smtClean="0"/>
+              <a:t> </a:t>
+            </a:r>
+            <a:r>
+              <a:rPr lang="fr-FR" sz="1800" dirty="0" err="1" smtClean="0"/>
+              <a:t>sensitivity</a:t>
+            </a:r>
+            <a:r>
+              <a:rPr lang="fr-FR" sz="1800" dirty="0" smtClean="0"/>
+              <a:t> to </a:t>
+            </a:r>
+            <a:r>
+              <a:rPr lang="fr-FR" sz="1800" dirty="0" err="1" smtClean="0"/>
+              <a:t>outliers</a:t>
+            </a:r>
+            <a:r>
+              <a:rPr lang="fr-FR" sz="1800" dirty="0" smtClean="0"/>
+              <a:t>, </a:t>
+            </a:r>
+            <a:r>
+              <a:rPr lang="fr-FR" sz="1800" dirty="0" err="1" smtClean="0"/>
+              <a:t>maybe</a:t>
+            </a:r>
+            <a:r>
+              <a:rPr lang="fr-FR" sz="1800" dirty="0" smtClean="0"/>
+              <a:t> P-</a:t>
+            </a:r>
+            <a:r>
+              <a:rPr lang="fr-FR" sz="1800" dirty="0" err="1" smtClean="0"/>
+              <a:t>Wasserstein</a:t>
+            </a:r>
+            <a:r>
+              <a:rPr lang="fr-FR" sz="1800" dirty="0" smtClean="0"/>
+              <a:t> </a:t>
+            </a:r>
+            <a:r>
+              <a:rPr lang="fr-FR" sz="1800" dirty="0" err="1" smtClean="0"/>
+              <a:t>better</a:t>
+            </a:r>
+            <a:r>
+              <a:rPr lang="fr-FR" sz="1800" dirty="0" smtClean="0"/>
+              <a:t> </a:t>
+            </a:r>
+            <a:r>
+              <a:rPr lang="fr-FR" sz="1800" dirty="0" err="1" smtClean="0"/>
+              <a:t>since</a:t>
+            </a:r>
+            <a:r>
+              <a:rPr lang="fr-FR" sz="1800" dirty="0" smtClean="0"/>
+              <a:t> sensitive to </a:t>
+            </a:r>
+            <a:r>
+              <a:rPr lang="fr-FR" sz="1800" dirty="0" err="1" smtClean="0"/>
+              <a:t>details</a:t>
+            </a:r>
+            <a:r>
+              <a:rPr lang="fr-FR" sz="1800" dirty="0" smtClean="0"/>
+              <a:t> of bijection </a:t>
+            </a:r>
+            <a:r>
+              <a:rPr lang="fr-FR" sz="1800" dirty="0" err="1" smtClean="0"/>
+              <a:t>between</a:t>
+            </a:r>
+            <a:r>
+              <a:rPr lang="fr-FR" sz="1800" dirty="0" smtClean="0"/>
+              <a:t> </a:t>
+            </a:r>
+            <a:r>
+              <a:rPr lang="fr-FR" sz="1800" dirty="0" err="1" smtClean="0"/>
+              <a:t>corresponding</a:t>
+            </a:r>
+            <a:r>
+              <a:rPr lang="fr-FR" sz="1800" dirty="0" smtClean="0"/>
+              <a:t> points of </a:t>
+            </a:r>
+            <a:r>
+              <a:rPr lang="fr-FR" sz="1800" dirty="0" err="1" smtClean="0"/>
+              <a:t>persistence</a:t>
+            </a:r>
+            <a:r>
+              <a:rPr lang="fr-FR" sz="1800" dirty="0" smtClean="0"/>
+              <a:t> </a:t>
+            </a:r>
+            <a:r>
+              <a:rPr lang="fr-FR" sz="1800" dirty="0" err="1" smtClean="0"/>
+              <a:t>diagram</a:t>
+            </a:r>
+            <a:r>
+              <a:rPr lang="fr-FR" sz="1600" dirty="0" smtClean="0"/>
+              <a:t>.</a:t>
+            </a:r>
+          </a:p>
+          <a:p>
+            <a:pPr>
+              <a:buFont typeface="Arial"/>
+              <a:buChar char="•"/>
+            </a:pPr>
+            <a:r>
+              <a:rPr lang="fr-FR" dirty="0" err="1" smtClean="0"/>
+              <a:t>Introduce</a:t>
+            </a:r>
+            <a:r>
+              <a:rPr lang="fr-FR" dirty="0" smtClean="0"/>
+              <a:t> </a:t>
+            </a:r>
+            <a:r>
+              <a:rPr lang="fr-FR" b="1" dirty="0" err="1" smtClean="0"/>
+              <a:t>cut</a:t>
+            </a:r>
+            <a:r>
+              <a:rPr lang="fr-FR" b="1" dirty="0" smtClean="0"/>
+              <a:t> off for </a:t>
+            </a:r>
+            <a:r>
+              <a:rPr lang="fr-FR" b="1" dirty="0" err="1" smtClean="0"/>
+              <a:t>intesity</a:t>
+            </a:r>
+            <a:r>
+              <a:rPr lang="fr-FR" dirty="0" smtClean="0"/>
+              <a:t> </a:t>
+            </a:r>
+            <a:r>
+              <a:rPr lang="fr-FR" dirty="0" err="1" smtClean="0"/>
+              <a:t>with</a:t>
+            </a:r>
+            <a:r>
+              <a:rPr lang="fr-FR" dirty="0" smtClean="0"/>
+              <a:t> chroma </a:t>
+            </a:r>
+            <a:r>
+              <a:rPr lang="fr-FR" dirty="0" err="1" smtClean="0"/>
+              <a:t>features</a:t>
+            </a:r>
+            <a:r>
+              <a:rPr lang="fr-FR" dirty="0" smtClean="0"/>
+              <a:t>.</a:t>
+            </a:r>
+          </a:p>
+          <a:p>
+            <a:pPr>
+              <a:buFont typeface="Arial"/>
+              <a:buChar char="•"/>
+            </a:pPr>
+            <a:r>
+              <a:rPr lang="fr-FR" dirty="0" smtClean="0"/>
+              <a:t>Use </a:t>
+            </a:r>
+            <a:r>
+              <a:rPr lang="fr-FR" b="1" dirty="0" err="1" smtClean="0"/>
+              <a:t>true</a:t>
+            </a:r>
+            <a:r>
+              <a:rPr lang="fr-FR" b="1" dirty="0" smtClean="0"/>
+              <a:t> pitch composition </a:t>
+            </a:r>
+            <a:r>
+              <a:rPr lang="fr-FR" dirty="0" err="1" smtClean="0"/>
+              <a:t>instead</a:t>
+            </a:r>
+            <a:r>
+              <a:rPr lang="fr-FR" dirty="0" smtClean="0"/>
+              <a:t> of chroma </a:t>
+            </a:r>
+            <a:r>
+              <a:rPr lang="fr-FR" dirty="0" err="1" smtClean="0"/>
+              <a:t>features</a:t>
+            </a:r>
+            <a:r>
+              <a:rPr lang="fr-FR" dirty="0"/>
+              <a:t> </a:t>
+            </a:r>
+            <a:r>
+              <a:rPr lang="fr-FR" dirty="0" err="1" smtClean="0"/>
+              <a:t>since</a:t>
+            </a:r>
+            <a:r>
+              <a:rPr lang="fr-FR" dirty="0"/>
+              <a:t> </a:t>
+            </a:r>
+            <a:r>
+              <a:rPr lang="fr-FR" dirty="0" smtClean="0"/>
+              <a:t>in </a:t>
+            </a:r>
+            <a:r>
+              <a:rPr lang="fr-FR" dirty="0" err="1" smtClean="0"/>
+              <a:t>order</a:t>
+            </a:r>
+            <a:r>
+              <a:rPr lang="fr-FR" dirty="0" smtClean="0"/>
+              <a:t> to </a:t>
+            </a:r>
+            <a:r>
+              <a:rPr lang="fr-FR" b="1" dirty="0" smtClean="0"/>
+              <a:t>capture inversion.</a:t>
+            </a:r>
+          </a:p>
+          <a:p>
+            <a:pPr>
+              <a:buFont typeface="Arial"/>
+              <a:buChar char="•"/>
+            </a:pPr>
+            <a:r>
+              <a:rPr lang="fr-FR" b="1" dirty="0" smtClean="0"/>
+              <a:t>Train </a:t>
+            </a:r>
+            <a:r>
+              <a:rPr lang="fr-FR" dirty="0" smtClean="0"/>
+              <a:t>on </a:t>
+            </a:r>
+            <a:r>
+              <a:rPr lang="fr-FR" dirty="0" err="1" smtClean="0"/>
+              <a:t>fundemental</a:t>
+            </a:r>
+            <a:r>
+              <a:rPr lang="fr-FR" dirty="0" smtClean="0"/>
+              <a:t> </a:t>
+            </a:r>
+            <a:r>
+              <a:rPr lang="fr-FR" dirty="0" err="1" smtClean="0"/>
+              <a:t>chords</a:t>
+            </a:r>
+            <a:r>
+              <a:rPr lang="fr-FR" dirty="0" smtClean="0"/>
+              <a:t>, </a:t>
+            </a:r>
+            <a:r>
+              <a:rPr lang="fr-FR" dirty="0" err="1" smtClean="0"/>
+              <a:t>chord</a:t>
+            </a:r>
+            <a:r>
+              <a:rPr lang="fr-FR" dirty="0" smtClean="0"/>
+              <a:t> progressions, time signatures, and </a:t>
+            </a:r>
+            <a:r>
+              <a:rPr lang="fr-FR" dirty="0" err="1" smtClean="0"/>
+              <a:t>introduce</a:t>
+            </a:r>
+            <a:r>
+              <a:rPr lang="fr-FR" dirty="0" smtClean="0"/>
+              <a:t> timbre. </a:t>
+            </a:r>
+            <a:endParaRPr lang="fr-FR" dirty="0"/>
+          </a:p>
+        </p:txBody>
+      </p:sp>
+      <p:sp>
+        <p:nvSpPr>
+          <p:cNvPr id="2" name="Titre 1"/>
+          <p:cNvSpPr>
+            <a:spLocks noGrp="1"/>
+          </p:cNvSpPr>
+          <p:nvPr>
+            <p:ph type="title"/>
+          </p:nvPr>
+        </p:nvSpPr>
+        <p:spPr/>
+        <p:txBody>
+          <a:bodyPr/>
+          <a:lstStyle/>
+          <a:p>
+            <a:r>
+              <a:rPr lang="fr-FR" dirty="0" smtClean="0"/>
+              <a:t>Future Directions</a:t>
+            </a:r>
+            <a:endParaRPr lang="fr-FR" dirty="0"/>
+          </a:p>
+        </p:txBody>
+      </p:sp>
+      <p:sp>
+        <p:nvSpPr>
+          <p:cNvPr id="4" name="Espace réservé du pied de page 3"/>
+          <p:cNvSpPr>
+            <a:spLocks noGrp="1"/>
+          </p:cNvSpPr>
+          <p:nvPr>
+            <p:ph type="ftr" sz="quarter" idx="12"/>
+          </p:nvPr>
+        </p:nvSpPr>
+        <p:spPr/>
+        <p:txBody>
+          <a:bodyPr/>
+          <a:lstStyle/>
+          <a:p>
+            <a:r>
+              <a:rPr lang="mr-IN" smtClean="0"/>
+              <a:t>Song Similarities via Homological Features of Music                                                       Leventhal &amp; Fahimfar               </a:t>
+            </a:r>
+            <a:endParaRPr lang="en-US" dirty="0"/>
+          </a:p>
+        </p:txBody>
+      </p:sp>
+    </p:spTree>
+    <p:extLst>
+      <p:ext uri="{BB962C8B-B14F-4D97-AF65-F5344CB8AC3E}">
+        <p14:creationId xmlns:p14="http://schemas.microsoft.com/office/powerpoint/2010/main" val="2859419064"/>
+      </p:ext>
+    </p:extLst>
+  </p:cSld>
+  <p:clrMapOvr>
+    <a:masterClrMapping/>
+  </p:clrMapOvr>
+</p:sld>
+</file>
+
+<file path=ppt/slides/slide21.xml><?xml version="1.0" encoding="utf-8"?>
+<p:sld xmlns:a="http://schemas.openxmlformats.org/drawingml/2006/main" xmlns:r="http://schemas.openxmlformats.org/officeDocument/2006/relationships" xmlns:p="http://schemas.openxmlformats.org/presentationml/2006/main">
+  <p:cSld>
+    <p:spTree>
+      <p:nvGrpSpPr>
+        <p:cNvPr id="1" name=""/>
+        <p:cNvGrpSpPr/>
+        <p:nvPr/>
+      </p:nvGrpSpPr>
+      <p:grpSpPr>
+        <a:xfrm>
+          <a:off x="0" y="0"/>
+          <a:ext cx="0" cy="0"/>
+          <a:chOff x="0" y="0"/>
+          <a:chExt cx="0" cy="0"/>
+        </a:xfrm>
+      </p:grpSpPr>
+      <p:sp>
+        <p:nvSpPr>
+          <p:cNvPr id="3" name="Espace réservé du contenu 2"/>
+          <p:cNvSpPr>
+            <a:spLocks noGrp="1"/>
+          </p:cNvSpPr>
+          <p:nvPr>
+            <p:ph idx="1"/>
+          </p:nvPr>
+        </p:nvSpPr>
+        <p:spPr/>
+        <p:txBody>
+          <a:bodyPr>
+            <a:normAutofit/>
+          </a:bodyPr>
+          <a:lstStyle/>
+          <a:p>
+            <a:pPr>
+              <a:buFont typeface="Arial"/>
+              <a:buChar char="•"/>
+            </a:pPr>
+            <a:r>
+              <a:rPr lang="en-US" sz="1400" dirty="0" smtClean="0">
+                <a:effectLst/>
+              </a:rPr>
+              <a:t>“</a:t>
+            </a:r>
+            <a:r>
+              <a:rPr lang="en-US" sz="1400" dirty="0">
+                <a:effectLst/>
+              </a:rPr>
+              <a:t>Thierry </a:t>
+            </a:r>
+            <a:r>
+              <a:rPr lang="en-US" sz="1400" dirty="0" err="1">
+                <a:effectLst/>
+              </a:rPr>
+              <a:t>Bertin-Mahieux</a:t>
+            </a:r>
+            <a:r>
+              <a:rPr lang="en-US" sz="1400" dirty="0">
+                <a:effectLst/>
+              </a:rPr>
+              <a:t>, Daniel P.W. Ellis, Brian Whitman, and Paul </a:t>
+            </a:r>
+            <a:r>
+              <a:rPr lang="en-US" sz="1400" dirty="0" err="1">
+                <a:effectLst/>
+              </a:rPr>
+              <a:t>Lamere</a:t>
+            </a:r>
+            <a:r>
+              <a:rPr lang="en-US" sz="1400" dirty="0">
+                <a:effectLst/>
+              </a:rPr>
+              <a:t>. The Million Song Dataset. In Proceedings of the 12th International Society for Music Information Retrieval Conference (ISMIR 2011), 2011.” </a:t>
+            </a:r>
+          </a:p>
+          <a:p>
+            <a:pPr>
+              <a:buFont typeface="Arial"/>
+              <a:buChar char="•"/>
+            </a:pPr>
+            <a:r>
+              <a:rPr lang="en-US" sz="1400" dirty="0" err="1"/>
+              <a:t>Edelsbrunner</a:t>
+            </a:r>
+            <a:r>
+              <a:rPr lang="en-US" sz="1400" dirty="0"/>
+              <a:t>, Herbert, and John </a:t>
+            </a:r>
+            <a:r>
+              <a:rPr lang="en-US" sz="1400" dirty="0" err="1"/>
+              <a:t>Harer</a:t>
+            </a:r>
+            <a:r>
+              <a:rPr lang="en-US" sz="1400" dirty="0"/>
+              <a:t>. </a:t>
+            </a:r>
+            <a:r>
+              <a:rPr lang="en-US" sz="1400" i="1" dirty="0"/>
+              <a:t>Computational topology: an introduction</a:t>
+            </a:r>
+            <a:r>
+              <a:rPr lang="en-US" sz="1400" dirty="0"/>
+              <a:t>. American Mathematical Soc., 2010.</a:t>
+            </a:r>
+          </a:p>
+          <a:p>
+            <a:pPr>
+              <a:buFont typeface="Arial"/>
+              <a:buChar char="•"/>
+            </a:pPr>
+            <a:endParaRPr lang="fr-FR" sz="1400" dirty="0"/>
+          </a:p>
+        </p:txBody>
+      </p:sp>
+      <p:sp>
+        <p:nvSpPr>
+          <p:cNvPr id="2" name="Titre 1"/>
+          <p:cNvSpPr>
+            <a:spLocks noGrp="1"/>
+          </p:cNvSpPr>
+          <p:nvPr>
+            <p:ph type="title"/>
+          </p:nvPr>
+        </p:nvSpPr>
+        <p:spPr/>
+        <p:txBody>
+          <a:bodyPr/>
+          <a:lstStyle/>
+          <a:p>
+            <a:r>
+              <a:rPr lang="fr-FR" dirty="0" err="1" smtClean="0"/>
+              <a:t>References</a:t>
+            </a:r>
+            <a:endParaRPr lang="fr-FR" dirty="0"/>
+          </a:p>
+        </p:txBody>
+      </p:sp>
+      <p:sp>
+        <p:nvSpPr>
+          <p:cNvPr id="4" name="Espace réservé du pied de page 3"/>
+          <p:cNvSpPr>
+            <a:spLocks noGrp="1"/>
+          </p:cNvSpPr>
+          <p:nvPr>
+            <p:ph type="ftr" sz="quarter" idx="12"/>
+          </p:nvPr>
+        </p:nvSpPr>
+        <p:spPr/>
+        <p:txBody>
+          <a:bodyPr/>
+          <a:lstStyle/>
+          <a:p>
+            <a:r>
+              <a:rPr lang="mr-IN" smtClean="0"/>
+              <a:t>Song Similarities via Homological Features of Music                                                       Leventhal &amp; Fahimfar               </a:t>
+            </a:r>
+            <a:endParaRPr lang="en-US" dirty="0"/>
+          </a:p>
+        </p:txBody>
+      </p:sp>
+    </p:spTree>
+    <p:extLst>
+      <p:ext uri="{BB962C8B-B14F-4D97-AF65-F5344CB8AC3E}">
+        <p14:creationId xmlns:p14="http://schemas.microsoft.com/office/powerpoint/2010/main" val="177860401"/>
+      </p:ext>
+    </p:extLst>
+  </p:cSld>
+  <p:clrMapOvr>
+    <a:masterClrMapping/>
+  </p:clrMapOvr>
+</p:sld>
+</file>
+
+<file path=ppt/slides/slide22.xml><?xml version="1.0" encoding="utf-8"?>
+<p:sld xmlns:a="http://schemas.openxmlformats.org/drawingml/2006/main" xmlns:r="http://schemas.openxmlformats.org/officeDocument/2006/relationships" xmlns:p="http://schemas.openxmlformats.org/presentationml/2006/main">
+  <p:cSld>
+    <p:spTree>
+      <p:nvGrpSpPr>
+        <p:cNvPr id="1" name=""/>
+        <p:cNvGrpSpPr/>
+        <p:nvPr/>
+      </p:nvGrpSpPr>
+      <p:grpSpPr>
+        <a:xfrm>
+          <a:off x="0" y="0"/>
+          <a:ext cx="0" cy="0"/>
+          <a:chOff x="0" y="0"/>
+          <a:chExt cx="0" cy="0"/>
+        </a:xfrm>
+      </p:grpSpPr>
+      <p:sp>
+        <p:nvSpPr>
+          <p:cNvPr id="3" name="Espace réservé du contenu 2"/>
+          <p:cNvSpPr>
+            <a:spLocks noGrp="1"/>
+          </p:cNvSpPr>
+          <p:nvPr>
+            <p:ph idx="1"/>
+          </p:nvPr>
+        </p:nvSpPr>
+        <p:spPr/>
+        <p:txBody>
+          <a:bodyPr/>
+          <a:lstStyle/>
+          <a:p>
+            <a:pPr marL="18288" indent="0">
+              <a:buNone/>
+            </a:pPr>
+            <a:r>
+              <a:rPr lang="fr-FR"/>
+              <a:t> </a:t>
+            </a:r>
+            <a:endParaRPr lang="fr-FR"/>
+          </a:p>
+        </p:txBody>
+      </p:sp>
+      <p:sp>
+        <p:nvSpPr>
+          <p:cNvPr id="2" name="Titre 1"/>
+          <p:cNvSpPr>
+            <a:spLocks noGrp="1"/>
+          </p:cNvSpPr>
+          <p:nvPr>
+            <p:ph type="title"/>
+          </p:nvPr>
+        </p:nvSpPr>
+        <p:spPr/>
+        <p:txBody>
+          <a:bodyPr/>
+          <a:lstStyle/>
+          <a:p>
+            <a:r>
+              <a:rPr lang="fr-FR" dirty="0" smtClean="0"/>
+              <a:t>Questions</a:t>
+            </a:r>
+            <a:endParaRPr lang="fr-FR" dirty="0"/>
+          </a:p>
+        </p:txBody>
+      </p:sp>
+      <p:sp>
+        <p:nvSpPr>
+          <p:cNvPr id="4" name="Espace réservé du pied de page 3"/>
+          <p:cNvSpPr>
+            <a:spLocks noGrp="1"/>
+          </p:cNvSpPr>
+          <p:nvPr>
+            <p:ph type="ftr" sz="quarter" idx="12"/>
+          </p:nvPr>
+        </p:nvSpPr>
+        <p:spPr/>
+        <p:txBody>
+          <a:bodyPr/>
+          <a:lstStyle/>
+          <a:p>
+            <a:r>
+              <a:rPr lang="mr-IN" smtClean="0"/>
+              <a:t>Song Similarities via Homological Features of Music                                                       Leventhal &amp; Fahimfar               </a:t>
+            </a:r>
+            <a:endParaRPr lang="en-US" dirty="0"/>
+          </a:p>
+        </p:txBody>
+      </p:sp>
+    </p:spTree>
+    <p:extLst>
+      <p:ext uri="{BB962C8B-B14F-4D97-AF65-F5344CB8AC3E}">
+        <p14:creationId xmlns:p14="http://schemas.microsoft.com/office/powerpoint/2010/main" val="4140287813"/>
       </p:ext>
     </p:extLst>
   </p:cSld>
@@ -4848,8 +7482,8 @@
         </p:nvSpPr>
         <p:spPr>
           <a:xfrm>
-            <a:off x="1828800" y="685801"/>
-            <a:ext cx="6400800" cy="3657599"/>
+            <a:off x="1580860" y="1053778"/>
+            <a:ext cx="6648739" cy="3823021"/>
           </a:xfrm>
         </p:spPr>
         <p:txBody>
@@ -4862,7 +7496,7 @@
             </a:pPr>
             <a:r>
               <a:rPr lang="fr-FR" dirty="0" err="1" smtClean="0"/>
-              <a:t>Demonstrate</a:t>
+              <a:t>Introduce</a:t>
             </a:r>
             <a:r>
               <a:rPr lang="fr-FR" dirty="0" smtClean="0"/>
@@ -4878,19 +7512,35 @@
             </a:r>
             <a:r>
               <a:rPr lang="fr-FR" dirty="0" err="1" smtClean="0"/>
-              <a:t>means</a:t>
-            </a:r>
-            <a:r>
-              <a:rPr lang="fr-FR" dirty="0" smtClean="0"/>
-              <a:t> of </a:t>
-            </a:r>
-            <a:r>
-              <a:rPr lang="fr-FR" dirty="0" err="1" smtClean="0"/>
-              <a:t>song</a:t>
-            </a:r>
-            <a:r>
-              <a:rPr lang="fr-FR" dirty="0" smtClean="0"/>
-              <a:t> classification.</a:t>
+              <a:t>metric</a:t>
+            </a:r>
+            <a:r>
+              <a:rPr lang="fr-FR" dirty="0" smtClean="0"/>
+              <a:t> for </a:t>
+            </a:r>
+            <a:r>
+              <a:rPr lang="fr-FR" dirty="0" err="1" smtClean="0"/>
+              <a:t>similarity</a:t>
+            </a:r>
+            <a:r>
+              <a:rPr lang="fr-FR" dirty="0" smtClean="0"/>
+              <a:t> </a:t>
+            </a:r>
+            <a:r>
+              <a:rPr lang="fr-FR" dirty="0" err="1" smtClean="0"/>
+              <a:t>between</a:t>
+            </a:r>
+            <a:r>
+              <a:rPr lang="fr-FR" dirty="0" smtClean="0"/>
+              <a:t> </a:t>
+            </a:r>
+            <a:r>
+              <a:rPr lang="fr-FR" dirty="0" err="1" smtClean="0"/>
+              <a:t>songs</a:t>
+            </a:r>
+            <a:r>
+              <a:rPr lang="fr-FR" dirty="0" smtClean="0"/>
+              <a:t>.</a:t>
             </a:r>
           </a:p>
           <a:p>
@@ -4904,7 +7554,7 @@
             </a:r>
             <a:r>
               <a:rPr lang="fr-FR" dirty="0" smtClean="0"/>
-              <a:t> a new perspective to </a:t>
+              <a:t> a new perspective for </a:t>
             </a:r>
             <a:r>
               <a:rPr lang="fr-FR" dirty="0" err="1" smtClean="0"/>
@@ -4912,7 +7562,119 @@
             </a:r>
             <a:r>
               <a:rPr lang="fr-FR" dirty="0" smtClean="0"/>
-              <a:t> music composition.</a:t>
+              <a:t> </a:t>
+            </a:r>
+            <a:r>
+              <a:rPr lang="fr-FR" dirty="0" err="1" smtClean="0"/>
+              <a:t>musial</a:t>
+            </a:r>
+            <a:r>
+              <a:rPr lang="fr-FR" dirty="0" smtClean="0"/>
+              <a:t> compositions.</a:t>
+            </a:r>
+          </a:p>
+          <a:p>
+            <a:pPr>
+              <a:buFont typeface="Arial"/>
+              <a:buChar char="•"/>
+            </a:pPr>
+            <a:r>
+              <a:rPr lang="fr-FR" dirty="0"/>
+              <a:t> </a:t>
+            </a:r>
+            <a:r>
+              <a:rPr lang="fr-FR" dirty="0" err="1" smtClean="0"/>
+              <a:t>Demonstrate</a:t>
+            </a:r>
+            <a:r>
+              <a:rPr lang="fr-FR" dirty="0" smtClean="0"/>
+              <a:t> </a:t>
+            </a:r>
+            <a:r>
+              <a:rPr lang="fr-FR" dirty="0" err="1" smtClean="0"/>
+              <a:t>topological</a:t>
+            </a:r>
+            <a:r>
+              <a:rPr lang="fr-FR" dirty="0" smtClean="0"/>
+              <a:t> </a:t>
+            </a:r>
+            <a:r>
+              <a:rPr lang="fr-FR" dirty="0" err="1" smtClean="0"/>
+              <a:t>tools</a:t>
+            </a:r>
+            <a:r>
+              <a:rPr lang="fr-FR" dirty="0" smtClean="0"/>
+              <a:t> for musical data </a:t>
+            </a:r>
+            <a:r>
+              <a:rPr lang="fr-FR" dirty="0" err="1" smtClean="0"/>
+              <a:t>analysis</a:t>
+            </a:r>
+            <a:r>
+              <a:rPr lang="fr-FR" dirty="0" smtClean="0"/>
+              <a:t>.</a:t>
+            </a:r>
+          </a:p>
+          <a:p>
+            <a:pPr>
+              <a:buFont typeface="Arial"/>
+              <a:buChar char="•"/>
+            </a:pPr>
+            <a:r>
+              <a:rPr lang="fr-FR" dirty="0" err="1" smtClean="0"/>
+              <a:t>Perform</a:t>
+            </a:r>
+            <a:r>
+              <a:rPr lang="fr-FR" dirty="0" smtClean="0"/>
+              <a:t> </a:t>
+            </a:r>
+            <a:r>
+              <a:rPr lang="fr-FR" dirty="0" err="1" smtClean="0"/>
+              <a:t>clustering</a:t>
+            </a:r>
+            <a:r>
+              <a:rPr lang="fr-FR" dirty="0" smtClean="0"/>
+              <a:t> of </a:t>
+            </a:r>
+            <a:r>
+              <a:rPr lang="fr-FR" dirty="0" err="1" smtClean="0"/>
+              <a:t>similar</a:t>
+            </a:r>
+            <a:r>
+              <a:rPr lang="fr-FR" dirty="0" smtClean="0"/>
+              <a:t> </a:t>
+            </a:r>
+            <a:r>
+              <a:rPr lang="fr-FR" dirty="0" err="1" smtClean="0"/>
+              <a:t>songs</a:t>
+            </a:r>
+            <a:r>
+              <a:rPr lang="fr-FR" dirty="0" smtClean="0"/>
+              <a:t> </a:t>
+            </a:r>
+            <a:r>
+              <a:rPr lang="fr-FR" dirty="0" err="1" smtClean="0"/>
+              <a:t>based</a:t>
+            </a:r>
+            <a:r>
+              <a:rPr lang="fr-FR" dirty="0" smtClean="0"/>
+              <a:t> on </a:t>
+            </a:r>
+            <a:r>
+              <a:rPr lang="fr-FR" dirty="0" err="1" smtClean="0"/>
+              <a:t>topological</a:t>
+            </a:r>
+            <a:r>
+              <a:rPr lang="fr-FR" dirty="0" smtClean="0"/>
+              <a:t> </a:t>
+            </a:r>
+            <a:r>
+              <a:rPr lang="fr-FR" dirty="0" err="1" smtClean="0"/>
+              <a:t>features</a:t>
+            </a:r>
+            <a:r>
+              <a:rPr lang="fr-FR" dirty="0" smtClean="0"/>
+              <a:t>.</a:t>
             </a:r>
           </a:p>
           <a:p>
@@ -4951,6 +7713,29 @@
               <a:t>Motivation</a:t>
             </a:r>
             <a:endParaRPr lang="fr-FR" dirty="0"/>
+          </a:p>
+        </p:txBody>
+      </p:sp>
+      <p:sp>
+        <p:nvSpPr>
+          <p:cNvPr id="4" name="Espace réservé du pied de page 3"/>
+          <p:cNvSpPr>
+            <a:spLocks noGrp="1"/>
+          </p:cNvSpPr>
+          <p:nvPr>
+            <p:ph type="ftr" sz="quarter" idx="12"/>
+          </p:nvPr>
+        </p:nvSpPr>
+        <p:spPr/>
+        <p:txBody>
+          <a:bodyPr/>
+          <a:lstStyle/>
+          <a:p>
+            <a:r>
+              <a:rPr lang="mr-IN" smtClean="0"/>
+              <a:t>Song Similarities via Homological Features of Music                                                       Leventhal &amp; Fahimfar               </a:t>
+            </a:r>
+            <a:endParaRPr lang="en-US" dirty="0"/>
           </a:p>
         </p:txBody>
       </p:sp>
@@ -4964,6 +7749,13 @@
   <p:clrMapOvr>
     <a:masterClrMapping/>
   </p:clrMapOvr>
+  <p:timing>
+    <p:tnLst>
+      <p:par>
+        <p:cTn xmlns:p14="http://schemas.microsoft.com/office/powerpoint/2010/main" id="1" dur="indefinite" restart="never" nodeType="tmRoot"/>
+      </p:par>
+    </p:tnLst>
+  </p:timing>
 </p:sld>
 </file>
 
@@ -5014,7 +7806,7 @@
             </a:r>
             <a:r>
               <a:rPr lang="fr-FR" dirty="0" smtClean="0"/>
-              <a:t> music in </a:t>
+              <a:t> musical composition in </a:t>
             </a:r>
             <a:r>
               <a:rPr lang="fr-FR" dirty="0" err="1" smtClean="0"/>
@@ -5032,6 +7824,88 @@
               <a:rPr lang="fr-FR" dirty="0" smtClean="0"/>
               <a:t>, and time signatures.</a:t>
             </a:r>
+          </a:p>
+          <a:p>
+            <a:pPr>
+              <a:buFont typeface="Arial"/>
+              <a:buChar char="•"/>
+            </a:pPr>
+            <a:r>
+              <a:rPr lang="fr-FR" dirty="0" smtClean="0"/>
+              <a:t>Relate </a:t>
+            </a:r>
+            <a:r>
+              <a:rPr lang="fr-FR" dirty="0" err="1" smtClean="0"/>
+              <a:t>homological</a:t>
+            </a:r>
+            <a:r>
+              <a:rPr lang="fr-FR" dirty="0" smtClean="0"/>
+              <a:t> </a:t>
+            </a:r>
+            <a:r>
+              <a:rPr lang="fr-FR" dirty="0" err="1" smtClean="0"/>
+              <a:t>features</a:t>
+            </a:r>
+            <a:r>
+              <a:rPr lang="fr-FR" dirty="0" smtClean="0"/>
+              <a:t> </a:t>
+            </a:r>
+            <a:r>
+              <a:rPr lang="fr-FR" dirty="0" err="1" smtClean="0"/>
+              <a:t>found</a:t>
+            </a:r>
+            <a:r>
+              <a:rPr lang="fr-FR" dirty="0" smtClean="0"/>
+              <a:t> </a:t>
+            </a:r>
+            <a:r>
+              <a:rPr lang="fr-FR" dirty="0" err="1" smtClean="0"/>
+              <a:t>from</a:t>
+            </a:r>
+            <a:r>
+              <a:rPr lang="fr-FR" dirty="0" smtClean="0"/>
+              <a:t> </a:t>
+            </a:r>
+            <a:r>
+              <a:rPr lang="fr-FR" dirty="0" err="1" smtClean="0"/>
+              <a:t>persistence</a:t>
+            </a:r>
+            <a:r>
+              <a:rPr lang="fr-FR" dirty="0" smtClean="0"/>
+              <a:t> over </a:t>
+            </a:r>
+            <a:r>
+              <a:rPr lang="fr-FR" dirty="0" err="1" smtClean="0"/>
+              <a:t>these</a:t>
+            </a:r>
+            <a:r>
+              <a:rPr lang="fr-FR" dirty="0" smtClean="0"/>
+              <a:t> </a:t>
+            </a:r>
+            <a:r>
+              <a:rPr lang="fr-FR" dirty="0" err="1" smtClean="0"/>
+              <a:t>terms</a:t>
+            </a:r>
+            <a:r>
+              <a:rPr lang="fr-FR" dirty="0" smtClean="0"/>
+              <a:t> </a:t>
+            </a:r>
+            <a:r>
+              <a:rPr lang="fr-FR" dirty="0" err="1" smtClean="0"/>
+              <a:t>between</a:t>
+            </a:r>
+            <a:r>
+              <a:rPr lang="fr-FR" dirty="0" smtClean="0"/>
+              <a:t> </a:t>
+            </a:r>
+            <a:r>
+              <a:rPr lang="fr-FR" dirty="0" err="1" smtClean="0"/>
+              <a:t>songs</a:t>
+            </a:r>
+            <a:r>
+              <a:rPr lang="fr-FR" dirty="0" smtClean="0"/>
+              <a:t>.</a:t>
+            </a:r>
             <a:endParaRPr lang="fr-FR" dirty="0"/>
           </a:p>
         </p:txBody>
@@ -5052,14 +7926,60 @@
           <a:lstStyle/>
           <a:p>
             <a:r>
-              <a:rPr lang="fr-FR" dirty="0" smtClean="0"/>
-              <a:t>Music </a:t>
-            </a:r>
-            <a:r>
-              <a:rPr lang="fr-FR" dirty="0" err="1" smtClean="0"/>
-              <a:t>Theory</a:t>
-            </a:r>
-            <a:endParaRPr lang="fr-FR" dirty="0"/>
+              <a:rPr lang="fr-FR" sz="4000" dirty="0" smtClean="0"/>
+              <a:t>Motivation</a:t>
+            </a:r>
+            <a:r>
+              <a:rPr lang="fr-FR" sz="3600" dirty="0" smtClean="0"/>
+              <a:t>:</a:t>
+            </a:r>
+            <a:br>
+              <a:rPr lang="fr-FR" sz="3600" dirty="0" smtClean="0"/>
+            </a:br>
+            <a:r>
+              <a:rPr lang="fr-FR" sz="2800" dirty="0" err="1" smtClean="0"/>
+              <a:t>Low</a:t>
+            </a:r>
+            <a:r>
+              <a:rPr lang="fr-FR" sz="2800" dirty="0" smtClean="0"/>
+              <a:t> </a:t>
+            </a:r>
+            <a:r>
+              <a:rPr lang="fr-FR" sz="2800" dirty="0" err="1"/>
+              <a:t>H</a:t>
+            </a:r>
+            <a:r>
+              <a:rPr lang="fr-FR" sz="2800" dirty="0" err="1" smtClean="0"/>
+              <a:t>anging</a:t>
+            </a:r>
+            <a:r>
+              <a:rPr lang="fr-FR" sz="2800" dirty="0" smtClean="0"/>
+              <a:t> Fruit.</a:t>
+            </a:r>
+            <a:endParaRPr lang="fr-FR" sz="2800" dirty="0"/>
+          </a:p>
+        </p:txBody>
+      </p:sp>
+      <p:sp>
+        <p:nvSpPr>
+          <p:cNvPr id="4" name="Espace réservé du pied de page 3"/>
+          <p:cNvSpPr>
+            <a:spLocks noGrp="1"/>
+          </p:cNvSpPr>
+          <p:nvPr>
+            <p:ph type="ftr" sz="quarter" idx="12"/>
+          </p:nvPr>
+        </p:nvSpPr>
+        <p:spPr/>
+        <p:txBody>
+          <a:bodyPr/>
+          <a:lstStyle/>
+          <a:p>
+            <a:r>
+              <a:rPr lang="mr-IN" smtClean="0"/>
+              <a:t>Song Similarities via Homological Features of Music                                                       Leventhal &amp; Fahimfar               </a:t>
+            </a:r>
+            <a:endParaRPr lang="en-US" dirty="0"/>
           </a:p>
         </p:txBody>
       </p:sp>
@@ -5073,6 +7993,13 @@
   <p:clrMapOvr>
     <a:masterClrMapping/>
   </p:clrMapOvr>
+  <p:timing>
+    <p:tnLst>
+      <p:par>
+        <p:cTn xmlns:p14="http://schemas.microsoft.com/office/powerpoint/2010/main" id="1" dur="indefinite" restart="never" nodeType="tmRoot"/>
+      </p:par>
+    </p:tnLst>
+  </p:timing>
 </p:sld>
 </file>
 
@@ -5103,7 +8030,12 @@
             <p:ph idx="1"/>
           </p:nvPr>
         </p:nvSpPr>
-        <p:spPr/>
+        <p:spPr>
+          <a:xfrm>
+            <a:off x="2133600" y="685801"/>
+            <a:ext cx="6591300" cy="3657599"/>
+          </a:xfrm>
+        </p:spPr>
         <p:txBody>
           <a:bodyPr/>
           <a:lstStyle/>
@@ -5126,12 +8058,267 @@
             </a:r>
           </a:p>
           <a:p>
-            <a:pPr>
+            <a:pPr lvl="1">
               <a:buFont typeface="Arial"/>
               <a:buChar char="•"/>
             </a:pPr>
             <a:r>
               <a:rPr lang="fr-FR" dirty="0" smtClean="0"/>
+              <a:t>Graph </a:t>
+            </a:r>
+            <a:r>
+              <a:rPr lang="fr-FR" dirty="0" err="1" smtClean="0"/>
+              <a:t>Representation</a:t>
+            </a:r>
+            <a:r>
+              <a:rPr lang="fr-FR" dirty="0" smtClean="0"/>
+              <a:t>: </a:t>
+            </a:r>
+          </a:p>
+          <a:p>
+            <a:pPr lvl="3">
+              <a:buFont typeface="Arial"/>
+              <a:buChar char="•"/>
+            </a:pPr>
+            <a:r>
+              <a:rPr lang="fr-FR" dirty="0" smtClean="0"/>
+              <a:t>V=</a:t>
+            </a:r>
+          </a:p>
+          <a:p>
+            <a:pPr lvl="3">
+              <a:buFont typeface="Arial"/>
+              <a:buChar char="•"/>
+            </a:pPr>
+            <a:r>
+              <a:rPr lang="fr-FR" dirty="0" smtClean="0"/>
+              <a:t>E = </a:t>
+            </a:r>
+            <a:r>
+              <a:rPr lang="fr-FR" dirty="0" err="1" smtClean="0"/>
+              <a:t>Connecting</a:t>
+            </a:r>
+            <a:r>
+              <a:rPr lang="fr-FR" dirty="0" smtClean="0"/>
+              <a:t> </a:t>
+            </a:r>
+            <a:r>
+              <a:rPr lang="fr-FR" dirty="0" err="1" smtClean="0"/>
+              <a:t>Sequential</a:t>
+            </a:r>
+            <a:r>
+              <a:rPr lang="fr-FR" dirty="0" smtClean="0"/>
+              <a:t> </a:t>
+            </a:r>
+            <a:r>
+              <a:rPr lang="fr-FR" dirty="0" err="1" smtClean="0"/>
+              <a:t>pitches</a:t>
+            </a:r>
+            <a:endParaRPr lang="fr-FR" dirty="0"/>
+          </a:p>
+          <a:p>
+            <a:pPr lvl="3">
+              <a:buFont typeface="Arial"/>
+              <a:buChar char="•"/>
+            </a:pPr>
+            <a:r>
+              <a:rPr lang="fr-FR" dirty="0" smtClean="0"/>
+              <a:t>W = </a:t>
+            </a:r>
+            <a:r>
+              <a:rPr lang="fr-FR" sz="1400" dirty="0" err="1" smtClean="0"/>
+              <a:t>Edge</a:t>
+            </a:r>
+            <a:r>
+              <a:rPr lang="fr-FR" sz="1400" dirty="0" smtClean="0"/>
+              <a:t> </a:t>
+            </a:r>
+            <a:r>
+              <a:rPr lang="fr-FR" sz="1400" dirty="0" err="1" smtClean="0"/>
+              <a:t>weight</a:t>
+            </a:r>
+            <a:r>
+              <a:rPr lang="fr-FR" sz="1400" dirty="0" smtClean="0"/>
+              <a:t> </a:t>
+            </a:r>
+            <a:r>
+              <a:rPr lang="fr-FR" sz="1400" dirty="0" err="1" smtClean="0"/>
+              <a:t>proportional</a:t>
+            </a:r>
+            <a:r>
+              <a:rPr lang="fr-FR" sz="1400" dirty="0" smtClean="0"/>
+              <a:t> to </a:t>
+            </a:r>
+            <a:r>
+              <a:rPr lang="fr-FR" sz="1400" dirty="0" err="1" smtClean="0"/>
+              <a:t>number</a:t>
+            </a:r>
+            <a:r>
+              <a:rPr lang="fr-FR" sz="1400" dirty="0" smtClean="0"/>
+              <a:t> of times </a:t>
+            </a:r>
+            <a:r>
+              <a:rPr lang="fr-FR" sz="1400" dirty="0" err="1" smtClean="0"/>
+              <a:t>pitches</a:t>
+            </a:r>
+            <a:r>
+              <a:rPr lang="fr-FR" sz="1400" dirty="0" smtClean="0"/>
+              <a:t> </a:t>
+            </a:r>
+            <a:r>
+              <a:rPr lang="fr-FR" sz="1400" dirty="0" err="1" smtClean="0"/>
+              <a:t>follow</a:t>
+            </a:r>
+            <a:r>
+              <a:rPr lang="fr-FR" sz="1400" dirty="0" smtClean="0"/>
+              <a:t> one </a:t>
+            </a:r>
+            <a:r>
+              <a:rPr lang="fr-FR" sz="1400" dirty="0" err="1" smtClean="0"/>
+              <a:t>another</a:t>
+            </a:r>
+            <a:r>
+              <a:rPr lang="fr-FR" sz="1400" dirty="0" smtClean="0"/>
+              <a:t> </a:t>
+            </a:r>
+            <a:r>
+              <a:rPr lang="fr-FR" sz="1400" dirty="0" err="1" smtClean="0"/>
+              <a:t>within</a:t>
+            </a:r>
+            <a:r>
+              <a:rPr lang="fr-FR" sz="1400" dirty="0" smtClean="0"/>
+              <a:t> </a:t>
+            </a:r>
+            <a:r>
+              <a:rPr lang="fr-FR" sz="1400" dirty="0" err="1" smtClean="0"/>
+              <a:t>entire</a:t>
+            </a:r>
+            <a:r>
+              <a:rPr lang="fr-FR" sz="1400" dirty="0" smtClean="0"/>
+              <a:t> </a:t>
+            </a:r>
+            <a:r>
+              <a:rPr lang="fr-FR" sz="1400" dirty="0" err="1" smtClean="0"/>
+              <a:t>song</a:t>
+            </a:r>
+            <a:r>
+              <a:rPr lang="fr-FR" sz="1400" dirty="0" smtClean="0"/>
+              <a:t>. </a:t>
+            </a:r>
+          </a:p>
+          <a:p>
+            <a:pPr lvl="1">
+              <a:buFont typeface="Arial"/>
+              <a:buChar char="•"/>
+            </a:pPr>
+            <a:r>
+              <a:rPr lang="fr-FR" dirty="0" smtClean="0"/>
+              <a:t>Matrix </a:t>
+            </a:r>
+            <a:r>
+              <a:rPr lang="fr-FR" dirty="0" err="1" smtClean="0"/>
+              <a:t>Representation</a:t>
+            </a:r>
+            <a:r>
+              <a:rPr lang="fr-FR" dirty="0" smtClean="0"/>
+              <a:t>:</a:t>
+            </a:r>
+          </a:p>
+          <a:p>
+            <a:pPr lvl="3">
+              <a:buFont typeface="Arial"/>
+              <a:buChar char="•"/>
+            </a:pPr>
+            <a:r>
+              <a:rPr lang="fr-FR" dirty="0" err="1" smtClean="0"/>
+              <a:t>Rows</a:t>
+            </a:r>
+            <a:r>
+              <a:rPr lang="fr-FR" dirty="0" smtClean="0"/>
+              <a:t>/</a:t>
+            </a:r>
+            <a:r>
+              <a:rPr lang="fr-FR" dirty="0" err="1" smtClean="0"/>
+              <a:t>Columns</a:t>
+            </a:r>
+            <a:r>
+              <a:rPr lang="fr-FR" dirty="0" smtClean="0"/>
+              <a:t> correspond to </a:t>
+            </a:r>
+            <a:r>
+              <a:rPr lang="fr-FR" dirty="0" err="1" smtClean="0"/>
+              <a:t>pitches</a:t>
+            </a:r>
+            <a:r>
+              <a:rPr lang="fr-FR" dirty="0" smtClean="0"/>
+              <a:t> </a:t>
+            </a:r>
+            <a:r>
+              <a:rPr lang="fr-FR" dirty="0" err="1" smtClean="0"/>
+              <a:t>observed</a:t>
+            </a:r>
+            <a:r>
+              <a:rPr lang="fr-FR" dirty="0" smtClean="0"/>
+              <a:t> in a </a:t>
+            </a:r>
+            <a:r>
+              <a:rPr lang="fr-FR" dirty="0" err="1" smtClean="0"/>
+              <a:t>song</a:t>
+            </a:r>
+            <a:r>
+              <a:rPr lang="fr-FR" dirty="0" smtClean="0"/>
+              <a:t> in </a:t>
+            </a:r>
+            <a:r>
+              <a:rPr lang="fr-FR" dirty="0" err="1" smtClean="0"/>
+              <a:t>order</a:t>
+            </a:r>
+            <a:r>
+              <a:rPr lang="fr-FR" dirty="0" smtClean="0"/>
+              <a:t> </a:t>
+            </a:r>
+            <a:r>
+              <a:rPr lang="fr-FR" dirty="0" err="1" smtClean="0"/>
+              <a:t>which</a:t>
+            </a:r>
+            <a:r>
+              <a:rPr lang="fr-FR" dirty="0" smtClean="0"/>
+              <a:t> </a:t>
+            </a:r>
+            <a:r>
+              <a:rPr lang="fr-FR" dirty="0" err="1" smtClean="0"/>
+              <a:t>they</a:t>
+            </a:r>
+            <a:r>
+              <a:rPr lang="fr-FR" dirty="0" smtClean="0"/>
+              <a:t> </a:t>
+            </a:r>
+            <a:r>
+              <a:rPr lang="fr-FR" dirty="0" err="1" smtClean="0"/>
+              <a:t>appear</a:t>
+            </a:r>
+            <a:r>
+              <a:rPr lang="fr-FR" dirty="0" smtClean="0"/>
+              <a:t>. For </a:t>
+            </a:r>
+          </a:p>
+          <a:p>
+            <a:pPr lvl="4">
+              <a:buFont typeface="Arial"/>
+              <a:buChar char="•"/>
+            </a:pPr>
+            <a:r>
+              <a:rPr lang="fr-FR" dirty="0" smtClean="0"/>
+              <a:t>i.e. </a:t>
+            </a:r>
+          </a:p>
+          <a:p>
+            <a:pPr lvl="1">
+              <a:buFont typeface="Arial"/>
+              <a:buChar char="•"/>
+            </a:pPr>
+            <a:r>
+              <a:rPr lang="fr-FR" dirty="0" smtClean="0"/>
               <a:t>Chroma </a:t>
             </a:r>
             <a:r>
@@ -5139,8 +8326,8 @@
               <a:t>Features</a:t>
             </a:r>
             <a:r>
-              <a:rPr lang="fr-FR" dirty="0" smtClean="0"/>
-              <a:t>.</a:t>
+              <a:rPr lang="mr-IN" dirty="0" smtClean="0"/>
+              <a:t>…</a:t>
             </a:r>
             <a:endParaRPr lang="fr-FR" dirty="0"/>
           </a:p>
@@ -5173,6 +8360,119 @@
           </a:p>
         </p:txBody>
       </p:sp>
+      <p:pic>
+        <p:nvPicPr>
+          <p:cNvPr id="4" name="Image 3" descr="graphNode.png"/>
+          <p:cNvPicPr>
+            <a:picLocks noChangeAspect="1"/>
+          </p:cNvPicPr>
+          <p:nvPr/>
+        </p:nvPicPr>
+        <p:blipFill>
+          <a:blip r:embed="rId2">
+            <a:extLst>
+              <a:ext uri="{28A0092B-C50C-407E-A947-70E740481C1C}">
+                <a14:useLocalDpi xmlns:a14="http://schemas.microsoft.com/office/drawing/2010/main" val="0"/>
+              </a:ext>
+            </a:extLst>
+          </a:blip>
+          <a:stretch>
+            <a:fillRect/>
+          </a:stretch>
+        </p:blipFill>
+        <p:spPr>
+          <a:xfrm>
+            <a:off x="3846407" y="1543230"/>
+            <a:ext cx="3091032" cy="353937"/>
+          </a:xfrm>
+          <a:prstGeom prst="rect">
+            <a:avLst/>
+          </a:prstGeom>
+        </p:spPr>
+      </p:pic>
+      <p:sp>
+        <p:nvSpPr>
+          <p:cNvPr id="5" name="Espace réservé du pied de page 4"/>
+          <p:cNvSpPr>
+            <a:spLocks noGrp="1"/>
+          </p:cNvSpPr>
+          <p:nvPr>
+            <p:ph type="ftr" sz="quarter" idx="12"/>
+          </p:nvPr>
+        </p:nvSpPr>
+        <p:spPr/>
+        <p:txBody>
+          <a:bodyPr/>
+          <a:lstStyle/>
+          <a:p>
+            <a:r>
+              <a:rPr lang="mr-IN" smtClean="0"/>
+              <a:t>Song Similarities via Homological Features of Music                                                       Leventhal &amp; Fahimfar               </a:t>
+            </a:r>
+            <a:endParaRPr lang="en-US" dirty="0"/>
+          </a:p>
+        </p:txBody>
+      </p:sp>
+      <p:pic>
+        <p:nvPicPr>
+          <p:cNvPr id="6" name="Image 5" descr="matrixRep.png"/>
+          <p:cNvPicPr>
+            <a:picLocks noChangeAspect="1"/>
+          </p:cNvPicPr>
+          <p:nvPr/>
+        </p:nvPicPr>
+        <p:blipFill>
+          <a:blip r:embed="rId3">
+            <a:extLst>
+              <a:ext uri="{28A0092B-C50C-407E-A947-70E740481C1C}">
+                <a14:useLocalDpi xmlns:a14="http://schemas.microsoft.com/office/drawing/2010/main" val="0"/>
+              </a:ext>
+            </a:extLst>
+          </a:blip>
+          <a:stretch>
+            <a:fillRect/>
+          </a:stretch>
+        </p:blipFill>
+        <p:spPr>
+          <a:xfrm>
+            <a:off x="3995032" y="3477992"/>
+            <a:ext cx="4503786" cy="410992"/>
+          </a:xfrm>
+          <a:prstGeom prst="rect">
+            <a:avLst/>
+          </a:prstGeom>
+        </p:spPr>
+      </p:pic>
+      <p:pic>
+        <p:nvPicPr>
+          <p:cNvPr id="7" name="Image 6" descr="tinT.png"/>
+          <p:cNvPicPr>
+            <a:picLocks noChangeAspect="1"/>
+          </p:cNvPicPr>
+          <p:nvPr/>
+        </p:nvPicPr>
+        <p:blipFill>
+          <a:blip r:embed="rId4">
+            <a:extLst>
+              <a:ext uri="{28A0092B-C50C-407E-A947-70E740481C1C}">
+                <a14:useLocalDpi xmlns:a14="http://schemas.microsoft.com/office/drawing/2010/main" val="0"/>
+              </a:ext>
+            </a:extLst>
+          </a:blip>
+          <a:stretch>
+            <a:fillRect/>
+          </a:stretch>
+        </p:blipFill>
+        <p:spPr>
+          <a:xfrm>
+            <a:off x="6937438" y="3267533"/>
+            <a:ext cx="804730" cy="318539"/>
+          </a:xfrm>
+          <a:prstGeom prst="rect">
+            <a:avLst/>
+          </a:prstGeom>
+        </p:spPr>
+      </p:pic>
     </p:spTree>
     <p:extLst>
       <p:ext uri="{BB962C8B-B14F-4D97-AF65-F5344CB8AC3E}">
@@ -5394,6 +8694,34 @@
           </a:prstGeom>
         </p:spPr>
       </p:pic>
+      <p:sp>
+        <p:nvSpPr>
+          <p:cNvPr id="8" name="Espace réservé du pied de page 7"/>
+          <p:cNvSpPr>
+            <a:spLocks noGrp="1"/>
+          </p:cNvSpPr>
+          <p:nvPr>
+            <p:ph type="ftr" sz="quarter" idx="12"/>
+          </p:nvPr>
+        </p:nvSpPr>
+        <p:spPr>
+          <a:xfrm>
+            <a:off x="822960" y="6413500"/>
+            <a:ext cx="4572000" cy="327976"/>
+          </a:xfrm>
+        </p:spPr>
+        <p:txBody>
+          <a:bodyPr/>
+          <a:lstStyle/>
+          <a:p>
+            <a:r>
+              <a:rPr lang="mr-IN" dirty="0" smtClean="0"/>
+              <a:t>Song Similarities via Homological Features of Music                                                       Leventhal &amp; Fahimfar               </a:t>
+            </a:r>
+            <a:endParaRPr lang="en-US" dirty="0"/>
+          </a:p>
+        </p:txBody>
+      </p:sp>
     </p:spTree>
     <p:extLst>
       <p:ext uri="{BB962C8B-B14F-4D97-AF65-F5344CB8AC3E}">
@@ -5746,6 +9074,29 @@
           </a:p>
         </p:txBody>
       </p:sp>
+      <p:sp>
+        <p:nvSpPr>
+          <p:cNvPr id="4" name="Espace réservé du pied de page 3"/>
+          <p:cNvSpPr>
+            <a:spLocks noGrp="1"/>
+          </p:cNvSpPr>
+          <p:nvPr>
+            <p:ph type="ftr" sz="quarter" idx="12"/>
+          </p:nvPr>
+        </p:nvSpPr>
+        <p:spPr/>
+        <p:txBody>
+          <a:bodyPr/>
+          <a:lstStyle/>
+          <a:p>
+            <a:r>
+              <a:rPr lang="mr-IN" smtClean="0"/>
+              <a:t>Song Similarities via Homological Features of Music                                                       Leventhal &amp; Fahimfar               </a:t>
+            </a:r>
+            <a:endParaRPr lang="en-US" dirty="0"/>
+          </a:p>
+        </p:txBody>
+      </p:sp>
     </p:spTree>
     <p:extLst>
       <p:ext uri="{BB962C8B-B14F-4D97-AF65-F5344CB8AC3E}">
@@ -5760,6 +9111,381 @@
 </file>
 
 <file path=ppt/slides/slide8.xml><?xml version="1.0" encoding="utf-8"?>
+<p:sld xmlns:a="http://schemas.openxmlformats.org/drawingml/2006/main" xmlns:r="http://schemas.openxmlformats.org/officeDocument/2006/relationships" xmlns:p="http://schemas.openxmlformats.org/presentationml/2006/main">
+  <p:cSld>
+    <p:spTree>
+      <p:nvGrpSpPr>
+        <p:cNvPr id="1" name=""/>
+        <p:cNvGrpSpPr/>
+        <p:nvPr/>
+      </p:nvGrpSpPr>
+      <p:grpSpPr>
+        <a:xfrm>
+          <a:off x="0" y="0"/>
+          <a:ext cx="0" cy="0"/>
+          <a:chOff x="0" y="0"/>
+          <a:chExt cx="0" cy="0"/>
+        </a:xfrm>
+      </p:grpSpPr>
+      <p:sp>
+        <p:nvSpPr>
+          <p:cNvPr id="3" name="Espace réservé du contenu 2"/>
+          <p:cNvSpPr>
+            <a:spLocks noGrp="1"/>
+          </p:cNvSpPr>
+          <p:nvPr>
+            <p:ph idx="1"/>
+          </p:nvPr>
+        </p:nvSpPr>
+        <p:spPr/>
+        <p:txBody>
+          <a:bodyPr/>
+          <a:lstStyle/>
+          <a:p>
+            <a:pPr>
+              <a:buFont typeface="Arial"/>
+              <a:buChar char="•"/>
+            </a:pPr>
+            <a:r>
+              <a:rPr lang="fr-FR" dirty="0" smtClean="0"/>
+              <a:t>Persistent </a:t>
+            </a:r>
+            <a:r>
+              <a:rPr lang="fr-FR" dirty="0" err="1" smtClean="0"/>
+              <a:t>Homology</a:t>
+            </a:r>
+            <a:r>
+              <a:rPr lang="fr-FR" dirty="0" smtClean="0"/>
+              <a:t> of chroma </a:t>
+            </a:r>
+            <a:r>
+              <a:rPr lang="fr-FR" dirty="0" err="1" smtClean="0"/>
+              <a:t>features</a:t>
+            </a:r>
+            <a:r>
+              <a:rPr lang="fr-FR" dirty="0" smtClean="0"/>
+              <a:t>.</a:t>
+            </a:r>
+          </a:p>
+          <a:p>
+            <a:pPr lvl="2">
+              <a:buFont typeface="Arial"/>
+              <a:buChar char="•"/>
+            </a:pPr>
+            <a:r>
+              <a:rPr lang="fr-FR" b="1" dirty="0" err="1" smtClean="0"/>
+              <a:t>Homological</a:t>
+            </a:r>
+            <a:r>
+              <a:rPr lang="fr-FR" b="1" dirty="0" smtClean="0"/>
+              <a:t> </a:t>
+            </a:r>
+            <a:r>
+              <a:rPr lang="fr-FR" b="1" dirty="0" err="1" smtClean="0"/>
+              <a:t>features</a:t>
+            </a:r>
+            <a:r>
+              <a:rPr lang="fr-FR" b="1" dirty="0" smtClean="0"/>
+              <a:t> </a:t>
+            </a:r>
+            <a:r>
+              <a:rPr lang="fr-FR" b="1" dirty="0" err="1" smtClean="0"/>
+              <a:t>reflect</a:t>
+            </a:r>
+            <a:r>
+              <a:rPr lang="fr-FR" dirty="0" smtClean="0"/>
+              <a:t> </a:t>
+            </a:r>
+            <a:r>
+              <a:rPr lang="fr-FR" dirty="0" err="1" smtClean="0"/>
+              <a:t>common</a:t>
+            </a:r>
+            <a:r>
+              <a:rPr lang="fr-FR" dirty="0" smtClean="0"/>
+              <a:t> </a:t>
+            </a:r>
+            <a:r>
+              <a:rPr lang="fr-FR" b="1" dirty="0" err="1" smtClean="0"/>
+              <a:t>composition</a:t>
+            </a:r>
+            <a:r>
+              <a:rPr lang="fr-FR" dirty="0" err="1" smtClean="0"/>
+              <a:t>al</a:t>
+            </a:r>
+            <a:r>
+              <a:rPr lang="fr-FR" dirty="0" smtClean="0"/>
+              <a:t> structures in </a:t>
+            </a:r>
+            <a:r>
+              <a:rPr lang="fr-FR" dirty="0" err="1" smtClean="0"/>
+              <a:t>songs</a:t>
+            </a:r>
+            <a:r>
+              <a:rPr lang="fr-FR" dirty="0" smtClean="0"/>
+              <a:t>.</a:t>
+            </a:r>
+          </a:p>
+          <a:p>
+            <a:pPr lvl="2">
+              <a:buFont typeface="Arial"/>
+              <a:buChar char="•"/>
+            </a:pPr>
+            <a:r>
+              <a:rPr lang="fr-FR" b="1" dirty="0" err="1" smtClean="0"/>
+              <a:t>Birth</a:t>
+            </a:r>
+            <a:r>
+              <a:rPr lang="fr-FR" b="1" dirty="0" smtClean="0"/>
+              <a:t> and </a:t>
+            </a:r>
+            <a:r>
+              <a:rPr lang="fr-FR" b="1" dirty="0" err="1" smtClean="0"/>
+              <a:t>Death</a:t>
+            </a:r>
+            <a:r>
+              <a:rPr lang="fr-FR" b="1" dirty="0" smtClean="0"/>
+              <a:t> times </a:t>
+            </a:r>
+            <a:r>
+              <a:rPr lang="fr-FR" dirty="0" smtClean="0"/>
+              <a:t>of </a:t>
+            </a:r>
+            <a:r>
+              <a:rPr lang="fr-FR" dirty="0" err="1" smtClean="0"/>
+              <a:t>homological</a:t>
+            </a:r>
+            <a:r>
+              <a:rPr lang="fr-FR" dirty="0" smtClean="0"/>
+              <a:t> </a:t>
+            </a:r>
+            <a:r>
+              <a:rPr lang="fr-FR" dirty="0" err="1" smtClean="0"/>
+              <a:t>features</a:t>
+            </a:r>
+            <a:r>
+              <a:rPr lang="fr-FR" dirty="0" smtClean="0"/>
+              <a:t> </a:t>
+            </a:r>
+            <a:r>
+              <a:rPr lang="fr-FR" b="1" dirty="0" err="1" smtClean="0"/>
+              <a:t>reflect</a:t>
+            </a:r>
+            <a:r>
+              <a:rPr lang="fr-FR" b="1" dirty="0"/>
+              <a:t> </a:t>
+            </a:r>
+            <a:r>
+              <a:rPr lang="fr-FR" b="1" dirty="0" err="1" smtClean="0"/>
+              <a:t>chord</a:t>
+            </a:r>
+            <a:r>
+              <a:rPr lang="fr-FR" b="1" dirty="0" smtClean="0"/>
+              <a:t> progression </a:t>
+            </a:r>
+            <a:r>
+              <a:rPr lang="fr-FR" dirty="0" smtClean="0"/>
+              <a:t>and </a:t>
+            </a:r>
+            <a:r>
+              <a:rPr lang="fr-FR" b="1" dirty="0" err="1" smtClean="0"/>
+              <a:t>root</a:t>
+            </a:r>
+            <a:r>
+              <a:rPr lang="fr-FR" b="1" dirty="0" smtClean="0"/>
+              <a:t> </a:t>
+            </a:r>
+            <a:r>
+              <a:rPr lang="fr-FR" b="1" dirty="0" err="1" smtClean="0"/>
+              <a:t>key</a:t>
+            </a:r>
+            <a:r>
+              <a:rPr lang="fr-FR" b="1" dirty="0" smtClean="0"/>
+              <a:t> </a:t>
+            </a:r>
+            <a:r>
+              <a:rPr lang="fr-FR" dirty="0" smtClean="0"/>
+              <a:t>in musical compositions. </a:t>
+            </a:r>
+          </a:p>
+          <a:p>
+            <a:pPr>
+              <a:buFont typeface="Arial"/>
+              <a:buChar char="•"/>
+            </a:pPr>
+            <a:r>
+              <a:rPr lang="fr-FR" dirty="0" err="1" smtClean="0"/>
+              <a:t>Bottleneck</a:t>
+            </a:r>
+            <a:r>
+              <a:rPr lang="fr-FR" dirty="0" smtClean="0"/>
+              <a:t> distance </a:t>
+            </a:r>
+            <a:r>
+              <a:rPr lang="fr-FR" dirty="0" err="1" smtClean="0"/>
+              <a:t>between</a:t>
+            </a:r>
+            <a:r>
+              <a:rPr lang="fr-FR" dirty="0" smtClean="0"/>
+              <a:t> </a:t>
+            </a:r>
+            <a:r>
+              <a:rPr lang="fr-FR" dirty="0" err="1" smtClean="0"/>
+              <a:t>persistence</a:t>
+            </a:r>
+            <a:r>
+              <a:rPr lang="fr-FR" dirty="0" smtClean="0"/>
+              <a:t> </a:t>
+            </a:r>
+            <a:r>
+              <a:rPr lang="fr-FR" dirty="0" err="1" smtClean="0"/>
+              <a:t>diagrams</a:t>
+            </a:r>
+            <a:r>
+              <a:rPr lang="fr-FR" dirty="0" smtClean="0"/>
+              <a:t> of </a:t>
+            </a:r>
+            <a:r>
+              <a:rPr lang="fr-FR" dirty="0" err="1" smtClean="0"/>
+              <a:t>songs</a:t>
+            </a:r>
+            <a:r>
+              <a:rPr lang="fr-FR" dirty="0" smtClean="0"/>
+              <a:t>.</a:t>
+            </a:r>
+          </a:p>
+          <a:p>
+            <a:pPr lvl="2">
+              <a:buFont typeface="Arial"/>
+              <a:buChar char="•"/>
+            </a:pPr>
+            <a:r>
+              <a:rPr lang="fr-FR" dirty="0" err="1" smtClean="0"/>
+              <a:t>Allow</a:t>
+            </a:r>
+            <a:r>
+              <a:rPr lang="fr-FR" dirty="0" smtClean="0"/>
+              <a:t> a </a:t>
+            </a:r>
+            <a:r>
+              <a:rPr lang="fr-FR" b="1" dirty="0" err="1" smtClean="0"/>
+              <a:t>measure</a:t>
+            </a:r>
+            <a:r>
+              <a:rPr lang="fr-FR" b="1" dirty="0" smtClean="0"/>
+              <a:t> of </a:t>
+            </a:r>
+            <a:r>
+              <a:rPr lang="fr-FR" b="1" dirty="0" err="1" smtClean="0"/>
+              <a:t>similarity</a:t>
+            </a:r>
+            <a:r>
+              <a:rPr lang="fr-FR" b="1" dirty="0" smtClean="0"/>
+              <a:t> </a:t>
+            </a:r>
+            <a:r>
+              <a:rPr lang="fr-FR" b="1" dirty="0" err="1" smtClean="0"/>
+              <a:t>between</a:t>
+            </a:r>
+            <a:r>
+              <a:rPr lang="fr-FR" b="1" dirty="0" smtClean="0"/>
+              <a:t> </a:t>
+            </a:r>
+            <a:r>
+              <a:rPr lang="fr-FR" dirty="0" smtClean="0"/>
+              <a:t>structure of </a:t>
+            </a:r>
+            <a:r>
+              <a:rPr lang="fr-FR" b="1" dirty="0" err="1" smtClean="0"/>
+              <a:t>song</a:t>
+            </a:r>
+            <a:r>
+              <a:rPr lang="fr-FR" b="1" dirty="0" smtClean="0"/>
+              <a:t> compositions</a:t>
+            </a:r>
+            <a:r>
+              <a:rPr lang="fr-FR" dirty="0" smtClean="0"/>
+              <a:t>.</a:t>
+            </a:r>
+          </a:p>
+          <a:p>
+            <a:pPr marL="384048" lvl="1" indent="0">
+              <a:buNone/>
+            </a:pPr>
+            <a:endParaRPr lang="fr-FR" dirty="0" smtClean="0"/>
+          </a:p>
+          <a:p>
+            <a:pPr lvl="1">
+              <a:buFont typeface="Arial"/>
+              <a:buChar char="•"/>
+            </a:pPr>
+            <a:endParaRPr lang="fr-FR" dirty="0" smtClean="0"/>
+          </a:p>
+        </p:txBody>
+      </p:sp>
+      <p:sp>
+        <p:nvSpPr>
+          <p:cNvPr id="2" name="Titre 1"/>
+          <p:cNvSpPr>
+            <a:spLocks noGrp="1"/>
+          </p:cNvSpPr>
+          <p:nvPr>
+            <p:ph type="title"/>
+          </p:nvPr>
+        </p:nvSpPr>
+        <p:spPr/>
+        <p:txBody>
+          <a:bodyPr/>
+          <a:lstStyle/>
+          <a:p>
+            <a:r>
+              <a:rPr lang="fr-FR" dirty="0" err="1" smtClean="0"/>
+              <a:t>Topological</a:t>
+            </a:r>
+            <a:r>
+              <a:rPr lang="fr-FR" dirty="0" smtClean="0"/>
+              <a:t> Aspects</a:t>
+            </a:r>
+            <a:endParaRPr lang="fr-FR" dirty="0"/>
+          </a:p>
+        </p:txBody>
+      </p:sp>
+      <p:sp>
+        <p:nvSpPr>
+          <p:cNvPr id="4" name="Espace réservé du pied de page 3"/>
+          <p:cNvSpPr>
+            <a:spLocks noGrp="1"/>
+          </p:cNvSpPr>
+          <p:nvPr>
+            <p:ph type="ftr" sz="quarter" idx="12"/>
+          </p:nvPr>
+        </p:nvSpPr>
+        <p:spPr/>
+        <p:txBody>
+          <a:bodyPr/>
+          <a:lstStyle/>
+          <a:p>
+            <a:r>
+              <a:rPr lang="mr-IN" smtClean="0"/>
+              <a:t>Song Similarities via Homological Features of Music                                                       Leventhal &amp; Fahimfar               </a:t>
+            </a:r>
+            <a:endParaRPr lang="en-US" dirty="0"/>
+          </a:p>
+        </p:txBody>
+      </p:sp>
+    </p:spTree>
+    <p:extLst>
+      <p:ext uri="{BB962C8B-B14F-4D97-AF65-F5344CB8AC3E}">
+        <p14:creationId xmlns:p14="http://schemas.microsoft.com/office/powerpoint/2010/main" val="4160032454"/>
+      </p:ext>
+    </p:extLst>
+  </p:cSld>
+  <p:clrMapOvr>
+    <a:masterClrMapping/>
+  </p:clrMapOvr>
+</p:sld>
+</file>
+
+<file path=ppt/slides/slide9.xml><?xml version="1.0" encoding="utf-8"?>
 <p:sld xmlns:a="http://schemas.openxmlformats.org/drawingml/2006/main" xmlns:r="http://schemas.openxmlformats.org/officeDocument/2006/relationships" xmlns:p="http://schemas.openxmlformats.org/presentationml/2006/main">
   <p:cSld>
     <p:spTree>
@@ -5924,334 +9650,33 @@
           </a:prstGeom>
         </p:spPr>
       </p:pic>
+      <p:sp>
+        <p:nvSpPr>
+          <p:cNvPr id="5" name="Espace réservé du pied de page 4"/>
+          <p:cNvSpPr>
+            <a:spLocks noGrp="1"/>
+          </p:cNvSpPr>
+          <p:nvPr>
+            <p:ph type="ftr" sz="quarter" idx="12"/>
+          </p:nvPr>
+        </p:nvSpPr>
+        <p:spPr/>
+        <p:txBody>
+          <a:bodyPr/>
+          <a:lstStyle/>
+          <a:p>
+            <a:r>
+              <a:rPr lang="mr-IN" smtClean="0"/>
+              <a:t>Song Similarities via Homological Features of Music                                                       Leventhal &amp; Fahimfar               </a:t>
+            </a:r>
+            <a:endParaRPr lang="en-US" dirty="0"/>
+          </a:p>
+        </p:txBody>
+      </p:sp>
     </p:spTree>
     <p:extLst>
       <p:ext uri="{BB962C8B-B14F-4D97-AF65-F5344CB8AC3E}">
         <p14:creationId xmlns:p14="http://schemas.microsoft.com/office/powerpoint/2010/main" val="1021484032"/>
-      </p:ext>
-    </p:extLst>
-  </p:cSld>
-  <p:clrMapOvr>
-    <a:masterClrMapping/>
-  </p:clrMapOvr>
-</p:sld>
-</file>
-
-<file path=ppt/slides/slide9.xml><?xml version="1.0" encoding="utf-8"?>
-<p:sld xmlns:a="http://schemas.openxmlformats.org/drawingml/2006/main" xmlns:r="http://schemas.openxmlformats.org/officeDocument/2006/relationships" xmlns:p="http://schemas.openxmlformats.org/presentationml/2006/main">
-  <p:cSld>
-    <p:spTree>
-      <p:nvGrpSpPr>
-        <p:cNvPr id="1" name=""/>
-        <p:cNvGrpSpPr/>
-        <p:nvPr/>
-      </p:nvGrpSpPr>
-      <p:grpSpPr>
-        <a:xfrm>
-          <a:off x="0" y="0"/>
-          <a:ext cx="0" cy="0"/>
-          <a:chOff x="0" y="0"/>
-          <a:chExt cx="0" cy="0"/>
-        </a:xfrm>
-      </p:grpSpPr>
-      <p:sp>
-        <p:nvSpPr>
-          <p:cNvPr id="3" name="Espace réservé du contenu 2"/>
-          <p:cNvSpPr>
-            <a:spLocks noGrp="1"/>
-          </p:cNvSpPr>
-          <p:nvPr>
-            <p:ph idx="1"/>
-          </p:nvPr>
-        </p:nvSpPr>
-        <p:spPr/>
-        <p:txBody>
-          <a:bodyPr/>
-          <a:lstStyle/>
-          <a:p>
-            <a:pPr>
-              <a:buFont typeface="Arial"/>
-              <a:buChar char="•"/>
-            </a:pPr>
-            <a:r>
-              <a:rPr lang="fr-FR" dirty="0" smtClean="0"/>
-              <a:t>Persistent </a:t>
-            </a:r>
-            <a:r>
-              <a:rPr lang="fr-FR" dirty="0" err="1" smtClean="0"/>
-              <a:t>Homology</a:t>
-            </a:r>
-            <a:r>
-              <a:rPr lang="fr-FR" dirty="0" smtClean="0"/>
-              <a:t> of chroma </a:t>
-            </a:r>
-            <a:r>
-              <a:rPr lang="fr-FR" dirty="0" err="1" smtClean="0"/>
-              <a:t>features</a:t>
-            </a:r>
-            <a:r>
-              <a:rPr lang="fr-FR" dirty="0" smtClean="0"/>
-              <a:t>.</a:t>
-            </a:r>
-          </a:p>
-          <a:p>
-            <a:pPr lvl="2">
-              <a:buFont typeface="Arial"/>
-              <a:buChar char="•"/>
-            </a:pPr>
-            <a:r>
-              <a:rPr lang="fr-FR" b="1" dirty="0" err="1" smtClean="0"/>
-              <a:t>Homological</a:t>
-            </a:r>
-            <a:r>
-              <a:rPr lang="fr-FR" b="1" dirty="0" smtClean="0"/>
-              <a:t> </a:t>
-            </a:r>
-            <a:r>
-              <a:rPr lang="fr-FR" b="1" dirty="0" err="1" smtClean="0"/>
-              <a:t>features</a:t>
-            </a:r>
-            <a:r>
-              <a:rPr lang="fr-FR" b="1" dirty="0" smtClean="0"/>
-              <a:t> </a:t>
-            </a:r>
-            <a:r>
-              <a:rPr lang="fr-FR" b="1" dirty="0" err="1" smtClean="0"/>
-              <a:t>reflect</a:t>
-            </a:r>
-            <a:r>
-              <a:rPr lang="fr-FR" dirty="0" smtClean="0"/>
-              <a:t> </a:t>
-            </a:r>
-            <a:r>
-              <a:rPr lang="fr-FR" dirty="0" err="1" smtClean="0"/>
-              <a:t>common</a:t>
-            </a:r>
-            <a:r>
-              <a:rPr lang="fr-FR" dirty="0" smtClean="0"/>
-              <a:t> </a:t>
-            </a:r>
-            <a:r>
-              <a:rPr lang="fr-FR" b="1" dirty="0" err="1" smtClean="0"/>
-              <a:t>composition</a:t>
-            </a:r>
-            <a:r>
-              <a:rPr lang="fr-FR" dirty="0" err="1" smtClean="0"/>
-              <a:t>al</a:t>
-            </a:r>
-            <a:r>
-              <a:rPr lang="fr-FR" dirty="0" smtClean="0"/>
-              <a:t> structures in </a:t>
-            </a:r>
-            <a:r>
-              <a:rPr lang="fr-FR" dirty="0" err="1" smtClean="0"/>
-              <a:t>songs</a:t>
-            </a:r>
-            <a:r>
-              <a:rPr lang="fr-FR" dirty="0" smtClean="0"/>
-              <a:t>.</a:t>
-            </a:r>
-          </a:p>
-          <a:p>
-            <a:pPr lvl="2">
-              <a:buFont typeface="Arial"/>
-              <a:buChar char="•"/>
-            </a:pPr>
-            <a:r>
-              <a:rPr lang="fr-FR" b="1" dirty="0" err="1" smtClean="0"/>
-              <a:t>Birth</a:t>
-            </a:r>
-            <a:r>
-              <a:rPr lang="fr-FR" b="1" dirty="0" smtClean="0"/>
-              <a:t> and </a:t>
-            </a:r>
-            <a:r>
-              <a:rPr lang="fr-FR" b="1" dirty="0" err="1" smtClean="0"/>
-              <a:t>Death</a:t>
-            </a:r>
-            <a:r>
-              <a:rPr lang="fr-FR" b="1" dirty="0" smtClean="0"/>
-              <a:t> times </a:t>
-            </a:r>
-            <a:r>
-              <a:rPr lang="fr-FR" dirty="0" smtClean="0"/>
-              <a:t>of </a:t>
-            </a:r>
-            <a:r>
-              <a:rPr lang="fr-FR" dirty="0" err="1" smtClean="0"/>
-              <a:t>homological</a:t>
-            </a:r>
-            <a:r>
-              <a:rPr lang="fr-FR" dirty="0" smtClean="0"/>
-              <a:t> </a:t>
-            </a:r>
-            <a:r>
-              <a:rPr lang="fr-FR" dirty="0" err="1" smtClean="0"/>
-              <a:t>features</a:t>
-            </a:r>
-            <a:r>
-              <a:rPr lang="fr-FR" dirty="0" smtClean="0"/>
-              <a:t> </a:t>
-            </a:r>
-            <a:r>
-              <a:rPr lang="fr-FR" b="1" dirty="0" err="1" smtClean="0"/>
-              <a:t>reflect</a:t>
-            </a:r>
-            <a:r>
-              <a:rPr lang="fr-FR" b="1" dirty="0" smtClean="0"/>
-              <a:t> time signatures </a:t>
-            </a:r>
-            <a:r>
-              <a:rPr lang="fr-FR" dirty="0" smtClean="0"/>
-              <a:t>of musical compositions. </a:t>
-            </a:r>
-          </a:p>
-          <a:p>
-            <a:pPr>
-              <a:buFont typeface="Arial"/>
-              <a:buChar char="•"/>
-            </a:pPr>
-            <a:r>
-              <a:rPr lang="fr-FR" dirty="0" err="1" smtClean="0"/>
-              <a:t>Bottleneck</a:t>
-            </a:r>
-            <a:r>
-              <a:rPr lang="fr-FR" dirty="0" smtClean="0"/>
-              <a:t> distance </a:t>
-            </a:r>
-            <a:r>
-              <a:rPr lang="fr-FR" dirty="0" err="1" smtClean="0"/>
-              <a:t>between</a:t>
-            </a:r>
-            <a:r>
-              <a:rPr lang="fr-FR" dirty="0" smtClean="0"/>
-              <a:t> </a:t>
-            </a:r>
-            <a:r>
-              <a:rPr lang="fr-FR" dirty="0" err="1" smtClean="0"/>
-              <a:t>persistence</a:t>
-            </a:r>
-            <a:r>
-              <a:rPr lang="fr-FR" dirty="0" smtClean="0"/>
-              <a:t> </a:t>
-            </a:r>
-            <a:r>
-              <a:rPr lang="fr-FR" dirty="0" err="1" smtClean="0"/>
-              <a:t>diagrams</a:t>
-            </a:r>
-            <a:r>
-              <a:rPr lang="fr-FR" dirty="0" smtClean="0"/>
-              <a:t> of </a:t>
-            </a:r>
-            <a:r>
-              <a:rPr lang="fr-FR" dirty="0" err="1" smtClean="0"/>
-              <a:t>songs</a:t>
-            </a:r>
-            <a:r>
-              <a:rPr lang="fr-FR" dirty="0" smtClean="0"/>
-              <a:t>.</a:t>
-            </a:r>
-          </a:p>
-          <a:p>
-            <a:pPr lvl="2">
-              <a:buFont typeface="Arial"/>
-              <a:buChar char="•"/>
-            </a:pPr>
-            <a:r>
-              <a:rPr lang="fr-FR" dirty="0" err="1" smtClean="0"/>
-              <a:t>Allow</a:t>
-            </a:r>
-            <a:r>
-              <a:rPr lang="fr-FR" dirty="0" smtClean="0"/>
-              <a:t> a </a:t>
-            </a:r>
-            <a:r>
-              <a:rPr lang="fr-FR" b="1" dirty="0" err="1" smtClean="0"/>
-              <a:t>measure</a:t>
-            </a:r>
-            <a:r>
-              <a:rPr lang="fr-FR" b="1" dirty="0" smtClean="0"/>
-              <a:t> of </a:t>
-            </a:r>
-            <a:r>
-              <a:rPr lang="fr-FR" b="1" dirty="0" err="1" smtClean="0"/>
-              <a:t>similarity</a:t>
-            </a:r>
-            <a:r>
-              <a:rPr lang="fr-FR" b="1" dirty="0" smtClean="0"/>
-              <a:t> </a:t>
-            </a:r>
-            <a:r>
-              <a:rPr lang="fr-FR" b="1" dirty="0" err="1" smtClean="0"/>
-              <a:t>between</a:t>
-            </a:r>
-            <a:r>
-              <a:rPr lang="fr-FR" b="1" dirty="0" smtClean="0"/>
-              <a:t> </a:t>
-            </a:r>
-            <a:r>
-              <a:rPr lang="fr-FR" dirty="0" smtClean="0"/>
-              <a:t>structure of </a:t>
-            </a:r>
-            <a:r>
-              <a:rPr lang="fr-FR" b="1" dirty="0" err="1" smtClean="0"/>
-              <a:t>song</a:t>
-            </a:r>
-            <a:r>
-              <a:rPr lang="fr-FR" b="1" dirty="0" smtClean="0"/>
-              <a:t> compositions</a:t>
-            </a:r>
-            <a:r>
-              <a:rPr lang="fr-FR" dirty="0" smtClean="0"/>
-              <a:t>.</a:t>
-            </a:r>
-          </a:p>
-          <a:p>
-            <a:pPr marL="384048" lvl="1" indent="0">
-              <a:buNone/>
-            </a:pPr>
-            <a:endParaRPr lang="fr-FR" dirty="0" smtClean="0"/>
-          </a:p>
-          <a:p>
-            <a:pPr lvl="1">
-              <a:buFont typeface="Arial"/>
-              <a:buChar char="•"/>
-            </a:pPr>
-            <a:endParaRPr lang="fr-FR" dirty="0" smtClean="0"/>
-          </a:p>
-        </p:txBody>
-      </p:sp>
-      <p:sp>
-        <p:nvSpPr>
-          <p:cNvPr id="2" name="Titre 1"/>
-          <p:cNvSpPr>
-            <a:spLocks noGrp="1"/>
-          </p:cNvSpPr>
-          <p:nvPr>
-            <p:ph type="title"/>
-          </p:nvPr>
-        </p:nvSpPr>
-        <p:spPr/>
-        <p:txBody>
-          <a:bodyPr/>
-          <a:lstStyle/>
-          <a:p>
-            <a:r>
-              <a:rPr lang="fr-FR" dirty="0" err="1" smtClean="0"/>
-              <a:t>Topological</a:t>
-            </a:r>
-            <a:r>
-              <a:rPr lang="fr-FR" dirty="0" smtClean="0"/>
-              <a:t> Aspects</a:t>
-            </a:r>
-            <a:endParaRPr lang="fr-FR" dirty="0"/>
-          </a:p>
-        </p:txBody>
-      </p:sp>
-    </p:spTree>
-    <p:extLst>
-      <p:ext uri="{BB962C8B-B14F-4D97-AF65-F5344CB8AC3E}">
-        <p14:creationId xmlns:p14="http://schemas.microsoft.com/office/powerpoint/2010/main" val="4160032454"/>
       </p:ext>
     </p:extLst>
   </p:cSld>
@@ -6536,4 +9961,644 @@
   <a:objectDefaults/>
   <a:extraClrSchemeLst/>
 </a:theme>
+</file>
+
+<file path=ppt/theme/theme2.xml><?xml version="1.0" encoding="utf-8"?>
+<a:theme xmlns:a="http://schemas.openxmlformats.org/drawingml/2006/main" name="Thème Office">
+  <a:themeElements>
+    <a:clrScheme name="Bureau">
+      <a:dk1>
+        <a:sysClr val="windowText" lastClr="000000"/>
+      </a:dk1>
+      <a:lt1>
+        <a:sysClr val="window" lastClr="FFFFFF"/>
+      </a:lt1>
+      <a:dk2>
+        <a:srgbClr val="1F497D"/>
+      </a:dk2>
+      <a:lt2>
+        <a:srgbClr val="EEECE1"/>
+      </a:lt2>
+      <a:accent1>
+        <a:srgbClr val="4F81BD"/>
+      </a:accent1>
+      <a:accent2>
+        <a:srgbClr val="C0504D"/>
+      </a:accent2>
+      <a:accent3>
+        <a:srgbClr val="9BBB59"/>
+      </a:accent3>
+      <a:accent4>
+        <a:srgbClr val="8064A2"/>
+      </a:accent4>
+      <a:accent5>
+        <a:srgbClr val="4BACC6"/>
+      </a:accent5>
+      <a:accent6>
+        <a:srgbClr val="F79646"/>
+      </a:accent6>
+      <a:hlink>
+        <a:srgbClr val="0000FF"/>
+      </a:hlink>
+      <a:folHlink>
+        <a:srgbClr val="800080"/>
+      </a:folHlink>
+    </a:clrScheme>
+    <a:fontScheme name="Bureau">
+      <a:majorFont>
+        <a:latin typeface="Calibri"/>
+        <a:ea typeface=""/>
+        <a:cs typeface=""/>
+        <a:font script="Jpan" typeface="ＭＳ Ｐゴシック"/>
+        <a:font script="Hang" typeface="맑은 고딕"/>
+        <a:font script="Hans" typeface="宋体"/>
+        <a:font script="Hant" typeface="新細明體"/>
+        <a:font script="Arab" typeface="Times New Roman"/>
+        <a:font script="Hebr" typeface="Times New Roman"/>
+        <a:font script="Thai" typeface="Angsana New"/>
+        <a:font script="Ethi" typeface="Nyala"/>
+        <a:font script="Beng" typeface="Vrinda"/>
+        <a:font script="Gujr" typeface="Shruti"/>
+        <a:font script="Khmr" typeface="MoolBoran"/>
+        <a:font script="Knda" typeface="Tunga"/>
+        <a:font script="Guru" typeface="Raavi"/>
+        <a:font script="Cans" typeface="Euphemia"/>
+        <a:font script="Cher" typeface="Plantagenet Cherokee"/>
+        <a:font script="Yiii" typeface="Microsoft Yi Baiti"/>
+        <a:font script="Tibt" typeface="Microsoft Himalaya"/>
+        <a:font script="Thaa" typeface="MV Boli"/>
+        <a:font script="Deva" typeface="Mangal"/>
+        <a:font script="Telu" typeface="Gautami"/>
+        <a:font script="Taml" typeface="Latha"/>
+        <a:font script="Syrc" typeface="Estrangelo Edessa"/>
+        <a:font script="Orya" typeface="Kalinga"/>
+        <a:font script="Mlym" typeface="Kartika"/>
+        <a:font script="Laoo" typeface="DokChampa"/>
+        <a:font script="Sinh" typeface="Iskoola Pota"/>
+        <a:font script="Mong" typeface="Mongolian Baiti"/>
+        <a:font script="Viet" typeface="Times New Roman"/>
+        <a:font script="Uigh" typeface="Microsoft Uighur"/>
+        <a:font script="Geor" typeface="Sylfaen"/>
+      </a:majorFont>
+      <a:minorFont>
+        <a:latin typeface="Calibri"/>
+        <a:ea typeface=""/>
+        <a:cs typeface=""/>
+        <a:font script="Jpan" typeface="ＭＳ Ｐゴシック"/>
+        <a:font script="Hang" typeface="맑은 고딕"/>
+        <a:font script="Hans" typeface="宋体"/>
+        <a:font script="Hant" typeface="新細明體"/>
+        <a:font script="Arab" typeface="Arial"/>
+        <a:font script="Hebr" typeface="Arial"/>
+        <a:font script="Thai" typeface="Cordia New"/>
+        <a:font script="Ethi" typeface="Nyala"/>
+        <a:font script="Beng" typeface="Vrinda"/>
+        <a:font script="Gujr" typeface="Shruti"/>
+        <a:font script="Khmr" typeface="DaunPenh"/>
+        <a:font script="Knda" typeface="Tunga"/>
+        <a:font script="Guru" typeface="Raavi"/>
+        <a:font script="Cans" typeface="Euphemia"/>
+        <a:font script="Cher" typeface="Plantagenet Cherokee"/>
+        <a:font script="Yiii" typeface="Microsoft Yi Baiti"/>
+        <a:font script="Tibt" typeface="Microsoft Himalaya"/>
+        <a:font script="Thaa" typeface="MV Boli"/>
+        <a:font script="Deva" typeface="Mangal"/>
+        <a:font script="Telu" typeface="Gautami"/>
+        <a:font script="Taml" typeface="Latha"/>
+        <a:font script="Syrc" typeface="Estrangelo Edessa"/>
+        <a:font script="Orya" typeface="Kalinga"/>
+        <a:font script="Mlym" typeface="Kartika"/>
+        <a:font script="Laoo" typeface="DokChampa"/>
+        <a:font script="Sinh" typeface="Iskoola Pota"/>
+        <a:font script="Mong" typeface="Mongolian Baiti"/>
+        <a:font script="Viet" typeface="Arial"/>
+        <a:font script="Uigh" typeface="Microsoft Uighur"/>
+        <a:font script="Geor" typeface="Sylfaen"/>
+      </a:minorFont>
+    </a:fontScheme>
+    <a:fmtScheme name="Bureau">
+      <a:fillStyleLst>
+        <a:solidFill>
+          <a:schemeClr val="phClr"/>
+        </a:solidFill>
+        <a:gradFill rotWithShape="1">
+          <a:gsLst>
+            <a:gs pos="0">
+              <a:schemeClr val="phClr">
+                <a:tint val="50000"/>
+                <a:satMod val="300000"/>
+              </a:schemeClr>
+            </a:gs>
+            <a:gs pos="35000">
+              <a:schemeClr val="phClr">
+                <a:tint val="37000"/>
+                <a:satMod val="300000"/>
+              </a:schemeClr>
+            </a:gs>
+            <a:gs pos="100000">
+              <a:schemeClr val="phClr">
+                <a:tint val="15000"/>
+                <a:satMod val="350000"/>
+              </a:schemeClr>
+            </a:gs>
+          </a:gsLst>
+          <a:lin ang="16200000" scaled="1"/>
+        </a:gradFill>
+        <a:gradFill rotWithShape="1">
+          <a:gsLst>
+            <a:gs pos="0">
+              <a:schemeClr val="phClr">
+                <a:tint val="100000"/>
+                <a:shade val="100000"/>
+                <a:satMod val="130000"/>
+              </a:schemeClr>
+            </a:gs>
+            <a:gs pos="100000">
+              <a:schemeClr val="phClr">
+                <a:tint val="50000"/>
+                <a:shade val="100000"/>
+                <a:satMod val="350000"/>
+              </a:schemeClr>
+            </a:gs>
+          </a:gsLst>
+          <a:lin ang="16200000" scaled="0"/>
+        </a:gradFill>
+      </a:fillStyleLst>
+      <a:lnStyleLst>
+        <a:ln w="9525" cap="flat" cmpd="sng" algn="ctr">
+          <a:solidFill>
+            <a:schemeClr val="phClr">
+              <a:shade val="95000"/>
+              <a:satMod val="105000"/>
+            </a:schemeClr>
+          </a:solidFill>
+          <a:prstDash val="solid"/>
+        </a:ln>
+        <a:ln w="25400" cap="flat" cmpd="sng" algn="ctr">
+          <a:solidFill>
+            <a:schemeClr val="phClr"/>
+          </a:solidFill>
+          <a:prstDash val="solid"/>
+        </a:ln>
+        <a:ln w="38100" cap="flat" cmpd="sng" algn="ctr">
+          <a:solidFill>
+            <a:schemeClr val="phClr"/>
+          </a:solidFill>
+          <a:prstDash val="solid"/>
+        </a:ln>
+      </a:lnStyleLst>
+      <a:effectStyleLst>
+        <a:effectStyle>
+          <a:effectLst>
+            <a:outerShdw blurRad="40000" dist="20000" dir="5400000" rotWithShape="0">
+              <a:srgbClr val="000000">
+                <a:alpha val="38000"/>
+              </a:srgbClr>
+            </a:outerShdw>
+          </a:effectLst>
+        </a:effectStyle>
+        <a:effectStyle>
+          <a:effectLst>
+            <a:outerShdw blurRad="40000" dist="23000" dir="5400000" rotWithShape="0">
+              <a:srgbClr val="000000">
+                <a:alpha val="35000"/>
+              </a:srgbClr>
+            </a:outerShdw>
+          </a:effectLst>
+        </a:effectStyle>
+        <a:effectStyle>
+          <a:effectLst>
+            <a:outerShdw blurRad="40000" dist="23000" dir="5400000" rotWithShape="0">
+              <a:srgbClr val="000000">
+                <a:alpha val="35000"/>
+              </a:srgbClr>
+            </a:outerShdw>
+          </a:effectLst>
+          <a:scene3d>
+            <a:camera prst="orthographicFront">
+              <a:rot lat="0" lon="0" rev="0"/>
+            </a:camera>
+            <a:lightRig rig="threePt" dir="t">
+              <a:rot lat="0" lon="0" rev="1200000"/>
+            </a:lightRig>
+          </a:scene3d>
+          <a:sp3d>
+            <a:bevelT w="63500" h="25400"/>
+          </a:sp3d>
+        </a:effectStyle>
+      </a:effectStyleLst>
+      <a:bgFillStyleLst>
+        <a:solidFill>
+          <a:schemeClr val="phClr"/>
+        </a:solidFill>
+        <a:gradFill rotWithShape="1">
+          <a:gsLst>
+            <a:gs pos="0">
+              <a:schemeClr val="phClr">
+                <a:tint val="40000"/>
+                <a:satMod val="350000"/>
+              </a:schemeClr>
+            </a:gs>
+            <a:gs pos="40000">
+              <a:schemeClr val="phClr">
+                <a:tint val="45000"/>
+                <a:shade val="99000"/>
+                <a:satMod val="350000"/>
+              </a:schemeClr>
+            </a:gs>
+            <a:gs pos="100000">
+              <a:schemeClr val="phClr">
+                <a:shade val="20000"/>
+                <a:satMod val="255000"/>
+              </a:schemeClr>
+            </a:gs>
+          </a:gsLst>
+          <a:path path="circle">
+            <a:fillToRect l="50000" t="-80000" r="50000" b="180000"/>
+          </a:path>
+        </a:gradFill>
+        <a:gradFill rotWithShape="1">
+          <a:gsLst>
+            <a:gs pos="0">
+              <a:schemeClr val="phClr">
+                <a:tint val="80000"/>
+                <a:satMod val="300000"/>
+              </a:schemeClr>
+            </a:gs>
+            <a:gs pos="100000">
+              <a:schemeClr val="phClr">
+                <a:shade val="30000"/>
+                <a:satMod val="200000"/>
+              </a:schemeClr>
+            </a:gs>
+          </a:gsLst>
+          <a:path path="circle">
+            <a:fillToRect l="50000" t="50000" r="50000" b="50000"/>
+          </a:path>
+        </a:gradFill>
+      </a:bgFillStyleLst>
+    </a:fmtScheme>
+  </a:themeElements>
+  <a:objectDefaults>
+    <a:spDef>
+      <a:spPr/>
+      <a:bodyPr/>
+      <a:lstStyle/>
+      <a:style>
+        <a:lnRef idx="1">
+          <a:schemeClr val="accent1"/>
+        </a:lnRef>
+        <a:fillRef idx="3">
+          <a:schemeClr val="accent1"/>
+        </a:fillRef>
+        <a:effectRef idx="2">
+          <a:schemeClr val="accent1"/>
+        </a:effectRef>
+        <a:fontRef idx="minor">
+          <a:schemeClr val="lt1"/>
+        </a:fontRef>
+      </a:style>
+    </a:spDef>
+    <a:lnDef>
+      <a:spPr/>
+      <a:bodyPr/>
+      <a:lstStyle/>
+      <a:style>
+        <a:lnRef idx="2">
+          <a:schemeClr val="accent1"/>
+        </a:lnRef>
+        <a:fillRef idx="0">
+          <a:schemeClr val="accent1"/>
+        </a:fillRef>
+        <a:effectRef idx="1">
+          <a:schemeClr val="accent1"/>
+        </a:effectRef>
+        <a:fontRef idx="minor">
+          <a:schemeClr val="tx1"/>
+        </a:fontRef>
+      </a:style>
+    </a:lnDef>
+  </a:objectDefaults>
+  <a:extraClrSchemeLst/>
+</a:theme>
+</file>
+
+<file path=ppt/theme/theme3.xml><?xml version="1.0" encoding="utf-8"?>
+<a:theme xmlns:a="http://schemas.openxmlformats.org/drawingml/2006/main" name="Thème Office">
+  <a:themeElements>
+    <a:clrScheme name="Bureau">
+      <a:dk1>
+        <a:sysClr val="windowText" lastClr="000000"/>
+      </a:dk1>
+      <a:lt1>
+        <a:sysClr val="window" lastClr="FFFFFF"/>
+      </a:lt1>
+      <a:dk2>
+        <a:srgbClr val="1F497D"/>
+      </a:dk2>
+      <a:lt2>
+        <a:srgbClr val="EEECE1"/>
+      </a:lt2>
+      <a:accent1>
+        <a:srgbClr val="4F81BD"/>
+      </a:accent1>
+      <a:accent2>
+        <a:srgbClr val="C0504D"/>
+      </a:accent2>
+      <a:accent3>
+        <a:srgbClr val="9BBB59"/>
+      </a:accent3>
+      <a:accent4>
+        <a:srgbClr val="8064A2"/>
+      </a:accent4>
+      <a:accent5>
+        <a:srgbClr val="4BACC6"/>
+      </a:accent5>
+      <a:accent6>
+        <a:srgbClr val="F79646"/>
+      </a:accent6>
+      <a:hlink>
+        <a:srgbClr val="0000FF"/>
+      </a:hlink>
+      <a:folHlink>
+        <a:srgbClr val="800080"/>
+      </a:folHlink>
+    </a:clrScheme>
+    <a:fontScheme name="Bureau">
+      <a:majorFont>
+        <a:latin typeface="Calibri"/>
+        <a:ea typeface=""/>
+        <a:cs typeface=""/>
+        <a:font script="Jpan" typeface="ＭＳ Ｐゴシック"/>
+        <a:font script="Hang" typeface="맑은 고딕"/>
+        <a:font script="Hans" typeface="宋体"/>
+        <a:font script="Hant" typeface="新細明體"/>
+        <a:font script="Arab" typeface="Times New Roman"/>
+        <a:font script="Hebr" typeface="Times New Roman"/>
+        <a:font script="Thai" typeface="Angsana New"/>
+        <a:font script="Ethi" typeface="Nyala"/>
+        <a:font script="Beng" typeface="Vrinda"/>
+        <a:font script="Gujr" typeface="Shruti"/>
+        <a:font script="Khmr" typeface="MoolBoran"/>
+        <a:font script="Knda" typeface="Tunga"/>
+        <a:font script="Guru" typeface="Raavi"/>
+        <a:font script="Cans" typeface="Euphemia"/>
+        <a:font script="Cher" typeface="Plantagenet Cherokee"/>
+        <a:font script="Yiii" typeface="Microsoft Yi Baiti"/>
+        <a:font script="Tibt" typeface="Microsoft Himalaya"/>
+        <a:font script="Thaa" typeface="MV Boli"/>
+        <a:font script="Deva" typeface="Mangal"/>
+        <a:font script="Telu" typeface="Gautami"/>
+        <a:font script="Taml" typeface="Latha"/>
+        <a:font script="Syrc" typeface="Estrangelo Edessa"/>
+        <a:font script="Orya" typeface="Kalinga"/>
+        <a:font script="Mlym" typeface="Kartika"/>
+        <a:font script="Laoo" typeface="DokChampa"/>
+        <a:font script="Sinh" typeface="Iskoola Pota"/>
+        <a:font script="Mong" typeface="Mongolian Baiti"/>
+        <a:font script="Viet" typeface="Times New Roman"/>
+        <a:font script="Uigh" typeface="Microsoft Uighur"/>
+        <a:font script="Geor" typeface="Sylfaen"/>
+      </a:majorFont>
+      <a:minorFont>
+        <a:latin typeface="Calibri"/>
+        <a:ea typeface=""/>
+        <a:cs typeface=""/>
+        <a:font script="Jpan" typeface="ＭＳ Ｐゴシック"/>
+        <a:font script="Hang" typeface="맑은 고딕"/>
+        <a:font script="Hans" typeface="宋体"/>
+        <a:font script="Hant" typeface="新細明體"/>
+        <a:font script="Arab" typeface="Arial"/>
+        <a:font script="Hebr" typeface="Arial"/>
+        <a:font script="Thai" typeface="Cordia New"/>
+        <a:font script="Ethi" typeface="Nyala"/>
+        <a:font script="Beng" typeface="Vrinda"/>
+        <a:font script="Gujr" typeface="Shruti"/>
+        <a:font script="Khmr" typeface="DaunPenh"/>
+        <a:font script="Knda" typeface="Tunga"/>
+        <a:font script="Guru" typeface="Raavi"/>
+        <a:font script="Cans" typeface="Euphemia"/>
+        <a:font script="Cher" typeface="Plantagenet Cherokee"/>
+        <a:font script="Yiii" typeface="Microsoft Yi Baiti"/>
+        <a:font script="Tibt" typeface="Microsoft Himalaya"/>
+        <a:font script="Thaa" typeface="MV Boli"/>
+        <a:font script="Deva" typeface="Mangal"/>
+        <a:font script="Telu" typeface="Gautami"/>
+        <a:font script="Taml" typeface="Latha"/>
+        <a:font script="Syrc" typeface="Estrangelo Edessa"/>
+        <a:font script="Orya" typeface="Kalinga"/>
+        <a:font script="Mlym" typeface="Kartika"/>
+        <a:font script="Laoo" typeface="DokChampa"/>
+        <a:font script="Sinh" typeface="Iskoola Pota"/>
+        <a:font script="Mong" typeface="Mongolian Baiti"/>
+        <a:font script="Viet" typeface="Arial"/>
+        <a:font script="Uigh" typeface="Microsoft Uighur"/>
+        <a:font script="Geor" typeface="Sylfaen"/>
+      </a:minorFont>
+    </a:fontScheme>
+    <a:fmtScheme name="Bureau">
+      <a:fillStyleLst>
+        <a:solidFill>
+          <a:schemeClr val="phClr"/>
+        </a:solidFill>
+        <a:gradFill rotWithShape="1">
+          <a:gsLst>
+            <a:gs pos="0">
+              <a:schemeClr val="phClr">
+                <a:tint val="50000"/>
+                <a:satMod val="300000"/>
+              </a:schemeClr>
+            </a:gs>
+            <a:gs pos="35000">
+              <a:schemeClr val="phClr">
+                <a:tint val="37000"/>
+                <a:satMod val="300000"/>
+              </a:schemeClr>
+            </a:gs>
+            <a:gs pos="100000">
+              <a:schemeClr val="phClr">
+                <a:tint val="15000"/>
+                <a:satMod val="350000"/>
+              </a:schemeClr>
+            </a:gs>
+          </a:gsLst>
+          <a:lin ang="16200000" scaled="1"/>
+        </a:gradFill>
+        <a:gradFill rotWithShape="1">
+          <a:gsLst>
+            <a:gs pos="0">
+              <a:schemeClr val="phClr">
+                <a:tint val="100000"/>
+                <a:shade val="100000"/>
+                <a:satMod val="130000"/>
+              </a:schemeClr>
+            </a:gs>
+            <a:gs pos="100000">
+              <a:schemeClr val="phClr">
+                <a:tint val="50000"/>
+                <a:shade val="100000"/>
+                <a:satMod val="350000"/>
+              </a:schemeClr>
+            </a:gs>
+          </a:gsLst>
+          <a:lin ang="16200000" scaled="0"/>
+        </a:gradFill>
+      </a:fillStyleLst>
+      <a:lnStyleLst>
+        <a:ln w="9525" cap="flat" cmpd="sng" algn="ctr">
+          <a:solidFill>
+            <a:schemeClr val="phClr">
+              <a:shade val="95000"/>
+              <a:satMod val="105000"/>
+            </a:schemeClr>
+          </a:solidFill>
+          <a:prstDash val="solid"/>
+        </a:ln>
+        <a:ln w="25400" cap="flat" cmpd="sng" algn="ctr">
+          <a:solidFill>
+            <a:schemeClr val="phClr"/>
+          </a:solidFill>
+          <a:prstDash val="solid"/>
+        </a:ln>
+        <a:ln w="38100" cap="flat" cmpd="sng" algn="ctr">
+          <a:solidFill>
+            <a:schemeClr val="phClr"/>
+          </a:solidFill>
+          <a:prstDash val="solid"/>
+        </a:ln>
+      </a:lnStyleLst>
+      <a:effectStyleLst>
+        <a:effectStyle>
+          <a:effectLst>
+            <a:outerShdw blurRad="40000" dist="20000" dir="5400000" rotWithShape="0">
+              <a:srgbClr val="000000">
+                <a:alpha val="38000"/>
+              </a:srgbClr>
+            </a:outerShdw>
+          </a:effectLst>
+        </a:effectStyle>
+        <a:effectStyle>
+          <a:effectLst>
+            <a:outerShdw blurRad="40000" dist="23000" dir="5400000" rotWithShape="0">
+              <a:srgbClr val="000000">
+                <a:alpha val="35000"/>
+              </a:srgbClr>
+            </a:outerShdw>
+          </a:effectLst>
+        </a:effectStyle>
+        <a:effectStyle>
+          <a:effectLst>
+            <a:outerShdw blurRad="40000" dist="23000" dir="5400000" rotWithShape="0">
+              <a:srgbClr val="000000">
+                <a:alpha val="35000"/>
+              </a:srgbClr>
+            </a:outerShdw>
+          </a:effectLst>
+          <a:scene3d>
+            <a:camera prst="orthographicFront">
+              <a:rot lat="0" lon="0" rev="0"/>
+            </a:camera>
+            <a:lightRig rig="threePt" dir="t">
+              <a:rot lat="0" lon="0" rev="1200000"/>
+            </a:lightRig>
+          </a:scene3d>
+          <a:sp3d>
+            <a:bevelT w="63500" h="25400"/>
+          </a:sp3d>
+        </a:effectStyle>
+      </a:effectStyleLst>
+      <a:bgFillStyleLst>
+        <a:solidFill>
+          <a:schemeClr val="phClr"/>
+        </a:solidFill>
+        <a:gradFill rotWithShape="1">
+          <a:gsLst>
+            <a:gs pos="0">
+              <a:schemeClr val="phClr">
+                <a:tint val="40000"/>
+                <a:satMod val="350000"/>
+              </a:schemeClr>
+            </a:gs>
+            <a:gs pos="40000">
+              <a:schemeClr val="phClr">
+                <a:tint val="45000"/>
+                <a:shade val="99000"/>
+                <a:satMod val="350000"/>
+              </a:schemeClr>
+            </a:gs>
+            <a:gs pos="100000">
+              <a:schemeClr val="phClr">
+                <a:shade val="20000"/>
+                <a:satMod val="255000"/>
+              </a:schemeClr>
+            </a:gs>
+          </a:gsLst>
+          <a:path path="circle">
+            <a:fillToRect l="50000" t="-80000" r="50000" b="180000"/>
+          </a:path>
+        </a:gradFill>
+        <a:gradFill rotWithShape="1">
+          <a:gsLst>
+            <a:gs pos="0">
+              <a:schemeClr val="phClr">
+                <a:tint val="80000"/>
+                <a:satMod val="300000"/>
+              </a:schemeClr>
+            </a:gs>
+            <a:gs pos="100000">
+              <a:schemeClr val="phClr">
+                <a:shade val="30000"/>
+                <a:satMod val="200000"/>
+              </a:schemeClr>
+            </a:gs>
+          </a:gsLst>
+          <a:path path="circle">
+            <a:fillToRect l="50000" t="50000" r="50000" b="50000"/>
+          </a:path>
+        </a:gradFill>
+      </a:bgFillStyleLst>
+    </a:fmtScheme>
+  </a:themeElements>
+  <a:objectDefaults>
+    <a:spDef>
+      <a:spPr/>
+      <a:bodyPr/>
+      <a:lstStyle/>
+      <a:style>
+        <a:lnRef idx="1">
+          <a:schemeClr val="accent1"/>
+        </a:lnRef>
+        <a:fillRef idx="3">
+          <a:schemeClr val="accent1"/>
+        </a:fillRef>
+        <a:effectRef idx="2">
+          <a:schemeClr val="accent1"/>
+        </a:effectRef>
+        <a:fontRef idx="minor">
+          <a:schemeClr val="lt1"/>
+        </a:fontRef>
+      </a:style>
+    </a:spDef>
+    <a:lnDef>
+      <a:spPr/>
+      <a:bodyPr/>
+      <a:lstStyle/>
+      <a:style>
+        <a:lnRef idx="2">
+          <a:schemeClr val="accent1"/>
+        </a:lnRef>
+        <a:fillRef idx="0">
+          <a:schemeClr val="accent1"/>
+        </a:fillRef>
+        <a:effectRef idx="1">
+          <a:schemeClr val="accent1"/>
+        </a:effectRef>
+        <a:fontRef idx="minor">
+          <a:schemeClr val="tx1"/>
+        </a:fontRef>
+      </a:style>
+    </a:lnDef>
+  </a:objectDefaults>
+  <a:extraClrSchemeLst/>
+</a:theme>
 </file>